--- a/figures.pptx
+++ b/figures.pptx
@@ -14,6 +14,13 @@
     <p:sldId id="264" r:id="rId8"/>
     <p:sldId id="266" r:id="rId9"/>
     <p:sldId id="265" r:id="rId10"/>
+    <p:sldId id="267" r:id="rId11"/>
+    <p:sldId id="269" r:id="rId12"/>
+    <p:sldId id="268" r:id="rId13"/>
+    <p:sldId id="270" r:id="rId14"/>
+    <p:sldId id="271" r:id="rId15"/>
+    <p:sldId id="272" r:id="rId16"/>
+    <p:sldId id="273" r:id="rId17"/>
   </p:sldIdLst>
   <p:sldSz cx="12192000" cy="6858000"/>
   <p:notesSz cx="6858000" cy="9144000"/>
@@ -114,7 +121,18 @@
   </p:defaultTextStyle>
   <p:extLst>
     <p:ext uri="{EFAFB233-063F-42B5-8137-9DF3F51BA10A}">
-      <p15:sldGuideLst xmlns:p15="http://schemas.microsoft.com/office/powerpoint/2012/main" xmlns=""/>
+      <p15:sldGuideLst xmlns:p15="http://schemas.microsoft.com/office/powerpoint/2012/main">
+        <p15:guide id="1" orient="horz" pos="2160">
+          <p15:clr>
+            <a:srgbClr val="A4A3A4"/>
+          </p15:clr>
+        </p15:guide>
+        <p15:guide id="2" pos="3840">
+          <p15:clr>
+            <a:srgbClr val="A4A3A4"/>
+          </p15:clr>
+        </p15:guide>
+      </p15:sldGuideLst>
     </p:ext>
   </p:extLst>
 </p:presentation>
@@ -213,55 +231,55 @@
                 <c:formatCode>General</c:formatCode>
                 <c:ptCount val="17"/>
                 <c:pt idx="0">
-                  <c:v>11.0</c:v>
+                  <c:v>11</c:v>
                 </c:pt>
                 <c:pt idx="1">
-                  <c:v>21.0</c:v>
+                  <c:v>21</c:v>
                 </c:pt>
                 <c:pt idx="2">
-                  <c:v>28.0</c:v>
+                  <c:v>28</c:v>
                 </c:pt>
                 <c:pt idx="3">
-                  <c:v>28.0</c:v>
+                  <c:v>28</c:v>
                 </c:pt>
                 <c:pt idx="4">
-                  <c:v>25.0</c:v>
+                  <c:v>25</c:v>
                 </c:pt>
                 <c:pt idx="5">
-                  <c:v>23.0</c:v>
+                  <c:v>23</c:v>
                 </c:pt>
                 <c:pt idx="6">
-                  <c:v>24.0</c:v>
+                  <c:v>24</c:v>
                 </c:pt>
                 <c:pt idx="7">
-                  <c:v>24.0</c:v>
+                  <c:v>24</c:v>
                 </c:pt>
                 <c:pt idx="8">
-                  <c:v>29.0</c:v>
+                  <c:v>29</c:v>
                 </c:pt>
                 <c:pt idx="9">
-                  <c:v>29.0</c:v>
+                  <c:v>29</c:v>
                 </c:pt>
                 <c:pt idx="10">
-                  <c:v>30.0</c:v>
+                  <c:v>30</c:v>
                 </c:pt>
                 <c:pt idx="11">
-                  <c:v>34.0</c:v>
+                  <c:v>34</c:v>
                 </c:pt>
                 <c:pt idx="12">
-                  <c:v>31.0</c:v>
+                  <c:v>31</c:v>
                 </c:pt>
                 <c:pt idx="13">
-                  <c:v>31.0</c:v>
+                  <c:v>31</c:v>
                 </c:pt>
                 <c:pt idx="14">
-                  <c:v>32.0</c:v>
+                  <c:v>32</c:v>
                 </c:pt>
                 <c:pt idx="15">
-                  <c:v>28.0</c:v>
+                  <c:v>28</c:v>
                 </c:pt>
                 <c:pt idx="16">
-                  <c:v>48.0</c:v>
+                  <c:v>48</c:v>
                 </c:pt>
               </c:numCache>
             </c:numRef>
@@ -340,55 +358,55 @@
                 <c:formatCode>General</c:formatCode>
                 <c:ptCount val="17"/>
                 <c:pt idx="0">
-                  <c:v>11.0</c:v>
+                  <c:v>11</c:v>
                 </c:pt>
                 <c:pt idx="1">
-                  <c:v>10.0</c:v>
+                  <c:v>10</c:v>
                 </c:pt>
                 <c:pt idx="2">
-                  <c:v>7.0</c:v>
+                  <c:v>7</c:v>
                 </c:pt>
                 <c:pt idx="3">
-                  <c:v>0.0</c:v>
+                  <c:v>0</c:v>
                 </c:pt>
                 <c:pt idx="4">
-                  <c:v>3.0</c:v>
+                  <c:v>3</c:v>
                 </c:pt>
                 <c:pt idx="5">
-                  <c:v>0.0</c:v>
+                  <c:v>0</c:v>
                 </c:pt>
                 <c:pt idx="6">
-                  <c:v>1.0</c:v>
+                  <c:v>1</c:v>
                 </c:pt>
                 <c:pt idx="7">
-                  <c:v>2.0</c:v>
+                  <c:v>2</c:v>
                 </c:pt>
                 <c:pt idx="8">
-                  <c:v>5.0</c:v>
+                  <c:v>5</c:v>
                 </c:pt>
                 <c:pt idx="9">
-                  <c:v>0.0</c:v>
+                  <c:v>0</c:v>
                 </c:pt>
                 <c:pt idx="10">
-                  <c:v>2.0</c:v>
+                  <c:v>2</c:v>
                 </c:pt>
                 <c:pt idx="11">
-                  <c:v>4.0</c:v>
+                  <c:v>4</c:v>
                 </c:pt>
                 <c:pt idx="12">
-                  <c:v>2.0</c:v>
+                  <c:v>2</c:v>
                 </c:pt>
                 <c:pt idx="13">
-                  <c:v>1.0</c:v>
+                  <c:v>1</c:v>
                 </c:pt>
                 <c:pt idx="14">
-                  <c:v>1.0</c:v>
+                  <c:v>1</c:v>
                 </c:pt>
                 <c:pt idx="15">
-                  <c:v>2.0</c:v>
+                  <c:v>2</c:v>
                 </c:pt>
                 <c:pt idx="16">
-                  <c:v>25.0</c:v>
+                  <c:v>25</c:v>
                 </c:pt>
               </c:numCache>
             </c:numRef>
@@ -467,55 +485,55 @@
                 <c:formatCode>General</c:formatCode>
                 <c:ptCount val="17"/>
                 <c:pt idx="0">
-                  <c:v>0.0</c:v>
+                  <c:v>0</c:v>
                 </c:pt>
                 <c:pt idx="1">
-                  <c:v>0.0</c:v>
+                  <c:v>0</c:v>
                 </c:pt>
                 <c:pt idx="2">
-                  <c:v>0.0</c:v>
+                  <c:v>0</c:v>
                 </c:pt>
                 <c:pt idx="3">
-                  <c:v>0.0</c:v>
+                  <c:v>0</c:v>
                 </c:pt>
                 <c:pt idx="4">
-                  <c:v>6.0</c:v>
+                  <c:v>6</c:v>
                 </c:pt>
                 <c:pt idx="5">
-                  <c:v>2.0</c:v>
+                  <c:v>2</c:v>
                 </c:pt>
                 <c:pt idx="6">
-                  <c:v>0.0</c:v>
+                  <c:v>0</c:v>
                 </c:pt>
                 <c:pt idx="7">
-                  <c:v>2.0</c:v>
+                  <c:v>2</c:v>
                 </c:pt>
                 <c:pt idx="8">
-                  <c:v>0.0</c:v>
+                  <c:v>0</c:v>
                 </c:pt>
                 <c:pt idx="9">
-                  <c:v>0.0</c:v>
+                  <c:v>0</c:v>
                 </c:pt>
                 <c:pt idx="10">
-                  <c:v>1.0</c:v>
+                  <c:v>1</c:v>
                 </c:pt>
                 <c:pt idx="11">
-                  <c:v>0.0</c:v>
+                  <c:v>0</c:v>
                 </c:pt>
                 <c:pt idx="12">
-                  <c:v>5.0</c:v>
+                  <c:v>5</c:v>
                 </c:pt>
                 <c:pt idx="13">
-                  <c:v>1.0</c:v>
+                  <c:v>1</c:v>
                 </c:pt>
                 <c:pt idx="14">
-                  <c:v>0.0</c:v>
+                  <c:v>0</c:v>
                 </c:pt>
                 <c:pt idx="15">
-                  <c:v>6.0</c:v>
+                  <c:v>6</c:v>
                 </c:pt>
                 <c:pt idx="16">
-                  <c:v>5.0</c:v>
+                  <c:v>5</c:v>
                 </c:pt>
               </c:numCache>
             </c:numRef>
@@ -532,11 +550,11 @@
         </c:dLbls>
         <c:marker val="1"/>
         <c:smooth val="0"/>
-        <c:axId val="2109145736"/>
-        <c:axId val="2109209608"/>
+        <c:axId val="249615584"/>
+        <c:axId val="249617264"/>
       </c:lineChart>
       <c:catAx>
-        <c:axId val="2109145736"/>
+        <c:axId val="249615584"/>
         <c:scaling>
           <c:orientation val="minMax"/>
         </c:scaling>
@@ -544,10 +562,11 @@
         <c:axPos val="b"/>
         <c:majorGridlines/>
         <c:minorGridlines/>
+        <c:numFmt formatCode="General" sourceLinked="0"/>
         <c:majorTickMark val="out"/>
         <c:minorTickMark val="none"/>
         <c:tickLblPos val="nextTo"/>
-        <c:crossAx val="2109209608"/>
+        <c:crossAx val="249617264"/>
         <c:crosses val="autoZero"/>
         <c:auto val="1"/>
         <c:lblAlgn val="ctr"/>
@@ -555,7 +574,7 @@
         <c:noMultiLvlLbl val="0"/>
       </c:catAx>
       <c:valAx>
-        <c:axId val="2109209608"/>
+        <c:axId val="249617264"/>
         <c:scaling>
           <c:orientation val="minMax"/>
         </c:scaling>
@@ -567,7 +586,7 @@
         <c:majorTickMark val="out"/>
         <c:minorTickMark val="none"/>
         <c:tickLblPos val="nextTo"/>
-        <c:crossAx val="2109145736"/>
+        <c:crossAx val="249615584"/>
         <c:crosses val="autoZero"/>
         <c:crossBetween val="between"/>
       </c:valAx>
@@ -695,52 +714,52 @@
                 <c:formatCode>General</c:formatCode>
                 <c:ptCount val="17"/>
                 <c:pt idx="0">
-                  <c:v>0.0</c:v>
+                  <c:v>0</c:v>
                 </c:pt>
                 <c:pt idx="1">
-                  <c:v>1.0</c:v>
+                  <c:v>1</c:v>
                 </c:pt>
                 <c:pt idx="2">
-                  <c:v>0.0</c:v>
+                  <c:v>0</c:v>
                 </c:pt>
                 <c:pt idx="3">
-                  <c:v>0.0</c:v>
+                  <c:v>0</c:v>
                 </c:pt>
                 <c:pt idx="4">
-                  <c:v>1.0</c:v>
+                  <c:v>1</c:v>
                 </c:pt>
                 <c:pt idx="5">
-                  <c:v>1.0</c:v>
+                  <c:v>1</c:v>
                 </c:pt>
                 <c:pt idx="6">
-                  <c:v>0.0</c:v>
+                  <c:v>0</c:v>
                 </c:pt>
                 <c:pt idx="7">
-                  <c:v>1.0</c:v>
+                  <c:v>1</c:v>
                 </c:pt>
                 <c:pt idx="8">
-                  <c:v>0.0</c:v>
+                  <c:v>0</c:v>
                 </c:pt>
                 <c:pt idx="10">
-                  <c:v>0.0</c:v>
+                  <c:v>0</c:v>
                 </c:pt>
                 <c:pt idx="11">
-                  <c:v>0.0</c:v>
+                  <c:v>0</c:v>
                 </c:pt>
                 <c:pt idx="12">
-                  <c:v>1.0</c:v>
+                  <c:v>1</c:v>
                 </c:pt>
                 <c:pt idx="13">
-                  <c:v>0.0</c:v>
+                  <c:v>0</c:v>
                 </c:pt>
                 <c:pt idx="14">
-                  <c:v>0.0</c:v>
+                  <c:v>0</c:v>
                 </c:pt>
                 <c:pt idx="15">
-                  <c:v>1.0</c:v>
+                  <c:v>1</c:v>
                 </c:pt>
                 <c:pt idx="16">
-                  <c:v>6.0</c:v>
+                  <c:v>6</c:v>
                 </c:pt>
               </c:numCache>
             </c:numRef>
@@ -755,20 +774,21 @@
           <c:showBubbleSize val="0"/>
         </c:dLbls>
         <c:gapWidth val="150"/>
-        <c:axId val="2109347624"/>
-        <c:axId val="2109350568"/>
+        <c:axId val="249601056"/>
+        <c:axId val="249601616"/>
       </c:barChart>
       <c:catAx>
-        <c:axId val="2109347624"/>
+        <c:axId val="249601056"/>
         <c:scaling>
           <c:orientation val="minMax"/>
         </c:scaling>
         <c:delete val="0"/>
         <c:axPos val="b"/>
+        <c:numFmt formatCode="General" sourceLinked="0"/>
         <c:majorTickMark val="out"/>
         <c:minorTickMark val="none"/>
         <c:tickLblPos val="nextTo"/>
-        <c:crossAx val="2109350568"/>
+        <c:crossAx val="249601616"/>
         <c:crosses val="autoZero"/>
         <c:auto val="1"/>
         <c:lblAlgn val="ctr"/>
@@ -776,7 +796,7 @@
         <c:noMultiLvlLbl val="0"/>
       </c:catAx>
       <c:valAx>
-        <c:axId val="2109350568"/>
+        <c:axId val="249601616"/>
         <c:scaling>
           <c:orientation val="minMax"/>
         </c:scaling>
@@ -787,7 +807,7 @@
         <c:majorTickMark val="out"/>
         <c:minorTickMark val="none"/>
         <c:tickLblPos val="nextTo"/>
-        <c:crossAx val="2109347624"/>
+        <c:crossAx val="249601056"/>
         <c:crosses val="autoZero"/>
         <c:crossBetween val="between"/>
       </c:valAx>
@@ -818,6 +838,5118 @@
     <c:autoUpdate val="0"/>
   </c:externalData>
 </c:chartSpace>
+</file>
+
+<file path=ppt/charts/chart3.xml><?xml version="1.0" encoding="utf-8"?>
+<c:chartSpace xmlns:c="http://schemas.openxmlformats.org/drawingml/2006/chart" xmlns:a="http://schemas.openxmlformats.org/drawingml/2006/main" xmlns:r="http://schemas.openxmlformats.org/officeDocument/2006/relationships">
+  <c:date1904 val="0"/>
+  <c:lang val="en-US"/>
+  <c:roundedCorners val="0"/>
+  <mc:AlternateContent xmlns:mc="http://schemas.openxmlformats.org/markup-compatibility/2006">
+    <mc:Choice xmlns:c14="http://schemas.microsoft.com/office/drawing/2007/8/2/chart" Requires="c14">
+      <c14:style val="108"/>
+    </mc:Choice>
+    <mc:Fallback>
+      <c:style val="8"/>
+    </mc:Fallback>
+  </mc:AlternateContent>
+  <c:chart>
+    <c:title>
+      <c:layout/>
+      <c:overlay val="0"/>
+      <c:spPr>
+        <a:noFill/>
+        <a:ln>
+          <a:noFill/>
+        </a:ln>
+        <a:effectLst/>
+      </c:spPr>
+      <c:txPr>
+        <a:bodyPr rot="0" spcFirstLastPara="1" vertOverflow="ellipsis" vert="horz" wrap="square" anchor="ctr" anchorCtr="1"/>
+        <a:lstStyle/>
+        <a:p>
+          <a:pPr>
+            <a:defRPr sz="1862" b="0" i="0" u="none" strike="noStrike" kern="1200" spc="0" baseline="0">
+              <a:solidFill>
+                <a:schemeClr val="tx1">
+                  <a:lumMod val="65000"/>
+                  <a:lumOff val="35000"/>
+                </a:schemeClr>
+              </a:solidFill>
+              <a:latin typeface="Times New Roman" panose="02020603050405020304" pitchFamily="18" charset="0"/>
+              <a:ea typeface="+mn-ea"/>
+              <a:cs typeface="Times New Roman" panose="02020603050405020304" pitchFamily="18" charset="0"/>
+            </a:defRPr>
+          </a:pPr>
+          <a:endParaRPr lang="en-US"/>
+        </a:p>
+      </c:txPr>
+    </c:title>
+    <c:autoTitleDeleted val="0"/>
+    <c:plotArea>
+      <c:layout/>
+      <c:pieChart>
+        <c:varyColors val="1"/>
+        <c:ser>
+          <c:idx val="0"/>
+          <c:order val="0"/>
+          <c:tx>
+            <c:strRef>
+              <c:f>Sheet1!$B$1</c:f>
+              <c:strCache>
+                <c:ptCount val="1"/>
+                <c:pt idx="0">
+                  <c:v>Rating - Information Portal</c:v>
+                </c:pt>
+              </c:strCache>
+            </c:strRef>
+          </c:tx>
+          <c:dPt>
+            <c:idx val="0"/>
+            <c:bubble3D val="0"/>
+            <c:spPr>
+              <a:solidFill>
+                <a:schemeClr val="accent6">
+                  <a:shade val="53000"/>
+                </a:schemeClr>
+              </a:solidFill>
+              <a:ln w="19050">
+                <a:solidFill>
+                  <a:schemeClr val="lt1"/>
+                </a:solidFill>
+              </a:ln>
+              <a:effectLst/>
+            </c:spPr>
+          </c:dPt>
+          <c:dPt>
+            <c:idx val="1"/>
+            <c:bubble3D val="0"/>
+            <c:spPr>
+              <a:solidFill>
+                <a:schemeClr val="accent6">
+                  <a:shade val="76000"/>
+                </a:schemeClr>
+              </a:solidFill>
+              <a:ln w="19050">
+                <a:solidFill>
+                  <a:schemeClr val="lt1"/>
+                </a:solidFill>
+              </a:ln>
+              <a:effectLst/>
+            </c:spPr>
+          </c:dPt>
+          <c:dPt>
+            <c:idx val="2"/>
+            <c:bubble3D val="0"/>
+            <c:spPr>
+              <a:solidFill>
+                <a:schemeClr val="accent6"/>
+              </a:solidFill>
+              <a:ln w="19050">
+                <a:solidFill>
+                  <a:schemeClr val="lt1"/>
+                </a:solidFill>
+              </a:ln>
+              <a:effectLst/>
+            </c:spPr>
+          </c:dPt>
+          <c:dPt>
+            <c:idx val="3"/>
+            <c:bubble3D val="0"/>
+            <c:spPr>
+              <a:solidFill>
+                <a:schemeClr val="accent6">
+                  <a:tint val="77000"/>
+                </a:schemeClr>
+              </a:solidFill>
+              <a:ln w="19050">
+                <a:solidFill>
+                  <a:schemeClr val="lt1"/>
+                </a:solidFill>
+              </a:ln>
+              <a:effectLst/>
+            </c:spPr>
+          </c:dPt>
+          <c:dPt>
+            <c:idx val="4"/>
+            <c:bubble3D val="0"/>
+            <c:spPr>
+              <a:solidFill>
+                <a:schemeClr val="accent6">
+                  <a:tint val="54000"/>
+                </a:schemeClr>
+              </a:solidFill>
+              <a:ln w="19050">
+                <a:solidFill>
+                  <a:schemeClr val="lt1"/>
+                </a:solidFill>
+              </a:ln>
+              <a:effectLst/>
+            </c:spPr>
+          </c:dPt>
+          <c:dLbls>
+            <c:spPr>
+              <a:noFill/>
+              <a:ln>
+                <a:noFill/>
+              </a:ln>
+              <a:effectLst/>
+            </c:spPr>
+            <c:txPr>
+              <a:bodyPr rot="0" spcFirstLastPara="1" vertOverflow="ellipsis" vert="horz" wrap="square" anchor="ctr" anchorCtr="1"/>
+              <a:lstStyle/>
+              <a:p>
+                <a:pPr>
+                  <a:defRPr sz="1197" b="0" i="0" u="none" strike="noStrike" kern="1200" baseline="0">
+                    <a:solidFill>
+                      <a:schemeClr val="tx1">
+                        <a:lumMod val="75000"/>
+                        <a:lumOff val="25000"/>
+                      </a:schemeClr>
+                    </a:solidFill>
+                    <a:latin typeface="Times New Roman" panose="02020603050405020304" pitchFamily="18" charset="0"/>
+                    <a:ea typeface="+mn-ea"/>
+                    <a:cs typeface="Times New Roman" panose="02020603050405020304" pitchFamily="18" charset="0"/>
+                  </a:defRPr>
+                </a:pPr>
+                <a:endParaRPr lang="en-US"/>
+              </a:p>
+            </c:txPr>
+            <c:dLblPos val="outEnd"/>
+            <c:showLegendKey val="0"/>
+            <c:showVal val="1"/>
+            <c:showCatName val="0"/>
+            <c:showSerName val="0"/>
+            <c:showPercent val="0"/>
+            <c:showBubbleSize val="0"/>
+            <c:showLeaderLines val="1"/>
+            <c:leaderLines>
+              <c:spPr>
+                <a:ln w="9525" cap="flat" cmpd="sng" algn="ctr">
+                  <a:solidFill>
+                    <a:schemeClr val="tx1">
+                      <a:lumMod val="35000"/>
+                      <a:lumOff val="65000"/>
+                    </a:schemeClr>
+                  </a:solidFill>
+                  <a:round/>
+                </a:ln>
+                <a:effectLst/>
+              </c:spPr>
+            </c:leaderLines>
+            <c:extLst>
+              <c:ext xmlns:c15="http://schemas.microsoft.com/office/drawing/2012/chart" uri="{CE6537A1-D6FC-4f65-9D91-7224C49458BB}">
+                <c15:layout/>
+              </c:ext>
+            </c:extLst>
+          </c:dLbls>
+          <c:cat>
+            <c:strRef>
+              <c:f>Sheet1!$A$2:$A$6</c:f>
+              <c:strCache>
+                <c:ptCount val="5"/>
+                <c:pt idx="0">
+                  <c:v>5 rating</c:v>
+                </c:pt>
+                <c:pt idx="1">
+                  <c:v>4 rating</c:v>
+                </c:pt>
+                <c:pt idx="2">
+                  <c:v>3 rating</c:v>
+                </c:pt>
+                <c:pt idx="3">
+                  <c:v>2 rating</c:v>
+                </c:pt>
+                <c:pt idx="4">
+                  <c:v>1 rating</c:v>
+                </c:pt>
+              </c:strCache>
+            </c:strRef>
+          </c:cat>
+          <c:val>
+            <c:numRef>
+              <c:f>Sheet1!$B$2:$B$6</c:f>
+              <c:numCache>
+                <c:formatCode>General</c:formatCode>
+                <c:ptCount val="5"/>
+                <c:pt idx="0">
+                  <c:v>9</c:v>
+                </c:pt>
+                <c:pt idx="1">
+                  <c:v>20</c:v>
+                </c:pt>
+                <c:pt idx="2">
+                  <c:v>7</c:v>
+                </c:pt>
+                <c:pt idx="3">
+                  <c:v>3</c:v>
+                </c:pt>
+                <c:pt idx="4">
+                  <c:v>0</c:v>
+                </c:pt>
+              </c:numCache>
+            </c:numRef>
+          </c:val>
+        </c:ser>
+        <c:dLbls>
+          <c:dLblPos val="outEnd"/>
+          <c:showLegendKey val="0"/>
+          <c:showVal val="1"/>
+          <c:showCatName val="0"/>
+          <c:showSerName val="0"/>
+          <c:showPercent val="0"/>
+          <c:showBubbleSize val="0"/>
+          <c:showLeaderLines val="1"/>
+        </c:dLbls>
+        <c:firstSliceAng val="0"/>
+      </c:pieChart>
+      <c:spPr>
+        <a:noFill/>
+        <a:ln>
+          <a:noFill/>
+        </a:ln>
+        <a:effectLst/>
+      </c:spPr>
+    </c:plotArea>
+    <c:legend>
+      <c:legendPos val="b"/>
+      <c:layout/>
+      <c:overlay val="0"/>
+      <c:spPr>
+        <a:noFill/>
+        <a:ln>
+          <a:noFill/>
+        </a:ln>
+        <a:effectLst/>
+      </c:spPr>
+      <c:txPr>
+        <a:bodyPr rot="0" spcFirstLastPara="1" vertOverflow="ellipsis" vert="horz" wrap="square" anchor="ctr" anchorCtr="1"/>
+        <a:lstStyle/>
+        <a:p>
+          <a:pPr>
+            <a:defRPr sz="1197" b="0" i="0" u="none" strike="noStrike" kern="1200" baseline="0">
+              <a:solidFill>
+                <a:schemeClr val="tx1">
+                  <a:lumMod val="65000"/>
+                  <a:lumOff val="35000"/>
+                </a:schemeClr>
+              </a:solidFill>
+              <a:latin typeface="Times New Roman" panose="02020603050405020304" pitchFamily="18" charset="0"/>
+              <a:ea typeface="+mn-ea"/>
+              <a:cs typeface="Times New Roman" panose="02020603050405020304" pitchFamily="18" charset="0"/>
+            </a:defRPr>
+          </a:pPr>
+          <a:endParaRPr lang="en-US"/>
+        </a:p>
+      </c:txPr>
+    </c:legend>
+    <c:plotVisOnly val="1"/>
+    <c:dispBlanksAs val="gap"/>
+    <c:showDLblsOverMax val="0"/>
+  </c:chart>
+  <c:spPr>
+    <a:noFill/>
+    <a:ln>
+      <a:noFill/>
+    </a:ln>
+    <a:effectLst/>
+  </c:spPr>
+  <c:txPr>
+    <a:bodyPr/>
+    <a:lstStyle/>
+    <a:p>
+      <a:pPr>
+        <a:defRPr>
+          <a:latin typeface="Times New Roman" panose="02020603050405020304" pitchFamily="18" charset="0"/>
+          <a:cs typeface="Times New Roman" panose="02020603050405020304" pitchFamily="18" charset="0"/>
+        </a:defRPr>
+      </a:pPr>
+      <a:endParaRPr lang="en-US"/>
+    </a:p>
+  </c:txPr>
+  <c:externalData r:id="rId3">
+    <c:autoUpdate val="0"/>
+  </c:externalData>
+</c:chartSpace>
+</file>
+
+<file path=ppt/charts/chart4.xml><?xml version="1.0" encoding="utf-8"?>
+<c:chartSpace xmlns:c="http://schemas.openxmlformats.org/drawingml/2006/chart" xmlns:a="http://schemas.openxmlformats.org/drawingml/2006/main" xmlns:r="http://schemas.openxmlformats.org/officeDocument/2006/relationships">
+  <c:date1904 val="0"/>
+  <c:lang val="en-US"/>
+  <c:roundedCorners val="0"/>
+  <mc:AlternateContent xmlns:mc="http://schemas.openxmlformats.org/markup-compatibility/2006">
+    <mc:Choice xmlns:c14="http://schemas.microsoft.com/office/drawing/2007/8/2/chart" Requires="c14">
+      <c14:style val="108"/>
+    </mc:Choice>
+    <mc:Fallback>
+      <c:style val="8"/>
+    </mc:Fallback>
+  </mc:AlternateContent>
+  <c:chart>
+    <c:title>
+      <c:layout/>
+      <c:overlay val="0"/>
+      <c:spPr>
+        <a:noFill/>
+        <a:ln>
+          <a:noFill/>
+        </a:ln>
+        <a:effectLst/>
+      </c:spPr>
+      <c:txPr>
+        <a:bodyPr rot="0" spcFirstLastPara="1" vertOverflow="ellipsis" vert="horz" wrap="square" anchor="ctr" anchorCtr="1"/>
+        <a:lstStyle/>
+        <a:p>
+          <a:pPr>
+            <a:defRPr sz="1862" b="0" i="0" u="none" strike="noStrike" kern="1200" spc="0" baseline="0">
+              <a:solidFill>
+                <a:schemeClr val="tx1">
+                  <a:lumMod val="65000"/>
+                  <a:lumOff val="35000"/>
+                </a:schemeClr>
+              </a:solidFill>
+              <a:latin typeface="Times New Roman" panose="02020603050405020304" pitchFamily="18" charset="0"/>
+              <a:ea typeface="+mn-ea"/>
+              <a:cs typeface="Times New Roman" panose="02020603050405020304" pitchFamily="18" charset="0"/>
+            </a:defRPr>
+          </a:pPr>
+          <a:endParaRPr lang="en-US"/>
+        </a:p>
+      </c:txPr>
+    </c:title>
+    <c:autoTitleDeleted val="0"/>
+    <c:plotArea>
+      <c:layout/>
+      <c:pieChart>
+        <c:varyColors val="1"/>
+        <c:ser>
+          <c:idx val="0"/>
+          <c:order val="0"/>
+          <c:tx>
+            <c:strRef>
+              <c:f>Sheet1!$B$1</c:f>
+              <c:strCache>
+                <c:ptCount val="1"/>
+                <c:pt idx="0">
+                  <c:v>Rating - Bus Route Finder</c:v>
+                </c:pt>
+              </c:strCache>
+            </c:strRef>
+          </c:tx>
+          <c:dPt>
+            <c:idx val="0"/>
+            <c:bubble3D val="0"/>
+            <c:spPr>
+              <a:solidFill>
+                <a:schemeClr val="accent6">
+                  <a:shade val="53000"/>
+                </a:schemeClr>
+              </a:solidFill>
+              <a:ln w="19050">
+                <a:solidFill>
+                  <a:schemeClr val="lt1"/>
+                </a:solidFill>
+              </a:ln>
+              <a:effectLst/>
+            </c:spPr>
+          </c:dPt>
+          <c:dPt>
+            <c:idx val="1"/>
+            <c:bubble3D val="0"/>
+            <c:spPr>
+              <a:solidFill>
+                <a:schemeClr val="accent6">
+                  <a:shade val="76000"/>
+                </a:schemeClr>
+              </a:solidFill>
+              <a:ln w="19050">
+                <a:solidFill>
+                  <a:schemeClr val="lt1"/>
+                </a:solidFill>
+              </a:ln>
+              <a:effectLst/>
+            </c:spPr>
+          </c:dPt>
+          <c:dPt>
+            <c:idx val="2"/>
+            <c:bubble3D val="0"/>
+            <c:spPr>
+              <a:solidFill>
+                <a:schemeClr val="accent6"/>
+              </a:solidFill>
+              <a:ln w="19050">
+                <a:solidFill>
+                  <a:schemeClr val="lt1"/>
+                </a:solidFill>
+              </a:ln>
+              <a:effectLst/>
+            </c:spPr>
+          </c:dPt>
+          <c:dPt>
+            <c:idx val="3"/>
+            <c:bubble3D val="0"/>
+            <c:spPr>
+              <a:solidFill>
+                <a:schemeClr val="accent6">
+                  <a:tint val="77000"/>
+                </a:schemeClr>
+              </a:solidFill>
+              <a:ln w="19050">
+                <a:solidFill>
+                  <a:schemeClr val="lt1"/>
+                </a:solidFill>
+              </a:ln>
+              <a:effectLst/>
+            </c:spPr>
+          </c:dPt>
+          <c:dPt>
+            <c:idx val="4"/>
+            <c:bubble3D val="0"/>
+            <c:spPr>
+              <a:solidFill>
+                <a:schemeClr val="accent6">
+                  <a:tint val="54000"/>
+                </a:schemeClr>
+              </a:solidFill>
+              <a:ln w="19050">
+                <a:solidFill>
+                  <a:schemeClr val="lt1"/>
+                </a:solidFill>
+              </a:ln>
+              <a:effectLst/>
+            </c:spPr>
+          </c:dPt>
+          <c:dLbls>
+            <c:spPr>
+              <a:noFill/>
+              <a:ln>
+                <a:noFill/>
+              </a:ln>
+              <a:effectLst/>
+            </c:spPr>
+            <c:txPr>
+              <a:bodyPr rot="0" spcFirstLastPara="1" vertOverflow="ellipsis" vert="horz" wrap="square" lIns="38100" tIns="19050" rIns="38100" bIns="19050" anchor="ctr" anchorCtr="1">
+                <a:spAutoFit/>
+              </a:bodyPr>
+              <a:lstStyle/>
+              <a:p>
+                <a:pPr>
+                  <a:defRPr sz="1197" b="0" i="0" u="none" strike="noStrike" kern="1200" baseline="0">
+                    <a:solidFill>
+                      <a:schemeClr val="tx1">
+                        <a:lumMod val="75000"/>
+                        <a:lumOff val="25000"/>
+                      </a:schemeClr>
+                    </a:solidFill>
+                    <a:latin typeface="Times New Roman" panose="02020603050405020304" pitchFamily="18" charset="0"/>
+                    <a:ea typeface="+mn-ea"/>
+                    <a:cs typeface="Times New Roman" panose="02020603050405020304" pitchFamily="18" charset="0"/>
+                  </a:defRPr>
+                </a:pPr>
+                <a:endParaRPr lang="en-US"/>
+              </a:p>
+            </c:txPr>
+            <c:dLblPos val="outEnd"/>
+            <c:showLegendKey val="0"/>
+            <c:showVal val="1"/>
+            <c:showCatName val="0"/>
+            <c:showSerName val="0"/>
+            <c:showPercent val="0"/>
+            <c:showBubbleSize val="0"/>
+            <c:showLeaderLines val="1"/>
+            <c:leaderLines>
+              <c:spPr>
+                <a:ln w="9525" cap="flat" cmpd="sng" algn="ctr">
+                  <a:solidFill>
+                    <a:schemeClr val="tx1">
+                      <a:lumMod val="35000"/>
+                      <a:lumOff val="65000"/>
+                    </a:schemeClr>
+                  </a:solidFill>
+                  <a:round/>
+                </a:ln>
+                <a:effectLst/>
+              </c:spPr>
+            </c:leaderLines>
+            <c:extLst>
+              <c:ext xmlns:c15="http://schemas.microsoft.com/office/drawing/2012/chart" uri="{CE6537A1-D6FC-4f65-9D91-7224C49458BB}">
+                <c15:layout/>
+              </c:ext>
+            </c:extLst>
+          </c:dLbls>
+          <c:cat>
+            <c:strRef>
+              <c:f>Sheet1!$A$2:$A$6</c:f>
+              <c:strCache>
+                <c:ptCount val="5"/>
+                <c:pt idx="0">
+                  <c:v>5 rating</c:v>
+                </c:pt>
+                <c:pt idx="1">
+                  <c:v>4 rating</c:v>
+                </c:pt>
+                <c:pt idx="2">
+                  <c:v>3 rating</c:v>
+                </c:pt>
+                <c:pt idx="3">
+                  <c:v>2 rating</c:v>
+                </c:pt>
+                <c:pt idx="4">
+                  <c:v>1 rating</c:v>
+                </c:pt>
+              </c:strCache>
+            </c:strRef>
+          </c:cat>
+          <c:val>
+            <c:numRef>
+              <c:f>Sheet1!$B$2:$B$6</c:f>
+              <c:numCache>
+                <c:formatCode>General</c:formatCode>
+                <c:ptCount val="5"/>
+                <c:pt idx="0">
+                  <c:v>12</c:v>
+                </c:pt>
+                <c:pt idx="1">
+                  <c:v>16</c:v>
+                </c:pt>
+                <c:pt idx="2">
+                  <c:v>9</c:v>
+                </c:pt>
+                <c:pt idx="3">
+                  <c:v>2</c:v>
+                </c:pt>
+                <c:pt idx="4">
+                  <c:v>1</c:v>
+                </c:pt>
+              </c:numCache>
+            </c:numRef>
+          </c:val>
+        </c:ser>
+        <c:dLbls>
+          <c:dLblPos val="outEnd"/>
+          <c:showLegendKey val="0"/>
+          <c:showVal val="1"/>
+          <c:showCatName val="0"/>
+          <c:showSerName val="0"/>
+          <c:showPercent val="0"/>
+          <c:showBubbleSize val="0"/>
+          <c:showLeaderLines val="1"/>
+        </c:dLbls>
+        <c:firstSliceAng val="0"/>
+      </c:pieChart>
+      <c:spPr>
+        <a:noFill/>
+        <a:ln>
+          <a:noFill/>
+        </a:ln>
+        <a:effectLst/>
+      </c:spPr>
+    </c:plotArea>
+    <c:legend>
+      <c:legendPos val="b"/>
+      <c:layout/>
+      <c:overlay val="0"/>
+      <c:spPr>
+        <a:noFill/>
+        <a:ln>
+          <a:noFill/>
+        </a:ln>
+        <a:effectLst/>
+      </c:spPr>
+      <c:txPr>
+        <a:bodyPr rot="0" spcFirstLastPara="1" vertOverflow="ellipsis" vert="horz" wrap="square" anchor="ctr" anchorCtr="1"/>
+        <a:lstStyle/>
+        <a:p>
+          <a:pPr>
+            <a:defRPr sz="1197" b="0" i="0" u="none" strike="noStrike" kern="1200" baseline="0">
+              <a:solidFill>
+                <a:schemeClr val="tx1">
+                  <a:lumMod val="65000"/>
+                  <a:lumOff val="35000"/>
+                </a:schemeClr>
+              </a:solidFill>
+              <a:latin typeface="Times New Roman" panose="02020603050405020304" pitchFamily="18" charset="0"/>
+              <a:ea typeface="+mn-ea"/>
+              <a:cs typeface="Times New Roman" panose="02020603050405020304" pitchFamily="18" charset="0"/>
+            </a:defRPr>
+          </a:pPr>
+          <a:endParaRPr lang="en-US"/>
+        </a:p>
+      </c:txPr>
+    </c:legend>
+    <c:plotVisOnly val="1"/>
+    <c:dispBlanksAs val="gap"/>
+    <c:showDLblsOverMax val="0"/>
+  </c:chart>
+  <c:spPr>
+    <a:noFill/>
+    <a:ln>
+      <a:noFill/>
+    </a:ln>
+    <a:effectLst/>
+  </c:spPr>
+  <c:txPr>
+    <a:bodyPr/>
+    <a:lstStyle/>
+    <a:p>
+      <a:pPr>
+        <a:defRPr>
+          <a:latin typeface="Times New Roman" panose="02020603050405020304" pitchFamily="18" charset="0"/>
+          <a:cs typeface="Times New Roman" panose="02020603050405020304" pitchFamily="18" charset="0"/>
+        </a:defRPr>
+      </a:pPr>
+      <a:endParaRPr lang="en-US"/>
+    </a:p>
+  </c:txPr>
+  <c:externalData r:id="rId3">
+    <c:autoUpdate val="0"/>
+  </c:externalData>
+</c:chartSpace>
+</file>
+
+<file path=ppt/charts/chart5.xml><?xml version="1.0" encoding="utf-8"?>
+<c:chartSpace xmlns:c="http://schemas.openxmlformats.org/drawingml/2006/chart" xmlns:a="http://schemas.openxmlformats.org/drawingml/2006/main" xmlns:r="http://schemas.openxmlformats.org/officeDocument/2006/relationships">
+  <c:date1904 val="0"/>
+  <c:lang val="en-US"/>
+  <c:roundedCorners val="0"/>
+  <mc:AlternateContent xmlns:mc="http://schemas.openxmlformats.org/markup-compatibility/2006">
+    <mc:Choice xmlns:c14="http://schemas.microsoft.com/office/drawing/2007/8/2/chart" Requires="c14">
+      <c14:style val="108"/>
+    </mc:Choice>
+    <mc:Fallback>
+      <c:style val="8"/>
+    </mc:Fallback>
+  </mc:AlternateContent>
+  <c:chart>
+    <c:title>
+      <c:layout/>
+      <c:overlay val="0"/>
+      <c:spPr>
+        <a:noFill/>
+        <a:ln>
+          <a:noFill/>
+        </a:ln>
+        <a:effectLst/>
+      </c:spPr>
+      <c:txPr>
+        <a:bodyPr rot="0" spcFirstLastPara="1" vertOverflow="ellipsis" vert="horz" wrap="square" anchor="ctr" anchorCtr="1"/>
+        <a:lstStyle/>
+        <a:p>
+          <a:pPr>
+            <a:defRPr sz="1862" b="0" i="0" u="none" strike="noStrike" kern="1200" spc="0" baseline="0">
+              <a:solidFill>
+                <a:schemeClr val="tx1">
+                  <a:lumMod val="65000"/>
+                  <a:lumOff val="35000"/>
+                </a:schemeClr>
+              </a:solidFill>
+              <a:latin typeface="Times New Roman" panose="02020603050405020304" pitchFamily="18" charset="0"/>
+              <a:ea typeface="+mn-ea"/>
+              <a:cs typeface="Times New Roman" panose="02020603050405020304" pitchFamily="18" charset="0"/>
+            </a:defRPr>
+          </a:pPr>
+          <a:endParaRPr lang="en-US"/>
+        </a:p>
+      </c:txPr>
+    </c:title>
+    <c:autoTitleDeleted val="0"/>
+    <c:plotArea>
+      <c:layout/>
+      <c:pieChart>
+        <c:varyColors val="1"/>
+        <c:ser>
+          <c:idx val="0"/>
+          <c:order val="0"/>
+          <c:tx>
+            <c:strRef>
+              <c:f>Sheet1!$B$1</c:f>
+              <c:strCache>
+                <c:ptCount val="1"/>
+                <c:pt idx="0">
+                  <c:v>Rating - Feedback Functionality</c:v>
+                </c:pt>
+              </c:strCache>
+            </c:strRef>
+          </c:tx>
+          <c:dPt>
+            <c:idx val="0"/>
+            <c:bubble3D val="0"/>
+            <c:spPr>
+              <a:solidFill>
+                <a:schemeClr val="accent6">
+                  <a:shade val="53000"/>
+                </a:schemeClr>
+              </a:solidFill>
+              <a:ln w="19050">
+                <a:solidFill>
+                  <a:schemeClr val="lt1"/>
+                </a:solidFill>
+              </a:ln>
+              <a:effectLst/>
+            </c:spPr>
+          </c:dPt>
+          <c:dPt>
+            <c:idx val="1"/>
+            <c:bubble3D val="0"/>
+            <c:spPr>
+              <a:solidFill>
+                <a:schemeClr val="accent6">
+                  <a:shade val="76000"/>
+                </a:schemeClr>
+              </a:solidFill>
+              <a:ln w="19050">
+                <a:solidFill>
+                  <a:schemeClr val="lt1"/>
+                </a:solidFill>
+              </a:ln>
+              <a:effectLst/>
+            </c:spPr>
+          </c:dPt>
+          <c:dPt>
+            <c:idx val="2"/>
+            <c:bubble3D val="0"/>
+            <c:spPr>
+              <a:solidFill>
+                <a:schemeClr val="accent6"/>
+              </a:solidFill>
+              <a:ln w="19050">
+                <a:solidFill>
+                  <a:schemeClr val="lt1"/>
+                </a:solidFill>
+              </a:ln>
+              <a:effectLst/>
+            </c:spPr>
+          </c:dPt>
+          <c:dPt>
+            <c:idx val="3"/>
+            <c:bubble3D val="0"/>
+            <c:spPr>
+              <a:solidFill>
+                <a:schemeClr val="accent6">
+                  <a:tint val="77000"/>
+                </a:schemeClr>
+              </a:solidFill>
+              <a:ln w="19050">
+                <a:solidFill>
+                  <a:schemeClr val="lt1"/>
+                </a:solidFill>
+              </a:ln>
+              <a:effectLst/>
+            </c:spPr>
+          </c:dPt>
+          <c:dPt>
+            <c:idx val="4"/>
+            <c:bubble3D val="0"/>
+            <c:spPr>
+              <a:solidFill>
+                <a:schemeClr val="accent6">
+                  <a:tint val="54000"/>
+                </a:schemeClr>
+              </a:solidFill>
+              <a:ln w="19050">
+                <a:solidFill>
+                  <a:schemeClr val="lt1"/>
+                </a:solidFill>
+              </a:ln>
+              <a:effectLst/>
+            </c:spPr>
+          </c:dPt>
+          <c:dLbls>
+            <c:spPr>
+              <a:noFill/>
+              <a:ln>
+                <a:noFill/>
+              </a:ln>
+              <a:effectLst/>
+            </c:spPr>
+            <c:txPr>
+              <a:bodyPr rot="0" spcFirstLastPara="1" vertOverflow="ellipsis" vert="horz" wrap="square" lIns="38100" tIns="19050" rIns="38100" bIns="19050" anchor="ctr" anchorCtr="1">
+                <a:spAutoFit/>
+              </a:bodyPr>
+              <a:lstStyle/>
+              <a:p>
+                <a:pPr>
+                  <a:defRPr sz="1197" b="0" i="0" u="none" strike="noStrike" kern="1200" baseline="0">
+                    <a:solidFill>
+                      <a:schemeClr val="tx1">
+                        <a:lumMod val="75000"/>
+                        <a:lumOff val="25000"/>
+                      </a:schemeClr>
+                    </a:solidFill>
+                    <a:latin typeface="Times New Roman" panose="02020603050405020304" pitchFamily="18" charset="0"/>
+                    <a:ea typeface="+mn-ea"/>
+                    <a:cs typeface="Times New Roman" panose="02020603050405020304" pitchFamily="18" charset="0"/>
+                  </a:defRPr>
+                </a:pPr>
+                <a:endParaRPr lang="en-US"/>
+              </a:p>
+            </c:txPr>
+            <c:dLblPos val="outEnd"/>
+            <c:showLegendKey val="0"/>
+            <c:showVal val="1"/>
+            <c:showCatName val="0"/>
+            <c:showSerName val="0"/>
+            <c:showPercent val="0"/>
+            <c:showBubbleSize val="0"/>
+            <c:showLeaderLines val="1"/>
+            <c:leaderLines>
+              <c:spPr>
+                <a:ln w="9525" cap="flat" cmpd="sng" algn="ctr">
+                  <a:solidFill>
+                    <a:schemeClr val="tx1">
+                      <a:lumMod val="35000"/>
+                      <a:lumOff val="65000"/>
+                    </a:schemeClr>
+                  </a:solidFill>
+                  <a:round/>
+                </a:ln>
+                <a:effectLst/>
+              </c:spPr>
+            </c:leaderLines>
+            <c:extLst>
+              <c:ext xmlns:c15="http://schemas.microsoft.com/office/drawing/2012/chart" uri="{CE6537A1-D6FC-4f65-9D91-7224C49458BB}">
+                <c15:layout/>
+              </c:ext>
+            </c:extLst>
+          </c:dLbls>
+          <c:cat>
+            <c:strRef>
+              <c:f>Sheet1!$A$2:$A$6</c:f>
+              <c:strCache>
+                <c:ptCount val="5"/>
+                <c:pt idx="0">
+                  <c:v>5 rating</c:v>
+                </c:pt>
+                <c:pt idx="1">
+                  <c:v>4 rating</c:v>
+                </c:pt>
+                <c:pt idx="2">
+                  <c:v>3 rating</c:v>
+                </c:pt>
+                <c:pt idx="3">
+                  <c:v>2 rating</c:v>
+                </c:pt>
+                <c:pt idx="4">
+                  <c:v>1 rating</c:v>
+                </c:pt>
+              </c:strCache>
+            </c:strRef>
+          </c:cat>
+          <c:val>
+            <c:numRef>
+              <c:f>Sheet1!$B$2:$B$6</c:f>
+              <c:numCache>
+                <c:formatCode>General</c:formatCode>
+                <c:ptCount val="5"/>
+                <c:pt idx="0">
+                  <c:v>9</c:v>
+                </c:pt>
+                <c:pt idx="1">
+                  <c:v>14</c:v>
+                </c:pt>
+                <c:pt idx="2">
+                  <c:v>13</c:v>
+                </c:pt>
+                <c:pt idx="3">
+                  <c:v>3</c:v>
+                </c:pt>
+                <c:pt idx="4">
+                  <c:v>0</c:v>
+                </c:pt>
+              </c:numCache>
+            </c:numRef>
+          </c:val>
+        </c:ser>
+        <c:dLbls>
+          <c:dLblPos val="outEnd"/>
+          <c:showLegendKey val="0"/>
+          <c:showVal val="1"/>
+          <c:showCatName val="0"/>
+          <c:showSerName val="0"/>
+          <c:showPercent val="0"/>
+          <c:showBubbleSize val="0"/>
+          <c:showLeaderLines val="1"/>
+        </c:dLbls>
+        <c:firstSliceAng val="0"/>
+      </c:pieChart>
+      <c:spPr>
+        <a:noFill/>
+        <a:ln>
+          <a:noFill/>
+        </a:ln>
+        <a:effectLst/>
+      </c:spPr>
+    </c:plotArea>
+    <c:legend>
+      <c:legendPos val="b"/>
+      <c:layout/>
+      <c:overlay val="0"/>
+      <c:spPr>
+        <a:noFill/>
+        <a:ln>
+          <a:noFill/>
+        </a:ln>
+        <a:effectLst/>
+      </c:spPr>
+      <c:txPr>
+        <a:bodyPr rot="0" spcFirstLastPara="1" vertOverflow="ellipsis" vert="horz" wrap="square" anchor="ctr" anchorCtr="1"/>
+        <a:lstStyle/>
+        <a:p>
+          <a:pPr>
+            <a:defRPr sz="1197" b="0" i="0" u="none" strike="noStrike" kern="1200" baseline="0">
+              <a:solidFill>
+                <a:schemeClr val="tx1">
+                  <a:lumMod val="65000"/>
+                  <a:lumOff val="35000"/>
+                </a:schemeClr>
+              </a:solidFill>
+              <a:latin typeface="Times New Roman" panose="02020603050405020304" pitchFamily="18" charset="0"/>
+              <a:ea typeface="+mn-ea"/>
+              <a:cs typeface="Times New Roman" panose="02020603050405020304" pitchFamily="18" charset="0"/>
+            </a:defRPr>
+          </a:pPr>
+          <a:endParaRPr lang="en-US"/>
+        </a:p>
+      </c:txPr>
+    </c:legend>
+    <c:plotVisOnly val="1"/>
+    <c:dispBlanksAs val="gap"/>
+    <c:showDLblsOverMax val="0"/>
+  </c:chart>
+  <c:spPr>
+    <a:noFill/>
+    <a:ln>
+      <a:noFill/>
+    </a:ln>
+    <a:effectLst/>
+  </c:spPr>
+  <c:txPr>
+    <a:bodyPr/>
+    <a:lstStyle/>
+    <a:p>
+      <a:pPr>
+        <a:defRPr>
+          <a:latin typeface="Times New Roman" panose="02020603050405020304" pitchFamily="18" charset="0"/>
+          <a:cs typeface="Times New Roman" panose="02020603050405020304" pitchFamily="18" charset="0"/>
+        </a:defRPr>
+      </a:pPr>
+      <a:endParaRPr lang="en-US"/>
+    </a:p>
+  </c:txPr>
+  <c:externalData r:id="rId3">
+    <c:autoUpdate val="0"/>
+  </c:externalData>
+</c:chartSpace>
+</file>
+
+<file path=ppt/charts/chart6.xml><?xml version="1.0" encoding="utf-8"?>
+<c:chartSpace xmlns:c="http://schemas.openxmlformats.org/drawingml/2006/chart" xmlns:a="http://schemas.openxmlformats.org/drawingml/2006/main" xmlns:r="http://schemas.openxmlformats.org/officeDocument/2006/relationships">
+  <c:date1904 val="0"/>
+  <c:lang val="en-US"/>
+  <c:roundedCorners val="0"/>
+  <mc:AlternateContent xmlns:mc="http://schemas.openxmlformats.org/markup-compatibility/2006">
+    <mc:Choice xmlns:c14="http://schemas.microsoft.com/office/drawing/2007/8/2/chart" Requires="c14">
+      <c14:style val="108"/>
+    </mc:Choice>
+    <mc:Fallback>
+      <c:style val="8"/>
+    </mc:Fallback>
+  </mc:AlternateContent>
+  <c:chart>
+    <c:title>
+      <c:layout/>
+      <c:overlay val="0"/>
+      <c:spPr>
+        <a:noFill/>
+        <a:ln>
+          <a:noFill/>
+        </a:ln>
+        <a:effectLst/>
+      </c:spPr>
+      <c:txPr>
+        <a:bodyPr rot="0" spcFirstLastPara="1" vertOverflow="ellipsis" vert="horz" wrap="square" anchor="ctr" anchorCtr="1"/>
+        <a:lstStyle/>
+        <a:p>
+          <a:pPr>
+            <a:defRPr sz="1862" b="0" i="0" u="none" strike="noStrike" kern="1200" spc="0" baseline="0">
+              <a:solidFill>
+                <a:schemeClr val="tx1">
+                  <a:lumMod val="65000"/>
+                  <a:lumOff val="35000"/>
+                </a:schemeClr>
+              </a:solidFill>
+              <a:latin typeface="Times New Roman" panose="02020603050405020304" pitchFamily="18" charset="0"/>
+              <a:ea typeface="+mn-ea"/>
+              <a:cs typeface="Times New Roman" panose="02020603050405020304" pitchFamily="18" charset="0"/>
+            </a:defRPr>
+          </a:pPr>
+          <a:endParaRPr lang="en-US"/>
+        </a:p>
+      </c:txPr>
+    </c:title>
+    <c:autoTitleDeleted val="0"/>
+    <c:plotArea>
+      <c:layout/>
+      <c:pieChart>
+        <c:varyColors val="1"/>
+        <c:ser>
+          <c:idx val="0"/>
+          <c:order val="0"/>
+          <c:tx>
+            <c:strRef>
+              <c:f>Sheet1!$B$1</c:f>
+              <c:strCache>
+                <c:ptCount val="1"/>
+                <c:pt idx="0">
+                  <c:v>Rating - Complaints Functionality</c:v>
+                </c:pt>
+              </c:strCache>
+            </c:strRef>
+          </c:tx>
+          <c:dPt>
+            <c:idx val="0"/>
+            <c:bubble3D val="0"/>
+            <c:spPr>
+              <a:solidFill>
+                <a:schemeClr val="accent6">
+                  <a:shade val="53000"/>
+                </a:schemeClr>
+              </a:solidFill>
+              <a:ln w="19050">
+                <a:solidFill>
+                  <a:schemeClr val="lt1"/>
+                </a:solidFill>
+              </a:ln>
+              <a:effectLst/>
+            </c:spPr>
+          </c:dPt>
+          <c:dPt>
+            <c:idx val="1"/>
+            <c:bubble3D val="0"/>
+            <c:spPr>
+              <a:solidFill>
+                <a:schemeClr val="accent6">
+                  <a:shade val="76000"/>
+                </a:schemeClr>
+              </a:solidFill>
+              <a:ln w="19050">
+                <a:solidFill>
+                  <a:schemeClr val="lt1"/>
+                </a:solidFill>
+              </a:ln>
+              <a:effectLst/>
+            </c:spPr>
+          </c:dPt>
+          <c:dPt>
+            <c:idx val="2"/>
+            <c:bubble3D val="0"/>
+            <c:spPr>
+              <a:solidFill>
+                <a:schemeClr val="accent6"/>
+              </a:solidFill>
+              <a:ln w="19050">
+                <a:solidFill>
+                  <a:schemeClr val="lt1"/>
+                </a:solidFill>
+              </a:ln>
+              <a:effectLst/>
+            </c:spPr>
+          </c:dPt>
+          <c:dPt>
+            <c:idx val="3"/>
+            <c:bubble3D val="0"/>
+            <c:spPr>
+              <a:solidFill>
+                <a:schemeClr val="accent6">
+                  <a:tint val="77000"/>
+                </a:schemeClr>
+              </a:solidFill>
+              <a:ln w="19050">
+                <a:solidFill>
+                  <a:schemeClr val="lt1"/>
+                </a:solidFill>
+              </a:ln>
+              <a:effectLst/>
+            </c:spPr>
+          </c:dPt>
+          <c:dPt>
+            <c:idx val="4"/>
+            <c:bubble3D val="0"/>
+            <c:spPr>
+              <a:solidFill>
+                <a:schemeClr val="accent6">
+                  <a:tint val="54000"/>
+                </a:schemeClr>
+              </a:solidFill>
+              <a:ln w="19050">
+                <a:solidFill>
+                  <a:schemeClr val="lt1"/>
+                </a:solidFill>
+              </a:ln>
+              <a:effectLst/>
+            </c:spPr>
+          </c:dPt>
+          <c:dLbls>
+            <c:spPr>
+              <a:noFill/>
+              <a:ln>
+                <a:noFill/>
+              </a:ln>
+              <a:effectLst/>
+            </c:spPr>
+            <c:txPr>
+              <a:bodyPr rot="0" spcFirstLastPara="1" vertOverflow="ellipsis" vert="horz" wrap="square" lIns="38100" tIns="19050" rIns="38100" bIns="19050" anchor="ctr" anchorCtr="1">
+                <a:spAutoFit/>
+              </a:bodyPr>
+              <a:lstStyle/>
+              <a:p>
+                <a:pPr>
+                  <a:defRPr sz="1197" b="0" i="0" u="none" strike="noStrike" kern="1200" baseline="0">
+                    <a:solidFill>
+                      <a:schemeClr val="tx1">
+                        <a:lumMod val="75000"/>
+                        <a:lumOff val="25000"/>
+                      </a:schemeClr>
+                    </a:solidFill>
+                    <a:latin typeface="Times New Roman" panose="02020603050405020304" pitchFamily="18" charset="0"/>
+                    <a:ea typeface="+mn-ea"/>
+                    <a:cs typeface="Times New Roman" panose="02020603050405020304" pitchFamily="18" charset="0"/>
+                  </a:defRPr>
+                </a:pPr>
+                <a:endParaRPr lang="en-US"/>
+              </a:p>
+            </c:txPr>
+            <c:dLblPos val="outEnd"/>
+            <c:showLegendKey val="0"/>
+            <c:showVal val="1"/>
+            <c:showCatName val="0"/>
+            <c:showSerName val="0"/>
+            <c:showPercent val="0"/>
+            <c:showBubbleSize val="0"/>
+            <c:showLeaderLines val="1"/>
+            <c:leaderLines>
+              <c:spPr>
+                <a:ln w="9525" cap="flat" cmpd="sng" algn="ctr">
+                  <a:solidFill>
+                    <a:schemeClr val="tx1">
+                      <a:lumMod val="35000"/>
+                      <a:lumOff val="65000"/>
+                    </a:schemeClr>
+                  </a:solidFill>
+                  <a:round/>
+                </a:ln>
+                <a:effectLst/>
+              </c:spPr>
+            </c:leaderLines>
+            <c:extLst>
+              <c:ext xmlns:c15="http://schemas.microsoft.com/office/drawing/2012/chart" uri="{CE6537A1-D6FC-4f65-9D91-7224C49458BB}">
+                <c15:layout/>
+              </c:ext>
+            </c:extLst>
+          </c:dLbls>
+          <c:cat>
+            <c:strRef>
+              <c:f>Sheet1!$A$2:$A$6</c:f>
+              <c:strCache>
+                <c:ptCount val="5"/>
+                <c:pt idx="0">
+                  <c:v>5 rating</c:v>
+                </c:pt>
+                <c:pt idx="1">
+                  <c:v>4 rating</c:v>
+                </c:pt>
+                <c:pt idx="2">
+                  <c:v>3 rating</c:v>
+                </c:pt>
+                <c:pt idx="3">
+                  <c:v>2 rating</c:v>
+                </c:pt>
+                <c:pt idx="4">
+                  <c:v>1 rating</c:v>
+                </c:pt>
+              </c:strCache>
+            </c:strRef>
+          </c:cat>
+          <c:val>
+            <c:numRef>
+              <c:f>Sheet1!$B$2:$B$6</c:f>
+              <c:numCache>
+                <c:formatCode>General</c:formatCode>
+                <c:ptCount val="5"/>
+                <c:pt idx="0">
+                  <c:v>8</c:v>
+                </c:pt>
+                <c:pt idx="1">
+                  <c:v>16</c:v>
+                </c:pt>
+                <c:pt idx="2">
+                  <c:v>10</c:v>
+                </c:pt>
+                <c:pt idx="3">
+                  <c:v>5</c:v>
+                </c:pt>
+                <c:pt idx="4">
+                  <c:v>0</c:v>
+                </c:pt>
+              </c:numCache>
+            </c:numRef>
+          </c:val>
+        </c:ser>
+        <c:dLbls>
+          <c:dLblPos val="outEnd"/>
+          <c:showLegendKey val="0"/>
+          <c:showVal val="1"/>
+          <c:showCatName val="0"/>
+          <c:showSerName val="0"/>
+          <c:showPercent val="0"/>
+          <c:showBubbleSize val="0"/>
+          <c:showLeaderLines val="1"/>
+        </c:dLbls>
+        <c:firstSliceAng val="0"/>
+      </c:pieChart>
+      <c:spPr>
+        <a:noFill/>
+        <a:ln>
+          <a:noFill/>
+        </a:ln>
+        <a:effectLst/>
+      </c:spPr>
+    </c:plotArea>
+    <c:legend>
+      <c:legendPos val="b"/>
+      <c:layout/>
+      <c:overlay val="0"/>
+      <c:spPr>
+        <a:noFill/>
+        <a:ln>
+          <a:noFill/>
+        </a:ln>
+        <a:effectLst/>
+      </c:spPr>
+      <c:txPr>
+        <a:bodyPr rot="0" spcFirstLastPara="1" vertOverflow="ellipsis" vert="horz" wrap="square" anchor="ctr" anchorCtr="1"/>
+        <a:lstStyle/>
+        <a:p>
+          <a:pPr>
+            <a:defRPr sz="1197" b="0" i="0" u="none" strike="noStrike" kern="1200" baseline="0">
+              <a:solidFill>
+                <a:schemeClr val="tx1">
+                  <a:lumMod val="65000"/>
+                  <a:lumOff val="35000"/>
+                </a:schemeClr>
+              </a:solidFill>
+              <a:latin typeface="Times New Roman" panose="02020603050405020304" pitchFamily="18" charset="0"/>
+              <a:ea typeface="+mn-ea"/>
+              <a:cs typeface="Times New Roman" panose="02020603050405020304" pitchFamily="18" charset="0"/>
+            </a:defRPr>
+          </a:pPr>
+          <a:endParaRPr lang="en-US"/>
+        </a:p>
+      </c:txPr>
+    </c:legend>
+    <c:plotVisOnly val="1"/>
+    <c:dispBlanksAs val="gap"/>
+    <c:showDLblsOverMax val="0"/>
+  </c:chart>
+  <c:spPr>
+    <a:noFill/>
+    <a:ln>
+      <a:noFill/>
+    </a:ln>
+    <a:effectLst/>
+  </c:spPr>
+  <c:txPr>
+    <a:bodyPr/>
+    <a:lstStyle/>
+    <a:p>
+      <a:pPr>
+        <a:defRPr>
+          <a:latin typeface="Times New Roman" panose="02020603050405020304" pitchFamily="18" charset="0"/>
+          <a:cs typeface="Times New Roman" panose="02020603050405020304" pitchFamily="18" charset="0"/>
+        </a:defRPr>
+      </a:pPr>
+      <a:endParaRPr lang="en-US"/>
+    </a:p>
+  </c:txPr>
+  <c:externalData r:id="rId3">
+    <c:autoUpdate val="0"/>
+  </c:externalData>
+</c:chartSpace>
+</file>
+
+<file path=ppt/charts/chart7.xml><?xml version="1.0" encoding="utf-8"?>
+<c:chartSpace xmlns:c="http://schemas.openxmlformats.org/drawingml/2006/chart" xmlns:a="http://schemas.openxmlformats.org/drawingml/2006/main" xmlns:r="http://schemas.openxmlformats.org/officeDocument/2006/relationships">
+  <c:date1904 val="0"/>
+  <c:lang val="en-US"/>
+  <c:roundedCorners val="0"/>
+  <mc:AlternateContent xmlns:mc="http://schemas.openxmlformats.org/markup-compatibility/2006">
+    <mc:Choice xmlns:c14="http://schemas.microsoft.com/office/drawing/2007/8/2/chart" Requires="c14">
+      <c14:style val="108"/>
+    </mc:Choice>
+    <mc:Fallback>
+      <c:style val="8"/>
+    </mc:Fallback>
+  </mc:AlternateContent>
+  <c:chart>
+    <c:title>
+      <c:layout/>
+      <c:overlay val="0"/>
+      <c:spPr>
+        <a:noFill/>
+        <a:ln>
+          <a:noFill/>
+        </a:ln>
+        <a:effectLst/>
+      </c:spPr>
+      <c:txPr>
+        <a:bodyPr rot="0" spcFirstLastPara="1" vertOverflow="ellipsis" vert="horz" wrap="square" anchor="ctr" anchorCtr="1"/>
+        <a:lstStyle/>
+        <a:p>
+          <a:pPr>
+            <a:defRPr sz="1862" b="0" i="0" u="none" strike="noStrike" kern="1200" spc="0" baseline="0">
+              <a:solidFill>
+                <a:schemeClr val="tx1">
+                  <a:lumMod val="65000"/>
+                  <a:lumOff val="35000"/>
+                </a:schemeClr>
+              </a:solidFill>
+              <a:latin typeface="Times New Roman" panose="02020603050405020304" pitchFamily="18" charset="0"/>
+              <a:ea typeface="+mn-ea"/>
+              <a:cs typeface="Times New Roman" panose="02020603050405020304" pitchFamily="18" charset="0"/>
+            </a:defRPr>
+          </a:pPr>
+          <a:endParaRPr lang="en-US"/>
+        </a:p>
+      </c:txPr>
+    </c:title>
+    <c:autoTitleDeleted val="0"/>
+    <c:plotArea>
+      <c:layout/>
+      <c:pieChart>
+        <c:varyColors val="1"/>
+        <c:ser>
+          <c:idx val="0"/>
+          <c:order val="0"/>
+          <c:tx>
+            <c:strRef>
+              <c:f>Sheet1!$B$1</c:f>
+              <c:strCache>
+                <c:ptCount val="1"/>
+                <c:pt idx="0">
+                  <c:v>Rating - User Interface</c:v>
+                </c:pt>
+              </c:strCache>
+            </c:strRef>
+          </c:tx>
+          <c:dPt>
+            <c:idx val="0"/>
+            <c:bubble3D val="0"/>
+            <c:spPr>
+              <a:solidFill>
+                <a:schemeClr val="accent6">
+                  <a:shade val="53000"/>
+                </a:schemeClr>
+              </a:solidFill>
+              <a:ln w="19050">
+                <a:solidFill>
+                  <a:schemeClr val="lt1"/>
+                </a:solidFill>
+              </a:ln>
+              <a:effectLst/>
+            </c:spPr>
+          </c:dPt>
+          <c:dPt>
+            <c:idx val="1"/>
+            <c:bubble3D val="0"/>
+            <c:spPr>
+              <a:solidFill>
+                <a:schemeClr val="accent6">
+                  <a:shade val="76000"/>
+                </a:schemeClr>
+              </a:solidFill>
+              <a:ln w="19050">
+                <a:solidFill>
+                  <a:schemeClr val="lt1"/>
+                </a:solidFill>
+              </a:ln>
+              <a:effectLst/>
+            </c:spPr>
+          </c:dPt>
+          <c:dPt>
+            <c:idx val="2"/>
+            <c:bubble3D val="0"/>
+            <c:spPr>
+              <a:solidFill>
+                <a:schemeClr val="accent6"/>
+              </a:solidFill>
+              <a:ln w="19050">
+                <a:solidFill>
+                  <a:schemeClr val="lt1"/>
+                </a:solidFill>
+              </a:ln>
+              <a:effectLst/>
+            </c:spPr>
+          </c:dPt>
+          <c:dPt>
+            <c:idx val="3"/>
+            <c:bubble3D val="0"/>
+            <c:spPr>
+              <a:solidFill>
+                <a:schemeClr val="accent6">
+                  <a:tint val="77000"/>
+                </a:schemeClr>
+              </a:solidFill>
+              <a:ln w="19050">
+                <a:solidFill>
+                  <a:schemeClr val="lt1"/>
+                </a:solidFill>
+              </a:ln>
+              <a:effectLst/>
+            </c:spPr>
+          </c:dPt>
+          <c:dPt>
+            <c:idx val="4"/>
+            <c:bubble3D val="0"/>
+            <c:spPr>
+              <a:solidFill>
+                <a:schemeClr val="accent6">
+                  <a:tint val="54000"/>
+                </a:schemeClr>
+              </a:solidFill>
+              <a:ln w="19050">
+                <a:solidFill>
+                  <a:schemeClr val="lt1"/>
+                </a:solidFill>
+              </a:ln>
+              <a:effectLst/>
+            </c:spPr>
+          </c:dPt>
+          <c:dLbls>
+            <c:spPr>
+              <a:noFill/>
+              <a:ln>
+                <a:noFill/>
+              </a:ln>
+              <a:effectLst/>
+            </c:spPr>
+            <c:txPr>
+              <a:bodyPr rot="0" spcFirstLastPara="1" vertOverflow="ellipsis" vert="horz" wrap="square" lIns="38100" tIns="19050" rIns="38100" bIns="19050" anchor="ctr" anchorCtr="1">
+                <a:spAutoFit/>
+              </a:bodyPr>
+              <a:lstStyle/>
+              <a:p>
+                <a:pPr>
+                  <a:defRPr sz="1197" b="0" i="0" u="none" strike="noStrike" kern="1200" baseline="0">
+                    <a:solidFill>
+                      <a:schemeClr val="tx1">
+                        <a:lumMod val="75000"/>
+                        <a:lumOff val="25000"/>
+                      </a:schemeClr>
+                    </a:solidFill>
+                    <a:latin typeface="Times New Roman" panose="02020603050405020304" pitchFamily="18" charset="0"/>
+                    <a:ea typeface="+mn-ea"/>
+                    <a:cs typeface="Times New Roman" panose="02020603050405020304" pitchFamily="18" charset="0"/>
+                  </a:defRPr>
+                </a:pPr>
+                <a:endParaRPr lang="en-US"/>
+              </a:p>
+            </c:txPr>
+            <c:dLblPos val="outEnd"/>
+            <c:showLegendKey val="0"/>
+            <c:showVal val="1"/>
+            <c:showCatName val="0"/>
+            <c:showSerName val="0"/>
+            <c:showPercent val="0"/>
+            <c:showBubbleSize val="0"/>
+            <c:showLeaderLines val="1"/>
+            <c:leaderLines>
+              <c:spPr>
+                <a:ln w="9525" cap="flat" cmpd="sng" algn="ctr">
+                  <a:solidFill>
+                    <a:schemeClr val="tx1">
+                      <a:lumMod val="35000"/>
+                      <a:lumOff val="65000"/>
+                    </a:schemeClr>
+                  </a:solidFill>
+                  <a:round/>
+                </a:ln>
+                <a:effectLst/>
+              </c:spPr>
+            </c:leaderLines>
+            <c:extLst>
+              <c:ext xmlns:c15="http://schemas.microsoft.com/office/drawing/2012/chart" uri="{CE6537A1-D6FC-4f65-9D91-7224C49458BB}">
+                <c15:layout/>
+              </c:ext>
+            </c:extLst>
+          </c:dLbls>
+          <c:cat>
+            <c:strRef>
+              <c:f>Sheet1!$A$2:$A$6</c:f>
+              <c:strCache>
+                <c:ptCount val="5"/>
+                <c:pt idx="0">
+                  <c:v>5 rating</c:v>
+                </c:pt>
+                <c:pt idx="1">
+                  <c:v>4 rating</c:v>
+                </c:pt>
+                <c:pt idx="2">
+                  <c:v>3 rating</c:v>
+                </c:pt>
+                <c:pt idx="3">
+                  <c:v>2 rating</c:v>
+                </c:pt>
+                <c:pt idx="4">
+                  <c:v>1 rating</c:v>
+                </c:pt>
+              </c:strCache>
+            </c:strRef>
+          </c:cat>
+          <c:val>
+            <c:numRef>
+              <c:f>Sheet1!$B$2:$B$6</c:f>
+              <c:numCache>
+                <c:formatCode>General</c:formatCode>
+                <c:ptCount val="5"/>
+                <c:pt idx="0">
+                  <c:v>16</c:v>
+                </c:pt>
+                <c:pt idx="1">
+                  <c:v>11</c:v>
+                </c:pt>
+                <c:pt idx="2">
+                  <c:v>9</c:v>
+                </c:pt>
+                <c:pt idx="3">
+                  <c:v>2</c:v>
+                </c:pt>
+                <c:pt idx="4">
+                  <c:v>1</c:v>
+                </c:pt>
+              </c:numCache>
+            </c:numRef>
+          </c:val>
+        </c:ser>
+        <c:dLbls>
+          <c:dLblPos val="outEnd"/>
+          <c:showLegendKey val="0"/>
+          <c:showVal val="1"/>
+          <c:showCatName val="0"/>
+          <c:showSerName val="0"/>
+          <c:showPercent val="0"/>
+          <c:showBubbleSize val="0"/>
+          <c:showLeaderLines val="1"/>
+        </c:dLbls>
+        <c:firstSliceAng val="0"/>
+      </c:pieChart>
+      <c:spPr>
+        <a:noFill/>
+        <a:ln>
+          <a:noFill/>
+        </a:ln>
+        <a:effectLst/>
+      </c:spPr>
+    </c:plotArea>
+    <c:legend>
+      <c:legendPos val="b"/>
+      <c:layout/>
+      <c:overlay val="0"/>
+      <c:spPr>
+        <a:noFill/>
+        <a:ln>
+          <a:noFill/>
+        </a:ln>
+        <a:effectLst/>
+      </c:spPr>
+      <c:txPr>
+        <a:bodyPr rot="0" spcFirstLastPara="1" vertOverflow="ellipsis" vert="horz" wrap="square" anchor="ctr" anchorCtr="1"/>
+        <a:lstStyle/>
+        <a:p>
+          <a:pPr>
+            <a:defRPr sz="1197" b="0" i="0" u="none" strike="noStrike" kern="1200" baseline="0">
+              <a:solidFill>
+                <a:schemeClr val="tx1">
+                  <a:lumMod val="65000"/>
+                  <a:lumOff val="35000"/>
+                </a:schemeClr>
+              </a:solidFill>
+              <a:latin typeface="Times New Roman" panose="02020603050405020304" pitchFamily="18" charset="0"/>
+              <a:ea typeface="+mn-ea"/>
+              <a:cs typeface="Times New Roman" panose="02020603050405020304" pitchFamily="18" charset="0"/>
+            </a:defRPr>
+          </a:pPr>
+          <a:endParaRPr lang="en-US"/>
+        </a:p>
+      </c:txPr>
+    </c:legend>
+    <c:plotVisOnly val="1"/>
+    <c:dispBlanksAs val="gap"/>
+    <c:showDLblsOverMax val="0"/>
+  </c:chart>
+  <c:spPr>
+    <a:noFill/>
+    <a:ln>
+      <a:noFill/>
+    </a:ln>
+    <a:effectLst/>
+  </c:spPr>
+  <c:txPr>
+    <a:bodyPr/>
+    <a:lstStyle/>
+    <a:p>
+      <a:pPr>
+        <a:defRPr>
+          <a:latin typeface="Times New Roman" panose="02020603050405020304" pitchFamily="18" charset="0"/>
+          <a:cs typeface="Times New Roman" panose="02020603050405020304" pitchFamily="18" charset="0"/>
+        </a:defRPr>
+      </a:pPr>
+      <a:endParaRPr lang="en-US"/>
+    </a:p>
+  </c:txPr>
+  <c:externalData r:id="rId3">
+    <c:autoUpdate val="0"/>
+  </c:externalData>
+</c:chartSpace>
+</file>
+
+<file path=ppt/charts/chart8.xml><?xml version="1.0" encoding="utf-8"?>
+<c:chartSpace xmlns:c="http://schemas.openxmlformats.org/drawingml/2006/chart" xmlns:a="http://schemas.openxmlformats.org/drawingml/2006/main" xmlns:r="http://schemas.openxmlformats.org/officeDocument/2006/relationships">
+  <c:date1904 val="0"/>
+  <c:lang val="en-US"/>
+  <c:roundedCorners val="0"/>
+  <mc:AlternateContent xmlns:mc="http://schemas.openxmlformats.org/markup-compatibility/2006">
+    <mc:Choice xmlns:c14="http://schemas.microsoft.com/office/drawing/2007/8/2/chart" Requires="c14">
+      <c14:style val="108"/>
+    </mc:Choice>
+    <mc:Fallback>
+      <c:style val="8"/>
+    </mc:Fallback>
+  </mc:AlternateContent>
+  <c:chart>
+    <c:title>
+      <c:layout/>
+      <c:overlay val="0"/>
+      <c:spPr>
+        <a:noFill/>
+        <a:ln>
+          <a:noFill/>
+        </a:ln>
+        <a:effectLst/>
+      </c:spPr>
+      <c:txPr>
+        <a:bodyPr rot="0" spcFirstLastPara="1" vertOverflow="ellipsis" vert="horz" wrap="square" anchor="ctr" anchorCtr="1"/>
+        <a:lstStyle/>
+        <a:p>
+          <a:pPr>
+            <a:defRPr sz="1862" b="0" i="0" u="none" strike="noStrike" kern="1200" spc="0" baseline="0">
+              <a:solidFill>
+                <a:schemeClr val="tx1">
+                  <a:lumMod val="65000"/>
+                  <a:lumOff val="35000"/>
+                </a:schemeClr>
+              </a:solidFill>
+              <a:latin typeface="Times New Roman" panose="02020603050405020304" pitchFamily="18" charset="0"/>
+              <a:ea typeface="+mn-ea"/>
+              <a:cs typeface="Times New Roman" panose="02020603050405020304" pitchFamily="18" charset="0"/>
+            </a:defRPr>
+          </a:pPr>
+          <a:endParaRPr lang="en-US"/>
+        </a:p>
+      </c:txPr>
+    </c:title>
+    <c:autoTitleDeleted val="0"/>
+    <c:plotArea>
+      <c:layout/>
+      <c:pieChart>
+        <c:varyColors val="1"/>
+        <c:ser>
+          <c:idx val="0"/>
+          <c:order val="0"/>
+          <c:tx>
+            <c:strRef>
+              <c:f>Sheet1!$B$1</c:f>
+              <c:strCache>
+                <c:ptCount val="1"/>
+                <c:pt idx="0">
+                  <c:v>Would you use a system like this if it was implemented?</c:v>
+                </c:pt>
+              </c:strCache>
+            </c:strRef>
+          </c:tx>
+          <c:dPt>
+            <c:idx val="0"/>
+            <c:bubble3D val="0"/>
+            <c:spPr>
+              <a:solidFill>
+                <a:schemeClr val="accent6">
+                  <a:shade val="65000"/>
+                </a:schemeClr>
+              </a:solidFill>
+              <a:ln w="19050">
+                <a:solidFill>
+                  <a:schemeClr val="lt1"/>
+                </a:solidFill>
+              </a:ln>
+              <a:effectLst/>
+            </c:spPr>
+          </c:dPt>
+          <c:dPt>
+            <c:idx val="1"/>
+            <c:bubble3D val="0"/>
+            <c:spPr>
+              <a:solidFill>
+                <a:schemeClr val="accent6"/>
+              </a:solidFill>
+              <a:ln w="19050">
+                <a:solidFill>
+                  <a:schemeClr val="lt1"/>
+                </a:solidFill>
+              </a:ln>
+              <a:effectLst/>
+            </c:spPr>
+          </c:dPt>
+          <c:dPt>
+            <c:idx val="2"/>
+            <c:bubble3D val="0"/>
+            <c:spPr>
+              <a:solidFill>
+                <a:schemeClr val="accent6">
+                  <a:tint val="65000"/>
+                </a:schemeClr>
+              </a:solidFill>
+              <a:ln w="19050">
+                <a:solidFill>
+                  <a:schemeClr val="lt1"/>
+                </a:solidFill>
+              </a:ln>
+              <a:effectLst/>
+            </c:spPr>
+          </c:dPt>
+          <c:dLbls>
+            <c:spPr>
+              <a:noFill/>
+              <a:ln>
+                <a:noFill/>
+              </a:ln>
+              <a:effectLst/>
+            </c:spPr>
+            <c:txPr>
+              <a:bodyPr rot="0" spcFirstLastPara="1" vertOverflow="ellipsis" vert="horz" wrap="square" lIns="38100" tIns="19050" rIns="38100" bIns="19050" anchor="ctr" anchorCtr="1">
+                <a:spAutoFit/>
+              </a:bodyPr>
+              <a:lstStyle/>
+              <a:p>
+                <a:pPr>
+                  <a:defRPr sz="1197" b="0" i="0" u="none" strike="noStrike" kern="1200" baseline="0">
+                    <a:solidFill>
+                      <a:schemeClr val="tx1">
+                        <a:lumMod val="75000"/>
+                        <a:lumOff val="25000"/>
+                      </a:schemeClr>
+                    </a:solidFill>
+                    <a:latin typeface="Times New Roman" panose="02020603050405020304" pitchFamily="18" charset="0"/>
+                    <a:ea typeface="+mn-ea"/>
+                    <a:cs typeface="Times New Roman" panose="02020603050405020304" pitchFamily="18" charset="0"/>
+                  </a:defRPr>
+                </a:pPr>
+                <a:endParaRPr lang="en-US"/>
+              </a:p>
+            </c:txPr>
+            <c:dLblPos val="outEnd"/>
+            <c:showLegendKey val="0"/>
+            <c:showVal val="1"/>
+            <c:showCatName val="0"/>
+            <c:showSerName val="0"/>
+            <c:showPercent val="0"/>
+            <c:showBubbleSize val="0"/>
+            <c:showLeaderLines val="1"/>
+            <c:leaderLines>
+              <c:spPr>
+                <a:ln w="9525" cap="flat" cmpd="sng" algn="ctr">
+                  <a:solidFill>
+                    <a:schemeClr val="tx1">
+                      <a:lumMod val="35000"/>
+                      <a:lumOff val="65000"/>
+                    </a:schemeClr>
+                  </a:solidFill>
+                  <a:round/>
+                </a:ln>
+                <a:effectLst/>
+              </c:spPr>
+            </c:leaderLines>
+            <c:extLst>
+              <c:ext xmlns:c15="http://schemas.microsoft.com/office/drawing/2012/chart" uri="{CE6537A1-D6FC-4f65-9D91-7224C49458BB}">
+                <c15:layout/>
+              </c:ext>
+            </c:extLst>
+          </c:dLbls>
+          <c:cat>
+            <c:strRef>
+              <c:f>Sheet1!$A$2:$A$4</c:f>
+              <c:strCache>
+                <c:ptCount val="3"/>
+                <c:pt idx="0">
+                  <c:v>Oh my god, yes!</c:v>
+                </c:pt>
+                <c:pt idx="1">
+                  <c:v>Yes</c:v>
+                </c:pt>
+                <c:pt idx="2">
+                  <c:v>No</c:v>
+                </c:pt>
+              </c:strCache>
+            </c:strRef>
+          </c:cat>
+          <c:val>
+            <c:numRef>
+              <c:f>Sheet1!$B$2:$B$4</c:f>
+              <c:numCache>
+                <c:formatCode>General</c:formatCode>
+                <c:ptCount val="3"/>
+                <c:pt idx="0">
+                  <c:v>16</c:v>
+                </c:pt>
+                <c:pt idx="1">
+                  <c:v>17</c:v>
+                </c:pt>
+                <c:pt idx="2">
+                  <c:v>6</c:v>
+                </c:pt>
+              </c:numCache>
+            </c:numRef>
+          </c:val>
+        </c:ser>
+        <c:dLbls>
+          <c:dLblPos val="outEnd"/>
+          <c:showLegendKey val="0"/>
+          <c:showVal val="1"/>
+          <c:showCatName val="0"/>
+          <c:showSerName val="0"/>
+          <c:showPercent val="0"/>
+          <c:showBubbleSize val="0"/>
+          <c:showLeaderLines val="1"/>
+        </c:dLbls>
+        <c:firstSliceAng val="0"/>
+      </c:pieChart>
+      <c:spPr>
+        <a:noFill/>
+        <a:ln>
+          <a:noFill/>
+        </a:ln>
+        <a:effectLst/>
+      </c:spPr>
+    </c:plotArea>
+    <c:legend>
+      <c:legendPos val="b"/>
+      <c:layout/>
+      <c:overlay val="0"/>
+      <c:spPr>
+        <a:noFill/>
+        <a:ln>
+          <a:noFill/>
+        </a:ln>
+        <a:effectLst/>
+      </c:spPr>
+      <c:txPr>
+        <a:bodyPr rot="0" spcFirstLastPara="1" vertOverflow="ellipsis" vert="horz" wrap="square" anchor="ctr" anchorCtr="1"/>
+        <a:lstStyle/>
+        <a:p>
+          <a:pPr>
+            <a:defRPr sz="1197" b="0" i="0" u="none" strike="noStrike" kern="1200" baseline="0">
+              <a:solidFill>
+                <a:schemeClr val="tx1">
+                  <a:lumMod val="65000"/>
+                  <a:lumOff val="35000"/>
+                </a:schemeClr>
+              </a:solidFill>
+              <a:latin typeface="Times New Roman" panose="02020603050405020304" pitchFamily="18" charset="0"/>
+              <a:ea typeface="+mn-ea"/>
+              <a:cs typeface="Times New Roman" panose="02020603050405020304" pitchFamily="18" charset="0"/>
+            </a:defRPr>
+          </a:pPr>
+          <a:endParaRPr lang="en-US"/>
+        </a:p>
+      </c:txPr>
+    </c:legend>
+    <c:plotVisOnly val="1"/>
+    <c:dispBlanksAs val="gap"/>
+    <c:showDLblsOverMax val="0"/>
+  </c:chart>
+  <c:spPr>
+    <a:noFill/>
+    <a:ln>
+      <a:noFill/>
+    </a:ln>
+    <a:effectLst/>
+  </c:spPr>
+  <c:txPr>
+    <a:bodyPr/>
+    <a:lstStyle/>
+    <a:p>
+      <a:pPr>
+        <a:defRPr>
+          <a:latin typeface="Times New Roman" panose="02020603050405020304" pitchFamily="18" charset="0"/>
+          <a:cs typeface="Times New Roman" panose="02020603050405020304" pitchFamily="18" charset="0"/>
+        </a:defRPr>
+      </a:pPr>
+      <a:endParaRPr lang="en-US"/>
+    </a:p>
+  </c:txPr>
+  <c:externalData r:id="rId3">
+    <c:autoUpdate val="0"/>
+  </c:externalData>
+</c:chartSpace>
+</file>
+
+<file path=ppt/charts/colors1.xml><?xml version="1.0" encoding="utf-8"?>
+<cs:colorStyle xmlns:cs="http://schemas.microsoft.com/office/drawing/2012/chartStyle" xmlns:a="http://schemas.openxmlformats.org/drawingml/2006/main" meth="withinLinear" id="19">
+  <a:schemeClr val="accent6"/>
+</cs:colorStyle>
+</file>
+
+<file path=ppt/charts/colors2.xml><?xml version="1.0" encoding="utf-8"?>
+<cs:colorStyle xmlns:cs="http://schemas.microsoft.com/office/drawing/2012/chartStyle" xmlns:a="http://schemas.openxmlformats.org/drawingml/2006/main" meth="withinLinear" id="19">
+  <a:schemeClr val="accent6"/>
+</cs:colorStyle>
+</file>
+
+<file path=ppt/charts/colors3.xml><?xml version="1.0" encoding="utf-8"?>
+<cs:colorStyle xmlns:cs="http://schemas.microsoft.com/office/drawing/2012/chartStyle" xmlns:a="http://schemas.openxmlformats.org/drawingml/2006/main" meth="withinLinear" id="19">
+  <a:schemeClr val="accent6"/>
+</cs:colorStyle>
+</file>
+
+<file path=ppt/charts/colors4.xml><?xml version="1.0" encoding="utf-8"?>
+<cs:colorStyle xmlns:cs="http://schemas.microsoft.com/office/drawing/2012/chartStyle" xmlns:a="http://schemas.openxmlformats.org/drawingml/2006/main" meth="withinLinear" id="19">
+  <a:schemeClr val="accent6"/>
+</cs:colorStyle>
+</file>
+
+<file path=ppt/charts/colors5.xml><?xml version="1.0" encoding="utf-8"?>
+<cs:colorStyle xmlns:cs="http://schemas.microsoft.com/office/drawing/2012/chartStyle" xmlns:a="http://schemas.openxmlformats.org/drawingml/2006/main" meth="withinLinear" id="19">
+  <a:schemeClr val="accent6"/>
+</cs:colorStyle>
+</file>
+
+<file path=ppt/charts/colors6.xml><?xml version="1.0" encoding="utf-8"?>
+<cs:colorStyle xmlns:cs="http://schemas.microsoft.com/office/drawing/2012/chartStyle" xmlns:a="http://schemas.openxmlformats.org/drawingml/2006/main" meth="withinLinear" id="19">
+  <a:schemeClr val="accent6"/>
+</cs:colorStyle>
+</file>
+
+<file path=ppt/charts/style1.xml><?xml version="1.0" encoding="utf-8"?>
+<cs:chartStyle xmlns:cs="http://schemas.microsoft.com/office/drawing/2012/chartStyle" xmlns:a="http://schemas.openxmlformats.org/drawingml/2006/main" id="251">
+  <cs:axisTitle>
+    <cs:lnRef idx="0"/>
+    <cs:fillRef idx="0"/>
+    <cs:effectRef idx="0"/>
+    <cs:fontRef idx="minor">
+      <a:schemeClr val="tx1">
+        <a:lumMod val="65000"/>
+        <a:lumOff val="35000"/>
+      </a:schemeClr>
+    </cs:fontRef>
+    <cs:defRPr sz="1330" kern="1200"/>
+  </cs:axisTitle>
+  <cs:categoryAxis>
+    <cs:lnRef idx="0"/>
+    <cs:fillRef idx="0"/>
+    <cs:effectRef idx="0"/>
+    <cs:fontRef idx="minor">
+      <a:schemeClr val="tx1">
+        <a:lumMod val="65000"/>
+        <a:lumOff val="35000"/>
+      </a:schemeClr>
+    </cs:fontRef>
+    <cs:spPr>
+      <a:ln w="9525" cap="flat" cmpd="sng" algn="ctr">
+        <a:solidFill>
+          <a:schemeClr val="tx1">
+            <a:lumMod val="15000"/>
+            <a:lumOff val="85000"/>
+          </a:schemeClr>
+        </a:solidFill>
+        <a:round/>
+      </a:ln>
+    </cs:spPr>
+    <cs:defRPr sz="1197" kern="1200"/>
+  </cs:categoryAxis>
+  <cs:chartArea mods="allowNoFillOverride allowNoLineOverride">
+    <cs:lnRef idx="0"/>
+    <cs:fillRef idx="0"/>
+    <cs:effectRef idx="0"/>
+    <cs:fontRef idx="minor">
+      <a:schemeClr val="tx1"/>
+    </cs:fontRef>
+    <cs:spPr>
+      <a:solidFill>
+        <a:schemeClr val="bg1"/>
+      </a:solidFill>
+      <a:ln w="9525" cap="flat" cmpd="sng" algn="ctr">
+        <a:solidFill>
+          <a:schemeClr val="tx1">
+            <a:lumMod val="15000"/>
+            <a:lumOff val="85000"/>
+          </a:schemeClr>
+        </a:solidFill>
+        <a:round/>
+      </a:ln>
+    </cs:spPr>
+    <cs:defRPr sz="1197" kern="1200"/>
+  </cs:chartArea>
+  <cs:dataLabel>
+    <cs:lnRef idx="0"/>
+    <cs:fillRef idx="0"/>
+    <cs:effectRef idx="0"/>
+    <cs:fontRef idx="minor">
+      <a:schemeClr val="tx1">
+        <a:lumMod val="75000"/>
+        <a:lumOff val="25000"/>
+      </a:schemeClr>
+    </cs:fontRef>
+    <cs:defRPr sz="1197" kern="1200"/>
+  </cs:dataLabel>
+  <cs:dataLabelCallout>
+    <cs:lnRef idx="0"/>
+    <cs:fillRef idx="0"/>
+    <cs:effectRef idx="0"/>
+    <cs:fontRef idx="minor">
+      <a:schemeClr val="dk1">
+        <a:lumMod val="65000"/>
+        <a:lumOff val="35000"/>
+      </a:schemeClr>
+    </cs:fontRef>
+    <cs:spPr>
+      <a:solidFill>
+        <a:schemeClr val="lt1"/>
+      </a:solidFill>
+      <a:ln>
+        <a:solidFill>
+          <a:schemeClr val="dk1">
+            <a:lumMod val="25000"/>
+            <a:lumOff val="75000"/>
+          </a:schemeClr>
+        </a:solidFill>
+      </a:ln>
+    </cs:spPr>
+    <cs:defRPr sz="1197" kern="1200"/>
+    <cs:bodyPr rot="0" spcFirstLastPara="1" vertOverflow="clip" horzOverflow="clip" vert="horz" wrap="square" lIns="36576" tIns="18288" rIns="36576" bIns="18288" anchor="ctr" anchorCtr="1">
+      <a:spAutoFit/>
+    </cs:bodyPr>
+  </cs:dataLabelCallout>
+  <cs:dataPoint>
+    <cs:lnRef idx="0"/>
+    <cs:fillRef idx="1">
+      <cs:styleClr val="auto"/>
+    </cs:fillRef>
+    <cs:effectRef idx="0"/>
+    <cs:fontRef idx="minor">
+      <a:schemeClr val="tx1"/>
+    </cs:fontRef>
+    <cs:spPr>
+      <a:ln w="19050">
+        <a:solidFill>
+          <a:schemeClr val="lt1"/>
+        </a:solidFill>
+      </a:ln>
+    </cs:spPr>
+  </cs:dataPoint>
+  <cs:dataPoint3D>
+    <cs:lnRef idx="0"/>
+    <cs:fillRef idx="1">
+      <cs:styleClr val="auto"/>
+    </cs:fillRef>
+    <cs:effectRef idx="0"/>
+    <cs:fontRef idx="minor">
+      <a:schemeClr val="tx1"/>
+    </cs:fontRef>
+    <cs:spPr>
+      <a:ln w="25400">
+        <a:solidFill>
+          <a:schemeClr val="lt1"/>
+        </a:solidFill>
+      </a:ln>
+    </cs:spPr>
+  </cs:dataPoint3D>
+  <cs:dataPointLine>
+    <cs:lnRef idx="0">
+      <cs:styleClr val="auto"/>
+    </cs:lnRef>
+    <cs:fillRef idx="0"/>
+    <cs:effectRef idx="0"/>
+    <cs:fontRef idx="minor">
+      <a:schemeClr val="tx1"/>
+    </cs:fontRef>
+    <cs:spPr>
+      <a:ln w="28575" cap="rnd">
+        <a:solidFill>
+          <a:schemeClr val="phClr"/>
+        </a:solidFill>
+        <a:round/>
+      </a:ln>
+    </cs:spPr>
+  </cs:dataPointLine>
+  <cs:dataPointMarker>
+    <cs:lnRef idx="0">
+      <cs:styleClr val="auto"/>
+    </cs:lnRef>
+    <cs:fillRef idx="1">
+      <cs:styleClr val="auto"/>
+    </cs:fillRef>
+    <cs:effectRef idx="0"/>
+    <cs:fontRef idx="minor">
+      <a:schemeClr val="tx1"/>
+    </cs:fontRef>
+    <cs:spPr>
+      <a:ln w="9525">
+        <a:solidFill>
+          <a:schemeClr val="phClr"/>
+        </a:solidFill>
+      </a:ln>
+    </cs:spPr>
+  </cs:dataPointMarker>
+  <cs:dataPointMarkerLayout symbol="circle" size="5"/>
+  <cs:dataPointWireframe>
+    <cs:lnRef idx="0">
+      <cs:styleClr val="auto"/>
+    </cs:lnRef>
+    <cs:fillRef idx="0"/>
+    <cs:effectRef idx="0"/>
+    <cs:fontRef idx="minor">
+      <a:schemeClr val="tx1"/>
+    </cs:fontRef>
+    <cs:spPr>
+      <a:ln w="9525" cap="rnd">
+        <a:solidFill>
+          <a:schemeClr val="phClr"/>
+        </a:solidFill>
+        <a:round/>
+      </a:ln>
+    </cs:spPr>
+  </cs:dataPointWireframe>
+  <cs:dataTable>
+    <cs:lnRef idx="0"/>
+    <cs:fillRef idx="0"/>
+    <cs:effectRef idx="0"/>
+    <cs:fontRef idx="minor">
+      <a:schemeClr val="tx1">
+        <a:lumMod val="65000"/>
+        <a:lumOff val="35000"/>
+      </a:schemeClr>
+    </cs:fontRef>
+    <cs:spPr>
+      <a:noFill/>
+      <a:ln w="9525" cap="flat" cmpd="sng" algn="ctr">
+        <a:solidFill>
+          <a:schemeClr val="tx1">
+            <a:lumMod val="15000"/>
+            <a:lumOff val="85000"/>
+          </a:schemeClr>
+        </a:solidFill>
+        <a:round/>
+      </a:ln>
+    </cs:spPr>
+    <cs:defRPr sz="1197" kern="1200"/>
+  </cs:dataTable>
+  <cs:downBar>
+    <cs:lnRef idx="0"/>
+    <cs:fillRef idx="0"/>
+    <cs:effectRef idx="0"/>
+    <cs:fontRef idx="minor">
+      <a:schemeClr val="tx1"/>
+    </cs:fontRef>
+    <cs:spPr>
+      <a:solidFill>
+        <a:schemeClr val="dk1">
+          <a:lumMod val="75000"/>
+          <a:lumOff val="25000"/>
+        </a:schemeClr>
+      </a:solidFill>
+      <a:ln w="9525" cap="flat" cmpd="sng" algn="ctr">
+        <a:solidFill>
+          <a:schemeClr val="tx1">
+            <a:lumMod val="65000"/>
+            <a:lumOff val="35000"/>
+          </a:schemeClr>
+        </a:solidFill>
+        <a:round/>
+      </a:ln>
+    </cs:spPr>
+  </cs:downBar>
+  <cs:dropLine>
+    <cs:lnRef idx="0"/>
+    <cs:fillRef idx="0"/>
+    <cs:effectRef idx="0"/>
+    <cs:fontRef idx="minor">
+      <a:schemeClr val="tx1"/>
+    </cs:fontRef>
+    <cs:spPr>
+      <a:ln w="9525" cap="flat" cmpd="sng" algn="ctr">
+        <a:solidFill>
+          <a:schemeClr val="tx1">
+            <a:lumMod val="35000"/>
+            <a:lumOff val="65000"/>
+          </a:schemeClr>
+        </a:solidFill>
+        <a:round/>
+      </a:ln>
+    </cs:spPr>
+  </cs:dropLine>
+  <cs:errorBar>
+    <cs:lnRef idx="0"/>
+    <cs:fillRef idx="0"/>
+    <cs:effectRef idx="0"/>
+    <cs:fontRef idx="minor">
+      <a:schemeClr val="tx1"/>
+    </cs:fontRef>
+    <cs:spPr>
+      <a:ln w="9525" cap="flat" cmpd="sng" algn="ctr">
+        <a:solidFill>
+          <a:schemeClr val="tx1">
+            <a:lumMod val="65000"/>
+            <a:lumOff val="35000"/>
+          </a:schemeClr>
+        </a:solidFill>
+        <a:round/>
+      </a:ln>
+    </cs:spPr>
+  </cs:errorBar>
+  <cs:floor>
+    <cs:lnRef idx="0"/>
+    <cs:fillRef idx="0"/>
+    <cs:effectRef idx="0"/>
+    <cs:fontRef idx="minor">
+      <a:schemeClr val="tx1"/>
+    </cs:fontRef>
+    <cs:spPr>
+      <a:noFill/>
+      <a:ln>
+        <a:noFill/>
+      </a:ln>
+    </cs:spPr>
+  </cs:floor>
+  <cs:gridlineMajor>
+    <cs:lnRef idx="0"/>
+    <cs:fillRef idx="0"/>
+    <cs:effectRef idx="0"/>
+    <cs:fontRef idx="minor">
+      <a:schemeClr val="tx1"/>
+    </cs:fontRef>
+    <cs:spPr>
+      <a:ln w="9525" cap="flat" cmpd="sng" algn="ctr">
+        <a:solidFill>
+          <a:schemeClr val="tx1">
+            <a:lumMod val="15000"/>
+            <a:lumOff val="85000"/>
+          </a:schemeClr>
+        </a:solidFill>
+        <a:round/>
+      </a:ln>
+    </cs:spPr>
+  </cs:gridlineMajor>
+  <cs:gridlineMinor>
+    <cs:lnRef idx="0"/>
+    <cs:fillRef idx="0"/>
+    <cs:effectRef idx="0"/>
+    <cs:fontRef idx="minor">
+      <a:schemeClr val="tx1"/>
+    </cs:fontRef>
+    <cs:spPr>
+      <a:ln w="9525" cap="flat" cmpd="sng" algn="ctr">
+        <a:solidFill>
+          <a:schemeClr val="tx1">
+            <a:lumMod val="5000"/>
+            <a:lumOff val="95000"/>
+          </a:schemeClr>
+        </a:solidFill>
+        <a:round/>
+      </a:ln>
+    </cs:spPr>
+  </cs:gridlineMinor>
+  <cs:hiLoLine>
+    <cs:lnRef idx="0"/>
+    <cs:fillRef idx="0"/>
+    <cs:effectRef idx="0"/>
+    <cs:fontRef idx="minor">
+      <a:schemeClr val="tx1"/>
+    </cs:fontRef>
+    <cs:spPr>
+      <a:ln w="9525" cap="flat" cmpd="sng" algn="ctr">
+        <a:solidFill>
+          <a:schemeClr val="tx1">
+            <a:lumMod val="50000"/>
+            <a:lumOff val="50000"/>
+          </a:schemeClr>
+        </a:solidFill>
+        <a:round/>
+      </a:ln>
+    </cs:spPr>
+  </cs:hiLoLine>
+  <cs:leaderLine>
+    <cs:lnRef idx="0"/>
+    <cs:fillRef idx="0"/>
+    <cs:effectRef idx="0"/>
+    <cs:fontRef idx="minor">
+      <a:schemeClr val="tx1"/>
+    </cs:fontRef>
+    <cs:spPr>
+      <a:ln w="9525" cap="flat" cmpd="sng" algn="ctr">
+        <a:solidFill>
+          <a:schemeClr val="tx1">
+            <a:lumMod val="35000"/>
+            <a:lumOff val="65000"/>
+          </a:schemeClr>
+        </a:solidFill>
+        <a:round/>
+      </a:ln>
+    </cs:spPr>
+  </cs:leaderLine>
+  <cs:legend>
+    <cs:lnRef idx="0"/>
+    <cs:fillRef idx="0"/>
+    <cs:effectRef idx="0"/>
+    <cs:fontRef idx="minor">
+      <a:schemeClr val="tx1">
+        <a:lumMod val="65000"/>
+        <a:lumOff val="35000"/>
+      </a:schemeClr>
+    </cs:fontRef>
+    <cs:defRPr sz="1197" kern="1200"/>
+  </cs:legend>
+  <cs:plotArea mods="allowNoFillOverride allowNoLineOverride">
+    <cs:lnRef idx="0"/>
+    <cs:fillRef idx="0"/>
+    <cs:effectRef idx="0"/>
+    <cs:fontRef idx="minor">
+      <a:schemeClr val="tx1"/>
+    </cs:fontRef>
+  </cs:plotArea>
+  <cs:plotArea3D mods="allowNoFillOverride allowNoLineOverride">
+    <cs:lnRef idx="0"/>
+    <cs:fillRef idx="0"/>
+    <cs:effectRef idx="0"/>
+    <cs:fontRef idx="minor">
+      <a:schemeClr val="tx1"/>
+    </cs:fontRef>
+  </cs:plotArea3D>
+  <cs:seriesAxis>
+    <cs:lnRef idx="0"/>
+    <cs:fillRef idx="0"/>
+    <cs:effectRef idx="0"/>
+    <cs:fontRef idx="minor">
+      <a:schemeClr val="tx1">
+        <a:lumMod val="65000"/>
+        <a:lumOff val="35000"/>
+      </a:schemeClr>
+    </cs:fontRef>
+    <cs:defRPr sz="1197" kern="1200"/>
+  </cs:seriesAxis>
+  <cs:seriesLine>
+    <cs:lnRef idx="0"/>
+    <cs:fillRef idx="0"/>
+    <cs:effectRef idx="0"/>
+    <cs:fontRef idx="minor">
+      <a:schemeClr val="tx1"/>
+    </cs:fontRef>
+    <cs:spPr>
+      <a:ln w="9525" cap="flat" cmpd="sng" algn="ctr">
+        <a:solidFill>
+          <a:schemeClr val="tx1">
+            <a:lumMod val="35000"/>
+            <a:lumOff val="65000"/>
+          </a:schemeClr>
+        </a:solidFill>
+        <a:round/>
+      </a:ln>
+    </cs:spPr>
+  </cs:seriesLine>
+  <cs:title>
+    <cs:lnRef idx="0"/>
+    <cs:fillRef idx="0"/>
+    <cs:effectRef idx="0"/>
+    <cs:fontRef idx="minor">
+      <a:schemeClr val="tx1">
+        <a:lumMod val="65000"/>
+        <a:lumOff val="35000"/>
+      </a:schemeClr>
+    </cs:fontRef>
+    <cs:defRPr sz="1862" b="0" kern="1200" spc="0" baseline="0"/>
+  </cs:title>
+  <cs:trendline>
+    <cs:lnRef idx="0">
+      <cs:styleClr val="auto"/>
+    </cs:lnRef>
+    <cs:fillRef idx="0"/>
+    <cs:effectRef idx="0"/>
+    <cs:fontRef idx="minor">
+      <a:schemeClr val="tx1"/>
+    </cs:fontRef>
+    <cs:spPr>
+      <a:ln w="19050" cap="rnd">
+        <a:solidFill>
+          <a:schemeClr val="phClr"/>
+        </a:solidFill>
+        <a:prstDash val="sysDot"/>
+      </a:ln>
+    </cs:spPr>
+  </cs:trendline>
+  <cs:trendlineLabel>
+    <cs:lnRef idx="0"/>
+    <cs:fillRef idx="0"/>
+    <cs:effectRef idx="0"/>
+    <cs:fontRef idx="minor">
+      <a:schemeClr val="tx1">
+        <a:lumMod val="65000"/>
+        <a:lumOff val="35000"/>
+      </a:schemeClr>
+    </cs:fontRef>
+    <cs:defRPr sz="1197" kern="1200"/>
+  </cs:trendlineLabel>
+  <cs:upBar>
+    <cs:lnRef idx="0"/>
+    <cs:fillRef idx="0"/>
+    <cs:effectRef idx="0"/>
+    <cs:fontRef idx="minor">
+      <a:schemeClr val="tx1"/>
+    </cs:fontRef>
+    <cs:spPr>
+      <a:solidFill>
+        <a:schemeClr val="lt1"/>
+      </a:solidFill>
+      <a:ln w="9525" cap="flat" cmpd="sng" algn="ctr">
+        <a:solidFill>
+          <a:schemeClr val="tx1">
+            <a:lumMod val="65000"/>
+            <a:lumOff val="35000"/>
+          </a:schemeClr>
+        </a:solidFill>
+        <a:round/>
+      </a:ln>
+    </cs:spPr>
+  </cs:upBar>
+  <cs:valueAxis>
+    <cs:lnRef idx="0"/>
+    <cs:fillRef idx="0"/>
+    <cs:effectRef idx="0"/>
+    <cs:fontRef idx="minor">
+      <a:schemeClr val="tx1">
+        <a:lumMod val="65000"/>
+        <a:lumOff val="35000"/>
+      </a:schemeClr>
+    </cs:fontRef>
+    <cs:defRPr sz="1197" kern="1200"/>
+  </cs:valueAxis>
+  <cs:wall>
+    <cs:lnRef idx="0"/>
+    <cs:fillRef idx="0"/>
+    <cs:effectRef idx="0"/>
+    <cs:fontRef idx="minor">
+      <a:schemeClr val="tx1"/>
+    </cs:fontRef>
+    <cs:spPr>
+      <a:noFill/>
+      <a:ln>
+        <a:noFill/>
+      </a:ln>
+    </cs:spPr>
+  </cs:wall>
+</cs:chartStyle>
+</file>
+
+<file path=ppt/charts/style2.xml><?xml version="1.0" encoding="utf-8"?>
+<cs:chartStyle xmlns:cs="http://schemas.microsoft.com/office/drawing/2012/chartStyle" xmlns:a="http://schemas.openxmlformats.org/drawingml/2006/main" id="251">
+  <cs:axisTitle>
+    <cs:lnRef idx="0"/>
+    <cs:fillRef idx="0"/>
+    <cs:effectRef idx="0"/>
+    <cs:fontRef idx="minor">
+      <a:schemeClr val="tx1">
+        <a:lumMod val="65000"/>
+        <a:lumOff val="35000"/>
+      </a:schemeClr>
+    </cs:fontRef>
+    <cs:defRPr sz="1330" kern="1200"/>
+  </cs:axisTitle>
+  <cs:categoryAxis>
+    <cs:lnRef idx="0"/>
+    <cs:fillRef idx="0"/>
+    <cs:effectRef idx="0"/>
+    <cs:fontRef idx="minor">
+      <a:schemeClr val="tx1">
+        <a:lumMod val="65000"/>
+        <a:lumOff val="35000"/>
+      </a:schemeClr>
+    </cs:fontRef>
+    <cs:spPr>
+      <a:ln w="9525" cap="flat" cmpd="sng" algn="ctr">
+        <a:solidFill>
+          <a:schemeClr val="tx1">
+            <a:lumMod val="15000"/>
+            <a:lumOff val="85000"/>
+          </a:schemeClr>
+        </a:solidFill>
+        <a:round/>
+      </a:ln>
+    </cs:spPr>
+    <cs:defRPr sz="1197" kern="1200"/>
+  </cs:categoryAxis>
+  <cs:chartArea mods="allowNoFillOverride allowNoLineOverride">
+    <cs:lnRef idx="0"/>
+    <cs:fillRef idx="0"/>
+    <cs:effectRef idx="0"/>
+    <cs:fontRef idx="minor">
+      <a:schemeClr val="tx1"/>
+    </cs:fontRef>
+    <cs:spPr>
+      <a:solidFill>
+        <a:schemeClr val="bg1"/>
+      </a:solidFill>
+      <a:ln w="9525" cap="flat" cmpd="sng" algn="ctr">
+        <a:solidFill>
+          <a:schemeClr val="tx1">
+            <a:lumMod val="15000"/>
+            <a:lumOff val="85000"/>
+          </a:schemeClr>
+        </a:solidFill>
+        <a:round/>
+      </a:ln>
+    </cs:spPr>
+    <cs:defRPr sz="1197" kern="1200"/>
+  </cs:chartArea>
+  <cs:dataLabel>
+    <cs:lnRef idx="0"/>
+    <cs:fillRef idx="0"/>
+    <cs:effectRef idx="0"/>
+    <cs:fontRef idx="minor">
+      <a:schemeClr val="tx1">
+        <a:lumMod val="75000"/>
+        <a:lumOff val="25000"/>
+      </a:schemeClr>
+    </cs:fontRef>
+    <cs:defRPr sz="1197" kern="1200"/>
+  </cs:dataLabel>
+  <cs:dataLabelCallout>
+    <cs:lnRef idx="0"/>
+    <cs:fillRef idx="0"/>
+    <cs:effectRef idx="0"/>
+    <cs:fontRef idx="minor">
+      <a:schemeClr val="dk1">
+        <a:lumMod val="65000"/>
+        <a:lumOff val="35000"/>
+      </a:schemeClr>
+    </cs:fontRef>
+    <cs:spPr>
+      <a:solidFill>
+        <a:schemeClr val="lt1"/>
+      </a:solidFill>
+      <a:ln>
+        <a:solidFill>
+          <a:schemeClr val="dk1">
+            <a:lumMod val="25000"/>
+            <a:lumOff val="75000"/>
+          </a:schemeClr>
+        </a:solidFill>
+      </a:ln>
+    </cs:spPr>
+    <cs:defRPr sz="1197" kern="1200"/>
+    <cs:bodyPr rot="0" spcFirstLastPara="1" vertOverflow="clip" horzOverflow="clip" vert="horz" wrap="square" lIns="36576" tIns="18288" rIns="36576" bIns="18288" anchor="ctr" anchorCtr="1">
+      <a:spAutoFit/>
+    </cs:bodyPr>
+  </cs:dataLabelCallout>
+  <cs:dataPoint>
+    <cs:lnRef idx="0"/>
+    <cs:fillRef idx="1">
+      <cs:styleClr val="auto"/>
+    </cs:fillRef>
+    <cs:effectRef idx="0"/>
+    <cs:fontRef idx="minor">
+      <a:schemeClr val="tx1"/>
+    </cs:fontRef>
+    <cs:spPr>
+      <a:ln w="19050">
+        <a:solidFill>
+          <a:schemeClr val="lt1"/>
+        </a:solidFill>
+      </a:ln>
+    </cs:spPr>
+  </cs:dataPoint>
+  <cs:dataPoint3D>
+    <cs:lnRef idx="0"/>
+    <cs:fillRef idx="1">
+      <cs:styleClr val="auto"/>
+    </cs:fillRef>
+    <cs:effectRef idx="0"/>
+    <cs:fontRef idx="minor">
+      <a:schemeClr val="tx1"/>
+    </cs:fontRef>
+    <cs:spPr>
+      <a:ln w="25400">
+        <a:solidFill>
+          <a:schemeClr val="lt1"/>
+        </a:solidFill>
+      </a:ln>
+    </cs:spPr>
+  </cs:dataPoint3D>
+  <cs:dataPointLine>
+    <cs:lnRef idx="0">
+      <cs:styleClr val="auto"/>
+    </cs:lnRef>
+    <cs:fillRef idx="0"/>
+    <cs:effectRef idx="0"/>
+    <cs:fontRef idx="minor">
+      <a:schemeClr val="tx1"/>
+    </cs:fontRef>
+    <cs:spPr>
+      <a:ln w="28575" cap="rnd">
+        <a:solidFill>
+          <a:schemeClr val="phClr"/>
+        </a:solidFill>
+        <a:round/>
+      </a:ln>
+    </cs:spPr>
+  </cs:dataPointLine>
+  <cs:dataPointMarker>
+    <cs:lnRef idx="0">
+      <cs:styleClr val="auto"/>
+    </cs:lnRef>
+    <cs:fillRef idx="1">
+      <cs:styleClr val="auto"/>
+    </cs:fillRef>
+    <cs:effectRef idx="0"/>
+    <cs:fontRef idx="minor">
+      <a:schemeClr val="tx1"/>
+    </cs:fontRef>
+    <cs:spPr>
+      <a:ln w="9525">
+        <a:solidFill>
+          <a:schemeClr val="phClr"/>
+        </a:solidFill>
+      </a:ln>
+    </cs:spPr>
+  </cs:dataPointMarker>
+  <cs:dataPointMarkerLayout symbol="circle" size="5"/>
+  <cs:dataPointWireframe>
+    <cs:lnRef idx="0">
+      <cs:styleClr val="auto"/>
+    </cs:lnRef>
+    <cs:fillRef idx="0"/>
+    <cs:effectRef idx="0"/>
+    <cs:fontRef idx="minor">
+      <a:schemeClr val="tx1"/>
+    </cs:fontRef>
+    <cs:spPr>
+      <a:ln w="9525" cap="rnd">
+        <a:solidFill>
+          <a:schemeClr val="phClr"/>
+        </a:solidFill>
+        <a:round/>
+      </a:ln>
+    </cs:spPr>
+  </cs:dataPointWireframe>
+  <cs:dataTable>
+    <cs:lnRef idx="0"/>
+    <cs:fillRef idx="0"/>
+    <cs:effectRef idx="0"/>
+    <cs:fontRef idx="minor">
+      <a:schemeClr val="tx1">
+        <a:lumMod val="65000"/>
+        <a:lumOff val="35000"/>
+      </a:schemeClr>
+    </cs:fontRef>
+    <cs:spPr>
+      <a:noFill/>
+      <a:ln w="9525" cap="flat" cmpd="sng" algn="ctr">
+        <a:solidFill>
+          <a:schemeClr val="tx1">
+            <a:lumMod val="15000"/>
+            <a:lumOff val="85000"/>
+          </a:schemeClr>
+        </a:solidFill>
+        <a:round/>
+      </a:ln>
+    </cs:spPr>
+    <cs:defRPr sz="1197" kern="1200"/>
+  </cs:dataTable>
+  <cs:downBar>
+    <cs:lnRef idx="0"/>
+    <cs:fillRef idx="0"/>
+    <cs:effectRef idx="0"/>
+    <cs:fontRef idx="minor">
+      <a:schemeClr val="tx1"/>
+    </cs:fontRef>
+    <cs:spPr>
+      <a:solidFill>
+        <a:schemeClr val="dk1">
+          <a:lumMod val="75000"/>
+          <a:lumOff val="25000"/>
+        </a:schemeClr>
+      </a:solidFill>
+      <a:ln w="9525" cap="flat" cmpd="sng" algn="ctr">
+        <a:solidFill>
+          <a:schemeClr val="tx1">
+            <a:lumMod val="65000"/>
+            <a:lumOff val="35000"/>
+          </a:schemeClr>
+        </a:solidFill>
+        <a:round/>
+      </a:ln>
+    </cs:spPr>
+  </cs:downBar>
+  <cs:dropLine>
+    <cs:lnRef idx="0"/>
+    <cs:fillRef idx="0"/>
+    <cs:effectRef idx="0"/>
+    <cs:fontRef idx="minor">
+      <a:schemeClr val="tx1"/>
+    </cs:fontRef>
+    <cs:spPr>
+      <a:ln w="9525" cap="flat" cmpd="sng" algn="ctr">
+        <a:solidFill>
+          <a:schemeClr val="tx1">
+            <a:lumMod val="35000"/>
+            <a:lumOff val="65000"/>
+          </a:schemeClr>
+        </a:solidFill>
+        <a:round/>
+      </a:ln>
+    </cs:spPr>
+  </cs:dropLine>
+  <cs:errorBar>
+    <cs:lnRef idx="0"/>
+    <cs:fillRef idx="0"/>
+    <cs:effectRef idx="0"/>
+    <cs:fontRef idx="minor">
+      <a:schemeClr val="tx1"/>
+    </cs:fontRef>
+    <cs:spPr>
+      <a:ln w="9525" cap="flat" cmpd="sng" algn="ctr">
+        <a:solidFill>
+          <a:schemeClr val="tx1">
+            <a:lumMod val="65000"/>
+            <a:lumOff val="35000"/>
+          </a:schemeClr>
+        </a:solidFill>
+        <a:round/>
+      </a:ln>
+    </cs:spPr>
+  </cs:errorBar>
+  <cs:floor>
+    <cs:lnRef idx="0"/>
+    <cs:fillRef idx="0"/>
+    <cs:effectRef idx="0"/>
+    <cs:fontRef idx="minor">
+      <a:schemeClr val="tx1"/>
+    </cs:fontRef>
+    <cs:spPr>
+      <a:noFill/>
+      <a:ln>
+        <a:noFill/>
+      </a:ln>
+    </cs:spPr>
+  </cs:floor>
+  <cs:gridlineMajor>
+    <cs:lnRef idx="0"/>
+    <cs:fillRef idx="0"/>
+    <cs:effectRef idx="0"/>
+    <cs:fontRef idx="minor">
+      <a:schemeClr val="tx1"/>
+    </cs:fontRef>
+    <cs:spPr>
+      <a:ln w="9525" cap="flat" cmpd="sng" algn="ctr">
+        <a:solidFill>
+          <a:schemeClr val="tx1">
+            <a:lumMod val="15000"/>
+            <a:lumOff val="85000"/>
+          </a:schemeClr>
+        </a:solidFill>
+        <a:round/>
+      </a:ln>
+    </cs:spPr>
+  </cs:gridlineMajor>
+  <cs:gridlineMinor>
+    <cs:lnRef idx="0"/>
+    <cs:fillRef idx="0"/>
+    <cs:effectRef idx="0"/>
+    <cs:fontRef idx="minor">
+      <a:schemeClr val="tx1"/>
+    </cs:fontRef>
+    <cs:spPr>
+      <a:ln w="9525" cap="flat" cmpd="sng" algn="ctr">
+        <a:solidFill>
+          <a:schemeClr val="tx1">
+            <a:lumMod val="5000"/>
+            <a:lumOff val="95000"/>
+          </a:schemeClr>
+        </a:solidFill>
+        <a:round/>
+      </a:ln>
+    </cs:spPr>
+  </cs:gridlineMinor>
+  <cs:hiLoLine>
+    <cs:lnRef idx="0"/>
+    <cs:fillRef idx="0"/>
+    <cs:effectRef idx="0"/>
+    <cs:fontRef idx="minor">
+      <a:schemeClr val="tx1"/>
+    </cs:fontRef>
+    <cs:spPr>
+      <a:ln w="9525" cap="flat" cmpd="sng" algn="ctr">
+        <a:solidFill>
+          <a:schemeClr val="tx1">
+            <a:lumMod val="50000"/>
+            <a:lumOff val="50000"/>
+          </a:schemeClr>
+        </a:solidFill>
+        <a:round/>
+      </a:ln>
+    </cs:spPr>
+  </cs:hiLoLine>
+  <cs:leaderLine>
+    <cs:lnRef idx="0"/>
+    <cs:fillRef idx="0"/>
+    <cs:effectRef idx="0"/>
+    <cs:fontRef idx="minor">
+      <a:schemeClr val="tx1"/>
+    </cs:fontRef>
+    <cs:spPr>
+      <a:ln w="9525" cap="flat" cmpd="sng" algn="ctr">
+        <a:solidFill>
+          <a:schemeClr val="tx1">
+            <a:lumMod val="35000"/>
+            <a:lumOff val="65000"/>
+          </a:schemeClr>
+        </a:solidFill>
+        <a:round/>
+      </a:ln>
+    </cs:spPr>
+  </cs:leaderLine>
+  <cs:legend>
+    <cs:lnRef idx="0"/>
+    <cs:fillRef idx="0"/>
+    <cs:effectRef idx="0"/>
+    <cs:fontRef idx="minor">
+      <a:schemeClr val="tx1">
+        <a:lumMod val="65000"/>
+        <a:lumOff val="35000"/>
+      </a:schemeClr>
+    </cs:fontRef>
+    <cs:defRPr sz="1197" kern="1200"/>
+  </cs:legend>
+  <cs:plotArea mods="allowNoFillOverride allowNoLineOverride">
+    <cs:lnRef idx="0"/>
+    <cs:fillRef idx="0"/>
+    <cs:effectRef idx="0"/>
+    <cs:fontRef idx="minor">
+      <a:schemeClr val="tx1"/>
+    </cs:fontRef>
+  </cs:plotArea>
+  <cs:plotArea3D mods="allowNoFillOverride allowNoLineOverride">
+    <cs:lnRef idx="0"/>
+    <cs:fillRef idx="0"/>
+    <cs:effectRef idx="0"/>
+    <cs:fontRef idx="minor">
+      <a:schemeClr val="tx1"/>
+    </cs:fontRef>
+  </cs:plotArea3D>
+  <cs:seriesAxis>
+    <cs:lnRef idx="0"/>
+    <cs:fillRef idx="0"/>
+    <cs:effectRef idx="0"/>
+    <cs:fontRef idx="minor">
+      <a:schemeClr val="tx1">
+        <a:lumMod val="65000"/>
+        <a:lumOff val="35000"/>
+      </a:schemeClr>
+    </cs:fontRef>
+    <cs:defRPr sz="1197" kern="1200"/>
+  </cs:seriesAxis>
+  <cs:seriesLine>
+    <cs:lnRef idx="0"/>
+    <cs:fillRef idx="0"/>
+    <cs:effectRef idx="0"/>
+    <cs:fontRef idx="minor">
+      <a:schemeClr val="tx1"/>
+    </cs:fontRef>
+    <cs:spPr>
+      <a:ln w="9525" cap="flat" cmpd="sng" algn="ctr">
+        <a:solidFill>
+          <a:schemeClr val="tx1">
+            <a:lumMod val="35000"/>
+            <a:lumOff val="65000"/>
+          </a:schemeClr>
+        </a:solidFill>
+        <a:round/>
+      </a:ln>
+    </cs:spPr>
+  </cs:seriesLine>
+  <cs:title>
+    <cs:lnRef idx="0"/>
+    <cs:fillRef idx="0"/>
+    <cs:effectRef idx="0"/>
+    <cs:fontRef idx="minor">
+      <a:schemeClr val="tx1">
+        <a:lumMod val="65000"/>
+        <a:lumOff val="35000"/>
+      </a:schemeClr>
+    </cs:fontRef>
+    <cs:defRPr sz="1862" b="0" kern="1200" spc="0" baseline="0"/>
+  </cs:title>
+  <cs:trendline>
+    <cs:lnRef idx="0">
+      <cs:styleClr val="auto"/>
+    </cs:lnRef>
+    <cs:fillRef idx="0"/>
+    <cs:effectRef idx="0"/>
+    <cs:fontRef idx="minor">
+      <a:schemeClr val="tx1"/>
+    </cs:fontRef>
+    <cs:spPr>
+      <a:ln w="19050" cap="rnd">
+        <a:solidFill>
+          <a:schemeClr val="phClr"/>
+        </a:solidFill>
+        <a:prstDash val="sysDot"/>
+      </a:ln>
+    </cs:spPr>
+  </cs:trendline>
+  <cs:trendlineLabel>
+    <cs:lnRef idx="0"/>
+    <cs:fillRef idx="0"/>
+    <cs:effectRef idx="0"/>
+    <cs:fontRef idx="minor">
+      <a:schemeClr val="tx1">
+        <a:lumMod val="65000"/>
+        <a:lumOff val="35000"/>
+      </a:schemeClr>
+    </cs:fontRef>
+    <cs:defRPr sz="1197" kern="1200"/>
+  </cs:trendlineLabel>
+  <cs:upBar>
+    <cs:lnRef idx="0"/>
+    <cs:fillRef idx="0"/>
+    <cs:effectRef idx="0"/>
+    <cs:fontRef idx="minor">
+      <a:schemeClr val="tx1"/>
+    </cs:fontRef>
+    <cs:spPr>
+      <a:solidFill>
+        <a:schemeClr val="lt1"/>
+      </a:solidFill>
+      <a:ln w="9525" cap="flat" cmpd="sng" algn="ctr">
+        <a:solidFill>
+          <a:schemeClr val="tx1">
+            <a:lumMod val="65000"/>
+            <a:lumOff val="35000"/>
+          </a:schemeClr>
+        </a:solidFill>
+        <a:round/>
+      </a:ln>
+    </cs:spPr>
+  </cs:upBar>
+  <cs:valueAxis>
+    <cs:lnRef idx="0"/>
+    <cs:fillRef idx="0"/>
+    <cs:effectRef idx="0"/>
+    <cs:fontRef idx="minor">
+      <a:schemeClr val="tx1">
+        <a:lumMod val="65000"/>
+        <a:lumOff val="35000"/>
+      </a:schemeClr>
+    </cs:fontRef>
+    <cs:defRPr sz="1197" kern="1200"/>
+  </cs:valueAxis>
+  <cs:wall>
+    <cs:lnRef idx="0"/>
+    <cs:fillRef idx="0"/>
+    <cs:effectRef idx="0"/>
+    <cs:fontRef idx="minor">
+      <a:schemeClr val="tx1"/>
+    </cs:fontRef>
+    <cs:spPr>
+      <a:noFill/>
+      <a:ln>
+        <a:noFill/>
+      </a:ln>
+    </cs:spPr>
+  </cs:wall>
+</cs:chartStyle>
+</file>
+
+<file path=ppt/charts/style3.xml><?xml version="1.0" encoding="utf-8"?>
+<cs:chartStyle xmlns:cs="http://schemas.microsoft.com/office/drawing/2012/chartStyle" xmlns:a="http://schemas.openxmlformats.org/drawingml/2006/main" id="251">
+  <cs:axisTitle>
+    <cs:lnRef idx="0"/>
+    <cs:fillRef idx="0"/>
+    <cs:effectRef idx="0"/>
+    <cs:fontRef idx="minor">
+      <a:schemeClr val="tx1">
+        <a:lumMod val="65000"/>
+        <a:lumOff val="35000"/>
+      </a:schemeClr>
+    </cs:fontRef>
+    <cs:defRPr sz="1330" kern="1200"/>
+  </cs:axisTitle>
+  <cs:categoryAxis>
+    <cs:lnRef idx="0"/>
+    <cs:fillRef idx="0"/>
+    <cs:effectRef idx="0"/>
+    <cs:fontRef idx="minor">
+      <a:schemeClr val="tx1">
+        <a:lumMod val="65000"/>
+        <a:lumOff val="35000"/>
+      </a:schemeClr>
+    </cs:fontRef>
+    <cs:spPr>
+      <a:ln w="9525" cap="flat" cmpd="sng" algn="ctr">
+        <a:solidFill>
+          <a:schemeClr val="tx1">
+            <a:lumMod val="15000"/>
+            <a:lumOff val="85000"/>
+          </a:schemeClr>
+        </a:solidFill>
+        <a:round/>
+      </a:ln>
+    </cs:spPr>
+    <cs:defRPr sz="1197" kern="1200"/>
+  </cs:categoryAxis>
+  <cs:chartArea mods="allowNoFillOverride allowNoLineOverride">
+    <cs:lnRef idx="0"/>
+    <cs:fillRef idx="0"/>
+    <cs:effectRef idx="0"/>
+    <cs:fontRef idx="minor">
+      <a:schemeClr val="tx1"/>
+    </cs:fontRef>
+    <cs:spPr>
+      <a:solidFill>
+        <a:schemeClr val="bg1"/>
+      </a:solidFill>
+      <a:ln w="9525" cap="flat" cmpd="sng" algn="ctr">
+        <a:solidFill>
+          <a:schemeClr val="tx1">
+            <a:lumMod val="15000"/>
+            <a:lumOff val="85000"/>
+          </a:schemeClr>
+        </a:solidFill>
+        <a:round/>
+      </a:ln>
+    </cs:spPr>
+    <cs:defRPr sz="1197" kern="1200"/>
+  </cs:chartArea>
+  <cs:dataLabel>
+    <cs:lnRef idx="0"/>
+    <cs:fillRef idx="0"/>
+    <cs:effectRef idx="0"/>
+    <cs:fontRef idx="minor">
+      <a:schemeClr val="tx1">
+        <a:lumMod val="75000"/>
+        <a:lumOff val="25000"/>
+      </a:schemeClr>
+    </cs:fontRef>
+    <cs:defRPr sz="1197" kern="1200"/>
+  </cs:dataLabel>
+  <cs:dataLabelCallout>
+    <cs:lnRef idx="0"/>
+    <cs:fillRef idx="0"/>
+    <cs:effectRef idx="0"/>
+    <cs:fontRef idx="minor">
+      <a:schemeClr val="dk1">
+        <a:lumMod val="65000"/>
+        <a:lumOff val="35000"/>
+      </a:schemeClr>
+    </cs:fontRef>
+    <cs:spPr>
+      <a:solidFill>
+        <a:schemeClr val="lt1"/>
+      </a:solidFill>
+      <a:ln>
+        <a:solidFill>
+          <a:schemeClr val="dk1">
+            <a:lumMod val="25000"/>
+            <a:lumOff val="75000"/>
+          </a:schemeClr>
+        </a:solidFill>
+      </a:ln>
+    </cs:spPr>
+    <cs:defRPr sz="1197" kern="1200"/>
+    <cs:bodyPr rot="0" spcFirstLastPara="1" vertOverflow="clip" horzOverflow="clip" vert="horz" wrap="square" lIns="36576" tIns="18288" rIns="36576" bIns="18288" anchor="ctr" anchorCtr="1">
+      <a:spAutoFit/>
+    </cs:bodyPr>
+  </cs:dataLabelCallout>
+  <cs:dataPoint>
+    <cs:lnRef idx="0"/>
+    <cs:fillRef idx="1">
+      <cs:styleClr val="auto"/>
+    </cs:fillRef>
+    <cs:effectRef idx="0"/>
+    <cs:fontRef idx="minor">
+      <a:schemeClr val="tx1"/>
+    </cs:fontRef>
+    <cs:spPr>
+      <a:ln w="19050">
+        <a:solidFill>
+          <a:schemeClr val="lt1"/>
+        </a:solidFill>
+      </a:ln>
+    </cs:spPr>
+  </cs:dataPoint>
+  <cs:dataPoint3D>
+    <cs:lnRef idx="0"/>
+    <cs:fillRef idx="1">
+      <cs:styleClr val="auto"/>
+    </cs:fillRef>
+    <cs:effectRef idx="0"/>
+    <cs:fontRef idx="minor">
+      <a:schemeClr val="tx1"/>
+    </cs:fontRef>
+    <cs:spPr>
+      <a:ln w="25400">
+        <a:solidFill>
+          <a:schemeClr val="lt1"/>
+        </a:solidFill>
+      </a:ln>
+    </cs:spPr>
+  </cs:dataPoint3D>
+  <cs:dataPointLine>
+    <cs:lnRef idx="0">
+      <cs:styleClr val="auto"/>
+    </cs:lnRef>
+    <cs:fillRef idx="0"/>
+    <cs:effectRef idx="0"/>
+    <cs:fontRef idx="minor">
+      <a:schemeClr val="tx1"/>
+    </cs:fontRef>
+    <cs:spPr>
+      <a:ln w="28575" cap="rnd">
+        <a:solidFill>
+          <a:schemeClr val="phClr"/>
+        </a:solidFill>
+        <a:round/>
+      </a:ln>
+    </cs:spPr>
+  </cs:dataPointLine>
+  <cs:dataPointMarker>
+    <cs:lnRef idx="0">
+      <cs:styleClr val="auto"/>
+    </cs:lnRef>
+    <cs:fillRef idx="1">
+      <cs:styleClr val="auto"/>
+    </cs:fillRef>
+    <cs:effectRef idx="0"/>
+    <cs:fontRef idx="minor">
+      <a:schemeClr val="tx1"/>
+    </cs:fontRef>
+    <cs:spPr>
+      <a:ln w="9525">
+        <a:solidFill>
+          <a:schemeClr val="phClr"/>
+        </a:solidFill>
+      </a:ln>
+    </cs:spPr>
+  </cs:dataPointMarker>
+  <cs:dataPointMarkerLayout symbol="circle" size="5"/>
+  <cs:dataPointWireframe>
+    <cs:lnRef idx="0">
+      <cs:styleClr val="auto"/>
+    </cs:lnRef>
+    <cs:fillRef idx="0"/>
+    <cs:effectRef idx="0"/>
+    <cs:fontRef idx="minor">
+      <a:schemeClr val="tx1"/>
+    </cs:fontRef>
+    <cs:spPr>
+      <a:ln w="9525" cap="rnd">
+        <a:solidFill>
+          <a:schemeClr val="phClr"/>
+        </a:solidFill>
+        <a:round/>
+      </a:ln>
+    </cs:spPr>
+  </cs:dataPointWireframe>
+  <cs:dataTable>
+    <cs:lnRef idx="0"/>
+    <cs:fillRef idx="0"/>
+    <cs:effectRef idx="0"/>
+    <cs:fontRef idx="minor">
+      <a:schemeClr val="tx1">
+        <a:lumMod val="65000"/>
+        <a:lumOff val="35000"/>
+      </a:schemeClr>
+    </cs:fontRef>
+    <cs:spPr>
+      <a:noFill/>
+      <a:ln w="9525" cap="flat" cmpd="sng" algn="ctr">
+        <a:solidFill>
+          <a:schemeClr val="tx1">
+            <a:lumMod val="15000"/>
+            <a:lumOff val="85000"/>
+          </a:schemeClr>
+        </a:solidFill>
+        <a:round/>
+      </a:ln>
+    </cs:spPr>
+    <cs:defRPr sz="1197" kern="1200"/>
+  </cs:dataTable>
+  <cs:downBar>
+    <cs:lnRef idx="0"/>
+    <cs:fillRef idx="0"/>
+    <cs:effectRef idx="0"/>
+    <cs:fontRef idx="minor">
+      <a:schemeClr val="tx1"/>
+    </cs:fontRef>
+    <cs:spPr>
+      <a:solidFill>
+        <a:schemeClr val="dk1">
+          <a:lumMod val="75000"/>
+          <a:lumOff val="25000"/>
+        </a:schemeClr>
+      </a:solidFill>
+      <a:ln w="9525" cap="flat" cmpd="sng" algn="ctr">
+        <a:solidFill>
+          <a:schemeClr val="tx1">
+            <a:lumMod val="65000"/>
+            <a:lumOff val="35000"/>
+          </a:schemeClr>
+        </a:solidFill>
+        <a:round/>
+      </a:ln>
+    </cs:spPr>
+  </cs:downBar>
+  <cs:dropLine>
+    <cs:lnRef idx="0"/>
+    <cs:fillRef idx="0"/>
+    <cs:effectRef idx="0"/>
+    <cs:fontRef idx="minor">
+      <a:schemeClr val="tx1"/>
+    </cs:fontRef>
+    <cs:spPr>
+      <a:ln w="9525" cap="flat" cmpd="sng" algn="ctr">
+        <a:solidFill>
+          <a:schemeClr val="tx1">
+            <a:lumMod val="35000"/>
+            <a:lumOff val="65000"/>
+          </a:schemeClr>
+        </a:solidFill>
+        <a:round/>
+      </a:ln>
+    </cs:spPr>
+  </cs:dropLine>
+  <cs:errorBar>
+    <cs:lnRef idx="0"/>
+    <cs:fillRef idx="0"/>
+    <cs:effectRef idx="0"/>
+    <cs:fontRef idx="minor">
+      <a:schemeClr val="tx1"/>
+    </cs:fontRef>
+    <cs:spPr>
+      <a:ln w="9525" cap="flat" cmpd="sng" algn="ctr">
+        <a:solidFill>
+          <a:schemeClr val="tx1">
+            <a:lumMod val="65000"/>
+            <a:lumOff val="35000"/>
+          </a:schemeClr>
+        </a:solidFill>
+        <a:round/>
+      </a:ln>
+    </cs:spPr>
+  </cs:errorBar>
+  <cs:floor>
+    <cs:lnRef idx="0"/>
+    <cs:fillRef idx="0"/>
+    <cs:effectRef idx="0"/>
+    <cs:fontRef idx="minor">
+      <a:schemeClr val="tx1"/>
+    </cs:fontRef>
+    <cs:spPr>
+      <a:noFill/>
+      <a:ln>
+        <a:noFill/>
+      </a:ln>
+    </cs:spPr>
+  </cs:floor>
+  <cs:gridlineMajor>
+    <cs:lnRef idx="0"/>
+    <cs:fillRef idx="0"/>
+    <cs:effectRef idx="0"/>
+    <cs:fontRef idx="minor">
+      <a:schemeClr val="tx1"/>
+    </cs:fontRef>
+    <cs:spPr>
+      <a:ln w="9525" cap="flat" cmpd="sng" algn="ctr">
+        <a:solidFill>
+          <a:schemeClr val="tx1">
+            <a:lumMod val="15000"/>
+            <a:lumOff val="85000"/>
+          </a:schemeClr>
+        </a:solidFill>
+        <a:round/>
+      </a:ln>
+    </cs:spPr>
+  </cs:gridlineMajor>
+  <cs:gridlineMinor>
+    <cs:lnRef idx="0"/>
+    <cs:fillRef idx="0"/>
+    <cs:effectRef idx="0"/>
+    <cs:fontRef idx="minor">
+      <a:schemeClr val="tx1"/>
+    </cs:fontRef>
+    <cs:spPr>
+      <a:ln w="9525" cap="flat" cmpd="sng" algn="ctr">
+        <a:solidFill>
+          <a:schemeClr val="tx1">
+            <a:lumMod val="5000"/>
+            <a:lumOff val="95000"/>
+          </a:schemeClr>
+        </a:solidFill>
+        <a:round/>
+      </a:ln>
+    </cs:spPr>
+  </cs:gridlineMinor>
+  <cs:hiLoLine>
+    <cs:lnRef idx="0"/>
+    <cs:fillRef idx="0"/>
+    <cs:effectRef idx="0"/>
+    <cs:fontRef idx="minor">
+      <a:schemeClr val="tx1"/>
+    </cs:fontRef>
+    <cs:spPr>
+      <a:ln w="9525" cap="flat" cmpd="sng" algn="ctr">
+        <a:solidFill>
+          <a:schemeClr val="tx1">
+            <a:lumMod val="50000"/>
+            <a:lumOff val="50000"/>
+          </a:schemeClr>
+        </a:solidFill>
+        <a:round/>
+      </a:ln>
+    </cs:spPr>
+  </cs:hiLoLine>
+  <cs:leaderLine>
+    <cs:lnRef idx="0"/>
+    <cs:fillRef idx="0"/>
+    <cs:effectRef idx="0"/>
+    <cs:fontRef idx="minor">
+      <a:schemeClr val="tx1"/>
+    </cs:fontRef>
+    <cs:spPr>
+      <a:ln w="9525" cap="flat" cmpd="sng" algn="ctr">
+        <a:solidFill>
+          <a:schemeClr val="tx1">
+            <a:lumMod val="35000"/>
+            <a:lumOff val="65000"/>
+          </a:schemeClr>
+        </a:solidFill>
+        <a:round/>
+      </a:ln>
+    </cs:spPr>
+  </cs:leaderLine>
+  <cs:legend>
+    <cs:lnRef idx="0"/>
+    <cs:fillRef idx="0"/>
+    <cs:effectRef idx="0"/>
+    <cs:fontRef idx="minor">
+      <a:schemeClr val="tx1">
+        <a:lumMod val="65000"/>
+        <a:lumOff val="35000"/>
+      </a:schemeClr>
+    </cs:fontRef>
+    <cs:defRPr sz="1197" kern="1200"/>
+  </cs:legend>
+  <cs:plotArea mods="allowNoFillOverride allowNoLineOverride">
+    <cs:lnRef idx="0"/>
+    <cs:fillRef idx="0"/>
+    <cs:effectRef idx="0"/>
+    <cs:fontRef idx="minor">
+      <a:schemeClr val="tx1"/>
+    </cs:fontRef>
+  </cs:plotArea>
+  <cs:plotArea3D mods="allowNoFillOverride allowNoLineOverride">
+    <cs:lnRef idx="0"/>
+    <cs:fillRef idx="0"/>
+    <cs:effectRef idx="0"/>
+    <cs:fontRef idx="minor">
+      <a:schemeClr val="tx1"/>
+    </cs:fontRef>
+  </cs:plotArea3D>
+  <cs:seriesAxis>
+    <cs:lnRef idx="0"/>
+    <cs:fillRef idx="0"/>
+    <cs:effectRef idx="0"/>
+    <cs:fontRef idx="minor">
+      <a:schemeClr val="tx1">
+        <a:lumMod val="65000"/>
+        <a:lumOff val="35000"/>
+      </a:schemeClr>
+    </cs:fontRef>
+    <cs:defRPr sz="1197" kern="1200"/>
+  </cs:seriesAxis>
+  <cs:seriesLine>
+    <cs:lnRef idx="0"/>
+    <cs:fillRef idx="0"/>
+    <cs:effectRef idx="0"/>
+    <cs:fontRef idx="minor">
+      <a:schemeClr val="tx1"/>
+    </cs:fontRef>
+    <cs:spPr>
+      <a:ln w="9525" cap="flat" cmpd="sng" algn="ctr">
+        <a:solidFill>
+          <a:schemeClr val="tx1">
+            <a:lumMod val="35000"/>
+            <a:lumOff val="65000"/>
+          </a:schemeClr>
+        </a:solidFill>
+        <a:round/>
+      </a:ln>
+    </cs:spPr>
+  </cs:seriesLine>
+  <cs:title>
+    <cs:lnRef idx="0"/>
+    <cs:fillRef idx="0"/>
+    <cs:effectRef idx="0"/>
+    <cs:fontRef idx="minor">
+      <a:schemeClr val="tx1">
+        <a:lumMod val="65000"/>
+        <a:lumOff val="35000"/>
+      </a:schemeClr>
+    </cs:fontRef>
+    <cs:defRPr sz="1862" b="0" kern="1200" spc="0" baseline="0"/>
+  </cs:title>
+  <cs:trendline>
+    <cs:lnRef idx="0">
+      <cs:styleClr val="auto"/>
+    </cs:lnRef>
+    <cs:fillRef idx="0"/>
+    <cs:effectRef idx="0"/>
+    <cs:fontRef idx="minor">
+      <a:schemeClr val="tx1"/>
+    </cs:fontRef>
+    <cs:spPr>
+      <a:ln w="19050" cap="rnd">
+        <a:solidFill>
+          <a:schemeClr val="phClr"/>
+        </a:solidFill>
+        <a:prstDash val="sysDot"/>
+      </a:ln>
+    </cs:spPr>
+  </cs:trendline>
+  <cs:trendlineLabel>
+    <cs:lnRef idx="0"/>
+    <cs:fillRef idx="0"/>
+    <cs:effectRef idx="0"/>
+    <cs:fontRef idx="minor">
+      <a:schemeClr val="tx1">
+        <a:lumMod val="65000"/>
+        <a:lumOff val="35000"/>
+      </a:schemeClr>
+    </cs:fontRef>
+    <cs:defRPr sz="1197" kern="1200"/>
+  </cs:trendlineLabel>
+  <cs:upBar>
+    <cs:lnRef idx="0"/>
+    <cs:fillRef idx="0"/>
+    <cs:effectRef idx="0"/>
+    <cs:fontRef idx="minor">
+      <a:schemeClr val="tx1"/>
+    </cs:fontRef>
+    <cs:spPr>
+      <a:solidFill>
+        <a:schemeClr val="lt1"/>
+      </a:solidFill>
+      <a:ln w="9525" cap="flat" cmpd="sng" algn="ctr">
+        <a:solidFill>
+          <a:schemeClr val="tx1">
+            <a:lumMod val="65000"/>
+            <a:lumOff val="35000"/>
+          </a:schemeClr>
+        </a:solidFill>
+        <a:round/>
+      </a:ln>
+    </cs:spPr>
+  </cs:upBar>
+  <cs:valueAxis>
+    <cs:lnRef idx="0"/>
+    <cs:fillRef idx="0"/>
+    <cs:effectRef idx="0"/>
+    <cs:fontRef idx="minor">
+      <a:schemeClr val="tx1">
+        <a:lumMod val="65000"/>
+        <a:lumOff val="35000"/>
+      </a:schemeClr>
+    </cs:fontRef>
+    <cs:defRPr sz="1197" kern="1200"/>
+  </cs:valueAxis>
+  <cs:wall>
+    <cs:lnRef idx="0"/>
+    <cs:fillRef idx="0"/>
+    <cs:effectRef idx="0"/>
+    <cs:fontRef idx="minor">
+      <a:schemeClr val="tx1"/>
+    </cs:fontRef>
+    <cs:spPr>
+      <a:noFill/>
+      <a:ln>
+        <a:noFill/>
+      </a:ln>
+    </cs:spPr>
+  </cs:wall>
+</cs:chartStyle>
+</file>
+
+<file path=ppt/charts/style4.xml><?xml version="1.0" encoding="utf-8"?>
+<cs:chartStyle xmlns:cs="http://schemas.microsoft.com/office/drawing/2012/chartStyle" xmlns:a="http://schemas.openxmlformats.org/drawingml/2006/main" id="251">
+  <cs:axisTitle>
+    <cs:lnRef idx="0"/>
+    <cs:fillRef idx="0"/>
+    <cs:effectRef idx="0"/>
+    <cs:fontRef idx="minor">
+      <a:schemeClr val="tx1">
+        <a:lumMod val="65000"/>
+        <a:lumOff val="35000"/>
+      </a:schemeClr>
+    </cs:fontRef>
+    <cs:defRPr sz="1330" kern="1200"/>
+  </cs:axisTitle>
+  <cs:categoryAxis>
+    <cs:lnRef idx="0"/>
+    <cs:fillRef idx="0"/>
+    <cs:effectRef idx="0"/>
+    <cs:fontRef idx="minor">
+      <a:schemeClr val="tx1">
+        <a:lumMod val="65000"/>
+        <a:lumOff val="35000"/>
+      </a:schemeClr>
+    </cs:fontRef>
+    <cs:spPr>
+      <a:ln w="9525" cap="flat" cmpd="sng" algn="ctr">
+        <a:solidFill>
+          <a:schemeClr val="tx1">
+            <a:lumMod val="15000"/>
+            <a:lumOff val="85000"/>
+          </a:schemeClr>
+        </a:solidFill>
+        <a:round/>
+      </a:ln>
+    </cs:spPr>
+    <cs:defRPr sz="1197" kern="1200"/>
+  </cs:categoryAxis>
+  <cs:chartArea mods="allowNoFillOverride allowNoLineOverride">
+    <cs:lnRef idx="0"/>
+    <cs:fillRef idx="0"/>
+    <cs:effectRef idx="0"/>
+    <cs:fontRef idx="minor">
+      <a:schemeClr val="tx1"/>
+    </cs:fontRef>
+    <cs:spPr>
+      <a:solidFill>
+        <a:schemeClr val="bg1"/>
+      </a:solidFill>
+      <a:ln w="9525" cap="flat" cmpd="sng" algn="ctr">
+        <a:solidFill>
+          <a:schemeClr val="tx1">
+            <a:lumMod val="15000"/>
+            <a:lumOff val="85000"/>
+          </a:schemeClr>
+        </a:solidFill>
+        <a:round/>
+      </a:ln>
+    </cs:spPr>
+    <cs:defRPr sz="1197" kern="1200"/>
+  </cs:chartArea>
+  <cs:dataLabel>
+    <cs:lnRef idx="0"/>
+    <cs:fillRef idx="0"/>
+    <cs:effectRef idx="0"/>
+    <cs:fontRef idx="minor">
+      <a:schemeClr val="tx1">
+        <a:lumMod val="75000"/>
+        <a:lumOff val="25000"/>
+      </a:schemeClr>
+    </cs:fontRef>
+    <cs:defRPr sz="1197" kern="1200"/>
+  </cs:dataLabel>
+  <cs:dataLabelCallout>
+    <cs:lnRef idx="0"/>
+    <cs:fillRef idx="0"/>
+    <cs:effectRef idx="0"/>
+    <cs:fontRef idx="minor">
+      <a:schemeClr val="dk1">
+        <a:lumMod val="65000"/>
+        <a:lumOff val="35000"/>
+      </a:schemeClr>
+    </cs:fontRef>
+    <cs:spPr>
+      <a:solidFill>
+        <a:schemeClr val="lt1"/>
+      </a:solidFill>
+      <a:ln>
+        <a:solidFill>
+          <a:schemeClr val="dk1">
+            <a:lumMod val="25000"/>
+            <a:lumOff val="75000"/>
+          </a:schemeClr>
+        </a:solidFill>
+      </a:ln>
+    </cs:spPr>
+    <cs:defRPr sz="1197" kern="1200"/>
+    <cs:bodyPr rot="0" spcFirstLastPara="1" vertOverflow="clip" horzOverflow="clip" vert="horz" wrap="square" lIns="36576" tIns="18288" rIns="36576" bIns="18288" anchor="ctr" anchorCtr="1">
+      <a:spAutoFit/>
+    </cs:bodyPr>
+  </cs:dataLabelCallout>
+  <cs:dataPoint>
+    <cs:lnRef idx="0"/>
+    <cs:fillRef idx="1">
+      <cs:styleClr val="auto"/>
+    </cs:fillRef>
+    <cs:effectRef idx="0"/>
+    <cs:fontRef idx="minor">
+      <a:schemeClr val="tx1"/>
+    </cs:fontRef>
+    <cs:spPr>
+      <a:ln w="19050">
+        <a:solidFill>
+          <a:schemeClr val="lt1"/>
+        </a:solidFill>
+      </a:ln>
+    </cs:spPr>
+  </cs:dataPoint>
+  <cs:dataPoint3D>
+    <cs:lnRef idx="0"/>
+    <cs:fillRef idx="1">
+      <cs:styleClr val="auto"/>
+    </cs:fillRef>
+    <cs:effectRef idx="0"/>
+    <cs:fontRef idx="minor">
+      <a:schemeClr val="tx1"/>
+    </cs:fontRef>
+    <cs:spPr>
+      <a:ln w="25400">
+        <a:solidFill>
+          <a:schemeClr val="lt1"/>
+        </a:solidFill>
+      </a:ln>
+    </cs:spPr>
+  </cs:dataPoint3D>
+  <cs:dataPointLine>
+    <cs:lnRef idx="0">
+      <cs:styleClr val="auto"/>
+    </cs:lnRef>
+    <cs:fillRef idx="0"/>
+    <cs:effectRef idx="0"/>
+    <cs:fontRef idx="minor">
+      <a:schemeClr val="tx1"/>
+    </cs:fontRef>
+    <cs:spPr>
+      <a:ln w="28575" cap="rnd">
+        <a:solidFill>
+          <a:schemeClr val="phClr"/>
+        </a:solidFill>
+        <a:round/>
+      </a:ln>
+    </cs:spPr>
+  </cs:dataPointLine>
+  <cs:dataPointMarker>
+    <cs:lnRef idx="0">
+      <cs:styleClr val="auto"/>
+    </cs:lnRef>
+    <cs:fillRef idx="1">
+      <cs:styleClr val="auto"/>
+    </cs:fillRef>
+    <cs:effectRef idx="0"/>
+    <cs:fontRef idx="minor">
+      <a:schemeClr val="tx1"/>
+    </cs:fontRef>
+    <cs:spPr>
+      <a:ln w="9525">
+        <a:solidFill>
+          <a:schemeClr val="phClr"/>
+        </a:solidFill>
+      </a:ln>
+    </cs:spPr>
+  </cs:dataPointMarker>
+  <cs:dataPointMarkerLayout symbol="circle" size="5"/>
+  <cs:dataPointWireframe>
+    <cs:lnRef idx="0">
+      <cs:styleClr val="auto"/>
+    </cs:lnRef>
+    <cs:fillRef idx="0"/>
+    <cs:effectRef idx="0"/>
+    <cs:fontRef idx="minor">
+      <a:schemeClr val="tx1"/>
+    </cs:fontRef>
+    <cs:spPr>
+      <a:ln w="9525" cap="rnd">
+        <a:solidFill>
+          <a:schemeClr val="phClr"/>
+        </a:solidFill>
+        <a:round/>
+      </a:ln>
+    </cs:spPr>
+  </cs:dataPointWireframe>
+  <cs:dataTable>
+    <cs:lnRef idx="0"/>
+    <cs:fillRef idx="0"/>
+    <cs:effectRef idx="0"/>
+    <cs:fontRef idx="minor">
+      <a:schemeClr val="tx1">
+        <a:lumMod val="65000"/>
+        <a:lumOff val="35000"/>
+      </a:schemeClr>
+    </cs:fontRef>
+    <cs:spPr>
+      <a:noFill/>
+      <a:ln w="9525" cap="flat" cmpd="sng" algn="ctr">
+        <a:solidFill>
+          <a:schemeClr val="tx1">
+            <a:lumMod val="15000"/>
+            <a:lumOff val="85000"/>
+          </a:schemeClr>
+        </a:solidFill>
+        <a:round/>
+      </a:ln>
+    </cs:spPr>
+    <cs:defRPr sz="1197" kern="1200"/>
+  </cs:dataTable>
+  <cs:downBar>
+    <cs:lnRef idx="0"/>
+    <cs:fillRef idx="0"/>
+    <cs:effectRef idx="0"/>
+    <cs:fontRef idx="minor">
+      <a:schemeClr val="tx1"/>
+    </cs:fontRef>
+    <cs:spPr>
+      <a:solidFill>
+        <a:schemeClr val="dk1">
+          <a:lumMod val="75000"/>
+          <a:lumOff val="25000"/>
+        </a:schemeClr>
+      </a:solidFill>
+      <a:ln w="9525" cap="flat" cmpd="sng" algn="ctr">
+        <a:solidFill>
+          <a:schemeClr val="tx1">
+            <a:lumMod val="65000"/>
+            <a:lumOff val="35000"/>
+          </a:schemeClr>
+        </a:solidFill>
+        <a:round/>
+      </a:ln>
+    </cs:spPr>
+  </cs:downBar>
+  <cs:dropLine>
+    <cs:lnRef idx="0"/>
+    <cs:fillRef idx="0"/>
+    <cs:effectRef idx="0"/>
+    <cs:fontRef idx="minor">
+      <a:schemeClr val="tx1"/>
+    </cs:fontRef>
+    <cs:spPr>
+      <a:ln w="9525" cap="flat" cmpd="sng" algn="ctr">
+        <a:solidFill>
+          <a:schemeClr val="tx1">
+            <a:lumMod val="35000"/>
+            <a:lumOff val="65000"/>
+          </a:schemeClr>
+        </a:solidFill>
+        <a:round/>
+      </a:ln>
+    </cs:spPr>
+  </cs:dropLine>
+  <cs:errorBar>
+    <cs:lnRef idx="0"/>
+    <cs:fillRef idx="0"/>
+    <cs:effectRef idx="0"/>
+    <cs:fontRef idx="minor">
+      <a:schemeClr val="tx1"/>
+    </cs:fontRef>
+    <cs:spPr>
+      <a:ln w="9525" cap="flat" cmpd="sng" algn="ctr">
+        <a:solidFill>
+          <a:schemeClr val="tx1">
+            <a:lumMod val="65000"/>
+            <a:lumOff val="35000"/>
+          </a:schemeClr>
+        </a:solidFill>
+        <a:round/>
+      </a:ln>
+    </cs:spPr>
+  </cs:errorBar>
+  <cs:floor>
+    <cs:lnRef idx="0"/>
+    <cs:fillRef idx="0"/>
+    <cs:effectRef idx="0"/>
+    <cs:fontRef idx="minor">
+      <a:schemeClr val="tx1"/>
+    </cs:fontRef>
+    <cs:spPr>
+      <a:noFill/>
+      <a:ln>
+        <a:noFill/>
+      </a:ln>
+    </cs:spPr>
+  </cs:floor>
+  <cs:gridlineMajor>
+    <cs:lnRef idx="0"/>
+    <cs:fillRef idx="0"/>
+    <cs:effectRef idx="0"/>
+    <cs:fontRef idx="minor">
+      <a:schemeClr val="tx1"/>
+    </cs:fontRef>
+    <cs:spPr>
+      <a:ln w="9525" cap="flat" cmpd="sng" algn="ctr">
+        <a:solidFill>
+          <a:schemeClr val="tx1">
+            <a:lumMod val="15000"/>
+            <a:lumOff val="85000"/>
+          </a:schemeClr>
+        </a:solidFill>
+        <a:round/>
+      </a:ln>
+    </cs:spPr>
+  </cs:gridlineMajor>
+  <cs:gridlineMinor>
+    <cs:lnRef idx="0"/>
+    <cs:fillRef idx="0"/>
+    <cs:effectRef idx="0"/>
+    <cs:fontRef idx="minor">
+      <a:schemeClr val="tx1"/>
+    </cs:fontRef>
+    <cs:spPr>
+      <a:ln w="9525" cap="flat" cmpd="sng" algn="ctr">
+        <a:solidFill>
+          <a:schemeClr val="tx1">
+            <a:lumMod val="5000"/>
+            <a:lumOff val="95000"/>
+          </a:schemeClr>
+        </a:solidFill>
+        <a:round/>
+      </a:ln>
+    </cs:spPr>
+  </cs:gridlineMinor>
+  <cs:hiLoLine>
+    <cs:lnRef idx="0"/>
+    <cs:fillRef idx="0"/>
+    <cs:effectRef idx="0"/>
+    <cs:fontRef idx="minor">
+      <a:schemeClr val="tx1"/>
+    </cs:fontRef>
+    <cs:spPr>
+      <a:ln w="9525" cap="flat" cmpd="sng" algn="ctr">
+        <a:solidFill>
+          <a:schemeClr val="tx1">
+            <a:lumMod val="50000"/>
+            <a:lumOff val="50000"/>
+          </a:schemeClr>
+        </a:solidFill>
+        <a:round/>
+      </a:ln>
+    </cs:spPr>
+  </cs:hiLoLine>
+  <cs:leaderLine>
+    <cs:lnRef idx="0"/>
+    <cs:fillRef idx="0"/>
+    <cs:effectRef idx="0"/>
+    <cs:fontRef idx="minor">
+      <a:schemeClr val="tx1"/>
+    </cs:fontRef>
+    <cs:spPr>
+      <a:ln w="9525" cap="flat" cmpd="sng" algn="ctr">
+        <a:solidFill>
+          <a:schemeClr val="tx1">
+            <a:lumMod val="35000"/>
+            <a:lumOff val="65000"/>
+          </a:schemeClr>
+        </a:solidFill>
+        <a:round/>
+      </a:ln>
+    </cs:spPr>
+  </cs:leaderLine>
+  <cs:legend>
+    <cs:lnRef idx="0"/>
+    <cs:fillRef idx="0"/>
+    <cs:effectRef idx="0"/>
+    <cs:fontRef idx="minor">
+      <a:schemeClr val="tx1">
+        <a:lumMod val="65000"/>
+        <a:lumOff val="35000"/>
+      </a:schemeClr>
+    </cs:fontRef>
+    <cs:defRPr sz="1197" kern="1200"/>
+  </cs:legend>
+  <cs:plotArea mods="allowNoFillOverride allowNoLineOverride">
+    <cs:lnRef idx="0"/>
+    <cs:fillRef idx="0"/>
+    <cs:effectRef idx="0"/>
+    <cs:fontRef idx="minor">
+      <a:schemeClr val="tx1"/>
+    </cs:fontRef>
+  </cs:plotArea>
+  <cs:plotArea3D mods="allowNoFillOverride allowNoLineOverride">
+    <cs:lnRef idx="0"/>
+    <cs:fillRef idx="0"/>
+    <cs:effectRef idx="0"/>
+    <cs:fontRef idx="minor">
+      <a:schemeClr val="tx1"/>
+    </cs:fontRef>
+  </cs:plotArea3D>
+  <cs:seriesAxis>
+    <cs:lnRef idx="0"/>
+    <cs:fillRef idx="0"/>
+    <cs:effectRef idx="0"/>
+    <cs:fontRef idx="minor">
+      <a:schemeClr val="tx1">
+        <a:lumMod val="65000"/>
+        <a:lumOff val="35000"/>
+      </a:schemeClr>
+    </cs:fontRef>
+    <cs:defRPr sz="1197" kern="1200"/>
+  </cs:seriesAxis>
+  <cs:seriesLine>
+    <cs:lnRef idx="0"/>
+    <cs:fillRef idx="0"/>
+    <cs:effectRef idx="0"/>
+    <cs:fontRef idx="minor">
+      <a:schemeClr val="tx1"/>
+    </cs:fontRef>
+    <cs:spPr>
+      <a:ln w="9525" cap="flat" cmpd="sng" algn="ctr">
+        <a:solidFill>
+          <a:schemeClr val="tx1">
+            <a:lumMod val="35000"/>
+            <a:lumOff val="65000"/>
+          </a:schemeClr>
+        </a:solidFill>
+        <a:round/>
+      </a:ln>
+    </cs:spPr>
+  </cs:seriesLine>
+  <cs:title>
+    <cs:lnRef idx="0"/>
+    <cs:fillRef idx="0"/>
+    <cs:effectRef idx="0"/>
+    <cs:fontRef idx="minor">
+      <a:schemeClr val="tx1">
+        <a:lumMod val="65000"/>
+        <a:lumOff val="35000"/>
+      </a:schemeClr>
+    </cs:fontRef>
+    <cs:defRPr sz="1862" b="0" kern="1200" spc="0" baseline="0"/>
+  </cs:title>
+  <cs:trendline>
+    <cs:lnRef idx="0">
+      <cs:styleClr val="auto"/>
+    </cs:lnRef>
+    <cs:fillRef idx="0"/>
+    <cs:effectRef idx="0"/>
+    <cs:fontRef idx="minor">
+      <a:schemeClr val="tx1"/>
+    </cs:fontRef>
+    <cs:spPr>
+      <a:ln w="19050" cap="rnd">
+        <a:solidFill>
+          <a:schemeClr val="phClr"/>
+        </a:solidFill>
+        <a:prstDash val="sysDot"/>
+      </a:ln>
+    </cs:spPr>
+  </cs:trendline>
+  <cs:trendlineLabel>
+    <cs:lnRef idx="0"/>
+    <cs:fillRef idx="0"/>
+    <cs:effectRef idx="0"/>
+    <cs:fontRef idx="minor">
+      <a:schemeClr val="tx1">
+        <a:lumMod val="65000"/>
+        <a:lumOff val="35000"/>
+      </a:schemeClr>
+    </cs:fontRef>
+    <cs:defRPr sz="1197" kern="1200"/>
+  </cs:trendlineLabel>
+  <cs:upBar>
+    <cs:lnRef idx="0"/>
+    <cs:fillRef idx="0"/>
+    <cs:effectRef idx="0"/>
+    <cs:fontRef idx="minor">
+      <a:schemeClr val="tx1"/>
+    </cs:fontRef>
+    <cs:spPr>
+      <a:solidFill>
+        <a:schemeClr val="lt1"/>
+      </a:solidFill>
+      <a:ln w="9525" cap="flat" cmpd="sng" algn="ctr">
+        <a:solidFill>
+          <a:schemeClr val="tx1">
+            <a:lumMod val="65000"/>
+            <a:lumOff val="35000"/>
+          </a:schemeClr>
+        </a:solidFill>
+        <a:round/>
+      </a:ln>
+    </cs:spPr>
+  </cs:upBar>
+  <cs:valueAxis>
+    <cs:lnRef idx="0"/>
+    <cs:fillRef idx="0"/>
+    <cs:effectRef idx="0"/>
+    <cs:fontRef idx="minor">
+      <a:schemeClr val="tx1">
+        <a:lumMod val="65000"/>
+        <a:lumOff val="35000"/>
+      </a:schemeClr>
+    </cs:fontRef>
+    <cs:defRPr sz="1197" kern="1200"/>
+  </cs:valueAxis>
+  <cs:wall>
+    <cs:lnRef idx="0"/>
+    <cs:fillRef idx="0"/>
+    <cs:effectRef idx="0"/>
+    <cs:fontRef idx="minor">
+      <a:schemeClr val="tx1"/>
+    </cs:fontRef>
+    <cs:spPr>
+      <a:noFill/>
+      <a:ln>
+        <a:noFill/>
+      </a:ln>
+    </cs:spPr>
+  </cs:wall>
+</cs:chartStyle>
+</file>
+
+<file path=ppt/charts/style5.xml><?xml version="1.0" encoding="utf-8"?>
+<cs:chartStyle xmlns:cs="http://schemas.microsoft.com/office/drawing/2012/chartStyle" xmlns:a="http://schemas.openxmlformats.org/drawingml/2006/main" id="251">
+  <cs:axisTitle>
+    <cs:lnRef idx="0"/>
+    <cs:fillRef idx="0"/>
+    <cs:effectRef idx="0"/>
+    <cs:fontRef idx="minor">
+      <a:schemeClr val="tx1">
+        <a:lumMod val="65000"/>
+        <a:lumOff val="35000"/>
+      </a:schemeClr>
+    </cs:fontRef>
+    <cs:defRPr sz="1330" kern="1200"/>
+  </cs:axisTitle>
+  <cs:categoryAxis>
+    <cs:lnRef idx="0"/>
+    <cs:fillRef idx="0"/>
+    <cs:effectRef idx="0"/>
+    <cs:fontRef idx="minor">
+      <a:schemeClr val="tx1">
+        <a:lumMod val="65000"/>
+        <a:lumOff val="35000"/>
+      </a:schemeClr>
+    </cs:fontRef>
+    <cs:spPr>
+      <a:ln w="9525" cap="flat" cmpd="sng" algn="ctr">
+        <a:solidFill>
+          <a:schemeClr val="tx1">
+            <a:lumMod val="15000"/>
+            <a:lumOff val="85000"/>
+          </a:schemeClr>
+        </a:solidFill>
+        <a:round/>
+      </a:ln>
+    </cs:spPr>
+    <cs:defRPr sz="1197" kern="1200"/>
+  </cs:categoryAxis>
+  <cs:chartArea mods="allowNoFillOverride allowNoLineOverride">
+    <cs:lnRef idx="0"/>
+    <cs:fillRef idx="0"/>
+    <cs:effectRef idx="0"/>
+    <cs:fontRef idx="minor">
+      <a:schemeClr val="tx1"/>
+    </cs:fontRef>
+    <cs:spPr>
+      <a:solidFill>
+        <a:schemeClr val="bg1"/>
+      </a:solidFill>
+      <a:ln w="9525" cap="flat" cmpd="sng" algn="ctr">
+        <a:solidFill>
+          <a:schemeClr val="tx1">
+            <a:lumMod val="15000"/>
+            <a:lumOff val="85000"/>
+          </a:schemeClr>
+        </a:solidFill>
+        <a:round/>
+      </a:ln>
+    </cs:spPr>
+    <cs:defRPr sz="1197" kern="1200"/>
+  </cs:chartArea>
+  <cs:dataLabel>
+    <cs:lnRef idx="0"/>
+    <cs:fillRef idx="0"/>
+    <cs:effectRef idx="0"/>
+    <cs:fontRef idx="minor">
+      <a:schemeClr val="tx1">
+        <a:lumMod val="75000"/>
+        <a:lumOff val="25000"/>
+      </a:schemeClr>
+    </cs:fontRef>
+    <cs:defRPr sz="1197" kern="1200"/>
+  </cs:dataLabel>
+  <cs:dataLabelCallout>
+    <cs:lnRef idx="0"/>
+    <cs:fillRef idx="0"/>
+    <cs:effectRef idx="0"/>
+    <cs:fontRef idx="minor">
+      <a:schemeClr val="dk1">
+        <a:lumMod val="65000"/>
+        <a:lumOff val="35000"/>
+      </a:schemeClr>
+    </cs:fontRef>
+    <cs:spPr>
+      <a:solidFill>
+        <a:schemeClr val="lt1"/>
+      </a:solidFill>
+      <a:ln>
+        <a:solidFill>
+          <a:schemeClr val="dk1">
+            <a:lumMod val="25000"/>
+            <a:lumOff val="75000"/>
+          </a:schemeClr>
+        </a:solidFill>
+      </a:ln>
+    </cs:spPr>
+    <cs:defRPr sz="1197" kern="1200"/>
+    <cs:bodyPr rot="0" spcFirstLastPara="1" vertOverflow="clip" horzOverflow="clip" vert="horz" wrap="square" lIns="36576" tIns="18288" rIns="36576" bIns="18288" anchor="ctr" anchorCtr="1">
+      <a:spAutoFit/>
+    </cs:bodyPr>
+  </cs:dataLabelCallout>
+  <cs:dataPoint>
+    <cs:lnRef idx="0"/>
+    <cs:fillRef idx="1">
+      <cs:styleClr val="auto"/>
+    </cs:fillRef>
+    <cs:effectRef idx="0"/>
+    <cs:fontRef idx="minor">
+      <a:schemeClr val="tx1"/>
+    </cs:fontRef>
+    <cs:spPr>
+      <a:ln w="19050">
+        <a:solidFill>
+          <a:schemeClr val="lt1"/>
+        </a:solidFill>
+      </a:ln>
+    </cs:spPr>
+  </cs:dataPoint>
+  <cs:dataPoint3D>
+    <cs:lnRef idx="0"/>
+    <cs:fillRef idx="1">
+      <cs:styleClr val="auto"/>
+    </cs:fillRef>
+    <cs:effectRef idx="0"/>
+    <cs:fontRef idx="minor">
+      <a:schemeClr val="tx1"/>
+    </cs:fontRef>
+    <cs:spPr>
+      <a:ln w="25400">
+        <a:solidFill>
+          <a:schemeClr val="lt1"/>
+        </a:solidFill>
+      </a:ln>
+    </cs:spPr>
+  </cs:dataPoint3D>
+  <cs:dataPointLine>
+    <cs:lnRef idx="0">
+      <cs:styleClr val="auto"/>
+    </cs:lnRef>
+    <cs:fillRef idx="0"/>
+    <cs:effectRef idx="0"/>
+    <cs:fontRef idx="minor">
+      <a:schemeClr val="tx1"/>
+    </cs:fontRef>
+    <cs:spPr>
+      <a:ln w="28575" cap="rnd">
+        <a:solidFill>
+          <a:schemeClr val="phClr"/>
+        </a:solidFill>
+        <a:round/>
+      </a:ln>
+    </cs:spPr>
+  </cs:dataPointLine>
+  <cs:dataPointMarker>
+    <cs:lnRef idx="0">
+      <cs:styleClr val="auto"/>
+    </cs:lnRef>
+    <cs:fillRef idx="1">
+      <cs:styleClr val="auto"/>
+    </cs:fillRef>
+    <cs:effectRef idx="0"/>
+    <cs:fontRef idx="minor">
+      <a:schemeClr val="tx1"/>
+    </cs:fontRef>
+    <cs:spPr>
+      <a:ln w="9525">
+        <a:solidFill>
+          <a:schemeClr val="phClr"/>
+        </a:solidFill>
+      </a:ln>
+    </cs:spPr>
+  </cs:dataPointMarker>
+  <cs:dataPointMarkerLayout symbol="circle" size="5"/>
+  <cs:dataPointWireframe>
+    <cs:lnRef idx="0">
+      <cs:styleClr val="auto"/>
+    </cs:lnRef>
+    <cs:fillRef idx="0"/>
+    <cs:effectRef idx="0"/>
+    <cs:fontRef idx="minor">
+      <a:schemeClr val="tx1"/>
+    </cs:fontRef>
+    <cs:spPr>
+      <a:ln w="9525" cap="rnd">
+        <a:solidFill>
+          <a:schemeClr val="phClr"/>
+        </a:solidFill>
+        <a:round/>
+      </a:ln>
+    </cs:spPr>
+  </cs:dataPointWireframe>
+  <cs:dataTable>
+    <cs:lnRef idx="0"/>
+    <cs:fillRef idx="0"/>
+    <cs:effectRef idx="0"/>
+    <cs:fontRef idx="minor">
+      <a:schemeClr val="tx1">
+        <a:lumMod val="65000"/>
+        <a:lumOff val="35000"/>
+      </a:schemeClr>
+    </cs:fontRef>
+    <cs:spPr>
+      <a:noFill/>
+      <a:ln w="9525" cap="flat" cmpd="sng" algn="ctr">
+        <a:solidFill>
+          <a:schemeClr val="tx1">
+            <a:lumMod val="15000"/>
+            <a:lumOff val="85000"/>
+          </a:schemeClr>
+        </a:solidFill>
+        <a:round/>
+      </a:ln>
+    </cs:spPr>
+    <cs:defRPr sz="1197" kern="1200"/>
+  </cs:dataTable>
+  <cs:downBar>
+    <cs:lnRef idx="0"/>
+    <cs:fillRef idx="0"/>
+    <cs:effectRef idx="0"/>
+    <cs:fontRef idx="minor">
+      <a:schemeClr val="tx1"/>
+    </cs:fontRef>
+    <cs:spPr>
+      <a:solidFill>
+        <a:schemeClr val="dk1">
+          <a:lumMod val="75000"/>
+          <a:lumOff val="25000"/>
+        </a:schemeClr>
+      </a:solidFill>
+      <a:ln w="9525" cap="flat" cmpd="sng" algn="ctr">
+        <a:solidFill>
+          <a:schemeClr val="tx1">
+            <a:lumMod val="65000"/>
+            <a:lumOff val="35000"/>
+          </a:schemeClr>
+        </a:solidFill>
+        <a:round/>
+      </a:ln>
+    </cs:spPr>
+  </cs:downBar>
+  <cs:dropLine>
+    <cs:lnRef idx="0"/>
+    <cs:fillRef idx="0"/>
+    <cs:effectRef idx="0"/>
+    <cs:fontRef idx="minor">
+      <a:schemeClr val="tx1"/>
+    </cs:fontRef>
+    <cs:spPr>
+      <a:ln w="9525" cap="flat" cmpd="sng" algn="ctr">
+        <a:solidFill>
+          <a:schemeClr val="tx1">
+            <a:lumMod val="35000"/>
+            <a:lumOff val="65000"/>
+          </a:schemeClr>
+        </a:solidFill>
+        <a:round/>
+      </a:ln>
+    </cs:spPr>
+  </cs:dropLine>
+  <cs:errorBar>
+    <cs:lnRef idx="0"/>
+    <cs:fillRef idx="0"/>
+    <cs:effectRef idx="0"/>
+    <cs:fontRef idx="minor">
+      <a:schemeClr val="tx1"/>
+    </cs:fontRef>
+    <cs:spPr>
+      <a:ln w="9525" cap="flat" cmpd="sng" algn="ctr">
+        <a:solidFill>
+          <a:schemeClr val="tx1">
+            <a:lumMod val="65000"/>
+            <a:lumOff val="35000"/>
+          </a:schemeClr>
+        </a:solidFill>
+        <a:round/>
+      </a:ln>
+    </cs:spPr>
+  </cs:errorBar>
+  <cs:floor>
+    <cs:lnRef idx="0"/>
+    <cs:fillRef idx="0"/>
+    <cs:effectRef idx="0"/>
+    <cs:fontRef idx="minor">
+      <a:schemeClr val="tx1"/>
+    </cs:fontRef>
+    <cs:spPr>
+      <a:noFill/>
+      <a:ln>
+        <a:noFill/>
+      </a:ln>
+    </cs:spPr>
+  </cs:floor>
+  <cs:gridlineMajor>
+    <cs:lnRef idx="0"/>
+    <cs:fillRef idx="0"/>
+    <cs:effectRef idx="0"/>
+    <cs:fontRef idx="minor">
+      <a:schemeClr val="tx1"/>
+    </cs:fontRef>
+    <cs:spPr>
+      <a:ln w="9525" cap="flat" cmpd="sng" algn="ctr">
+        <a:solidFill>
+          <a:schemeClr val="tx1">
+            <a:lumMod val="15000"/>
+            <a:lumOff val="85000"/>
+          </a:schemeClr>
+        </a:solidFill>
+        <a:round/>
+      </a:ln>
+    </cs:spPr>
+  </cs:gridlineMajor>
+  <cs:gridlineMinor>
+    <cs:lnRef idx="0"/>
+    <cs:fillRef idx="0"/>
+    <cs:effectRef idx="0"/>
+    <cs:fontRef idx="minor">
+      <a:schemeClr val="tx1"/>
+    </cs:fontRef>
+    <cs:spPr>
+      <a:ln w="9525" cap="flat" cmpd="sng" algn="ctr">
+        <a:solidFill>
+          <a:schemeClr val="tx1">
+            <a:lumMod val="5000"/>
+            <a:lumOff val="95000"/>
+          </a:schemeClr>
+        </a:solidFill>
+        <a:round/>
+      </a:ln>
+    </cs:spPr>
+  </cs:gridlineMinor>
+  <cs:hiLoLine>
+    <cs:lnRef idx="0"/>
+    <cs:fillRef idx="0"/>
+    <cs:effectRef idx="0"/>
+    <cs:fontRef idx="minor">
+      <a:schemeClr val="tx1"/>
+    </cs:fontRef>
+    <cs:spPr>
+      <a:ln w="9525" cap="flat" cmpd="sng" algn="ctr">
+        <a:solidFill>
+          <a:schemeClr val="tx1">
+            <a:lumMod val="50000"/>
+            <a:lumOff val="50000"/>
+          </a:schemeClr>
+        </a:solidFill>
+        <a:round/>
+      </a:ln>
+    </cs:spPr>
+  </cs:hiLoLine>
+  <cs:leaderLine>
+    <cs:lnRef idx="0"/>
+    <cs:fillRef idx="0"/>
+    <cs:effectRef idx="0"/>
+    <cs:fontRef idx="minor">
+      <a:schemeClr val="tx1"/>
+    </cs:fontRef>
+    <cs:spPr>
+      <a:ln w="9525" cap="flat" cmpd="sng" algn="ctr">
+        <a:solidFill>
+          <a:schemeClr val="tx1">
+            <a:lumMod val="35000"/>
+            <a:lumOff val="65000"/>
+          </a:schemeClr>
+        </a:solidFill>
+        <a:round/>
+      </a:ln>
+    </cs:spPr>
+  </cs:leaderLine>
+  <cs:legend>
+    <cs:lnRef idx="0"/>
+    <cs:fillRef idx="0"/>
+    <cs:effectRef idx="0"/>
+    <cs:fontRef idx="minor">
+      <a:schemeClr val="tx1">
+        <a:lumMod val="65000"/>
+        <a:lumOff val="35000"/>
+      </a:schemeClr>
+    </cs:fontRef>
+    <cs:defRPr sz="1197" kern="1200"/>
+  </cs:legend>
+  <cs:plotArea mods="allowNoFillOverride allowNoLineOverride">
+    <cs:lnRef idx="0"/>
+    <cs:fillRef idx="0"/>
+    <cs:effectRef idx="0"/>
+    <cs:fontRef idx="minor">
+      <a:schemeClr val="tx1"/>
+    </cs:fontRef>
+  </cs:plotArea>
+  <cs:plotArea3D mods="allowNoFillOverride allowNoLineOverride">
+    <cs:lnRef idx="0"/>
+    <cs:fillRef idx="0"/>
+    <cs:effectRef idx="0"/>
+    <cs:fontRef idx="minor">
+      <a:schemeClr val="tx1"/>
+    </cs:fontRef>
+  </cs:plotArea3D>
+  <cs:seriesAxis>
+    <cs:lnRef idx="0"/>
+    <cs:fillRef idx="0"/>
+    <cs:effectRef idx="0"/>
+    <cs:fontRef idx="minor">
+      <a:schemeClr val="tx1">
+        <a:lumMod val="65000"/>
+        <a:lumOff val="35000"/>
+      </a:schemeClr>
+    </cs:fontRef>
+    <cs:defRPr sz="1197" kern="1200"/>
+  </cs:seriesAxis>
+  <cs:seriesLine>
+    <cs:lnRef idx="0"/>
+    <cs:fillRef idx="0"/>
+    <cs:effectRef idx="0"/>
+    <cs:fontRef idx="minor">
+      <a:schemeClr val="tx1"/>
+    </cs:fontRef>
+    <cs:spPr>
+      <a:ln w="9525" cap="flat" cmpd="sng" algn="ctr">
+        <a:solidFill>
+          <a:schemeClr val="tx1">
+            <a:lumMod val="35000"/>
+            <a:lumOff val="65000"/>
+          </a:schemeClr>
+        </a:solidFill>
+        <a:round/>
+      </a:ln>
+    </cs:spPr>
+  </cs:seriesLine>
+  <cs:title>
+    <cs:lnRef idx="0"/>
+    <cs:fillRef idx="0"/>
+    <cs:effectRef idx="0"/>
+    <cs:fontRef idx="minor">
+      <a:schemeClr val="tx1">
+        <a:lumMod val="65000"/>
+        <a:lumOff val="35000"/>
+      </a:schemeClr>
+    </cs:fontRef>
+    <cs:defRPr sz="1862" b="0" kern="1200" spc="0" baseline="0"/>
+  </cs:title>
+  <cs:trendline>
+    <cs:lnRef idx="0">
+      <cs:styleClr val="auto"/>
+    </cs:lnRef>
+    <cs:fillRef idx="0"/>
+    <cs:effectRef idx="0"/>
+    <cs:fontRef idx="minor">
+      <a:schemeClr val="tx1"/>
+    </cs:fontRef>
+    <cs:spPr>
+      <a:ln w="19050" cap="rnd">
+        <a:solidFill>
+          <a:schemeClr val="phClr"/>
+        </a:solidFill>
+        <a:prstDash val="sysDot"/>
+      </a:ln>
+    </cs:spPr>
+  </cs:trendline>
+  <cs:trendlineLabel>
+    <cs:lnRef idx="0"/>
+    <cs:fillRef idx="0"/>
+    <cs:effectRef idx="0"/>
+    <cs:fontRef idx="minor">
+      <a:schemeClr val="tx1">
+        <a:lumMod val="65000"/>
+        <a:lumOff val="35000"/>
+      </a:schemeClr>
+    </cs:fontRef>
+    <cs:defRPr sz="1197" kern="1200"/>
+  </cs:trendlineLabel>
+  <cs:upBar>
+    <cs:lnRef idx="0"/>
+    <cs:fillRef idx="0"/>
+    <cs:effectRef idx="0"/>
+    <cs:fontRef idx="minor">
+      <a:schemeClr val="tx1"/>
+    </cs:fontRef>
+    <cs:spPr>
+      <a:solidFill>
+        <a:schemeClr val="lt1"/>
+      </a:solidFill>
+      <a:ln w="9525" cap="flat" cmpd="sng" algn="ctr">
+        <a:solidFill>
+          <a:schemeClr val="tx1">
+            <a:lumMod val="65000"/>
+            <a:lumOff val="35000"/>
+          </a:schemeClr>
+        </a:solidFill>
+        <a:round/>
+      </a:ln>
+    </cs:spPr>
+  </cs:upBar>
+  <cs:valueAxis>
+    <cs:lnRef idx="0"/>
+    <cs:fillRef idx="0"/>
+    <cs:effectRef idx="0"/>
+    <cs:fontRef idx="minor">
+      <a:schemeClr val="tx1">
+        <a:lumMod val="65000"/>
+        <a:lumOff val="35000"/>
+      </a:schemeClr>
+    </cs:fontRef>
+    <cs:defRPr sz="1197" kern="1200"/>
+  </cs:valueAxis>
+  <cs:wall>
+    <cs:lnRef idx="0"/>
+    <cs:fillRef idx="0"/>
+    <cs:effectRef idx="0"/>
+    <cs:fontRef idx="minor">
+      <a:schemeClr val="tx1"/>
+    </cs:fontRef>
+    <cs:spPr>
+      <a:noFill/>
+      <a:ln>
+        <a:noFill/>
+      </a:ln>
+    </cs:spPr>
+  </cs:wall>
+</cs:chartStyle>
+</file>
+
+<file path=ppt/charts/style6.xml><?xml version="1.0" encoding="utf-8"?>
+<cs:chartStyle xmlns:cs="http://schemas.microsoft.com/office/drawing/2012/chartStyle" xmlns:a="http://schemas.openxmlformats.org/drawingml/2006/main" id="251">
+  <cs:axisTitle>
+    <cs:lnRef idx="0"/>
+    <cs:fillRef idx="0"/>
+    <cs:effectRef idx="0"/>
+    <cs:fontRef idx="minor">
+      <a:schemeClr val="tx1">
+        <a:lumMod val="65000"/>
+        <a:lumOff val="35000"/>
+      </a:schemeClr>
+    </cs:fontRef>
+    <cs:defRPr sz="1330" kern="1200"/>
+  </cs:axisTitle>
+  <cs:categoryAxis>
+    <cs:lnRef idx="0"/>
+    <cs:fillRef idx="0"/>
+    <cs:effectRef idx="0"/>
+    <cs:fontRef idx="minor">
+      <a:schemeClr val="tx1">
+        <a:lumMod val="65000"/>
+        <a:lumOff val="35000"/>
+      </a:schemeClr>
+    </cs:fontRef>
+    <cs:spPr>
+      <a:ln w="9525" cap="flat" cmpd="sng" algn="ctr">
+        <a:solidFill>
+          <a:schemeClr val="tx1">
+            <a:lumMod val="15000"/>
+            <a:lumOff val="85000"/>
+          </a:schemeClr>
+        </a:solidFill>
+        <a:round/>
+      </a:ln>
+    </cs:spPr>
+    <cs:defRPr sz="1197" kern="1200"/>
+  </cs:categoryAxis>
+  <cs:chartArea mods="allowNoFillOverride allowNoLineOverride">
+    <cs:lnRef idx="0"/>
+    <cs:fillRef idx="0"/>
+    <cs:effectRef idx="0"/>
+    <cs:fontRef idx="minor">
+      <a:schemeClr val="tx1"/>
+    </cs:fontRef>
+    <cs:spPr>
+      <a:solidFill>
+        <a:schemeClr val="bg1"/>
+      </a:solidFill>
+      <a:ln w="9525" cap="flat" cmpd="sng" algn="ctr">
+        <a:solidFill>
+          <a:schemeClr val="tx1">
+            <a:lumMod val="15000"/>
+            <a:lumOff val="85000"/>
+          </a:schemeClr>
+        </a:solidFill>
+        <a:round/>
+      </a:ln>
+    </cs:spPr>
+    <cs:defRPr sz="1197" kern="1200"/>
+  </cs:chartArea>
+  <cs:dataLabel>
+    <cs:lnRef idx="0"/>
+    <cs:fillRef idx="0"/>
+    <cs:effectRef idx="0"/>
+    <cs:fontRef idx="minor">
+      <a:schemeClr val="tx1">
+        <a:lumMod val="75000"/>
+        <a:lumOff val="25000"/>
+      </a:schemeClr>
+    </cs:fontRef>
+    <cs:defRPr sz="1197" kern="1200"/>
+  </cs:dataLabel>
+  <cs:dataLabelCallout>
+    <cs:lnRef idx="0"/>
+    <cs:fillRef idx="0"/>
+    <cs:effectRef idx="0"/>
+    <cs:fontRef idx="minor">
+      <a:schemeClr val="dk1">
+        <a:lumMod val="65000"/>
+        <a:lumOff val="35000"/>
+      </a:schemeClr>
+    </cs:fontRef>
+    <cs:spPr>
+      <a:solidFill>
+        <a:schemeClr val="lt1"/>
+      </a:solidFill>
+      <a:ln>
+        <a:solidFill>
+          <a:schemeClr val="dk1">
+            <a:lumMod val="25000"/>
+            <a:lumOff val="75000"/>
+          </a:schemeClr>
+        </a:solidFill>
+      </a:ln>
+    </cs:spPr>
+    <cs:defRPr sz="1197" kern="1200"/>
+    <cs:bodyPr rot="0" spcFirstLastPara="1" vertOverflow="clip" horzOverflow="clip" vert="horz" wrap="square" lIns="36576" tIns="18288" rIns="36576" bIns="18288" anchor="ctr" anchorCtr="1">
+      <a:spAutoFit/>
+    </cs:bodyPr>
+  </cs:dataLabelCallout>
+  <cs:dataPoint>
+    <cs:lnRef idx="0"/>
+    <cs:fillRef idx="1">
+      <cs:styleClr val="auto"/>
+    </cs:fillRef>
+    <cs:effectRef idx="0"/>
+    <cs:fontRef idx="minor">
+      <a:schemeClr val="tx1"/>
+    </cs:fontRef>
+    <cs:spPr>
+      <a:ln w="19050">
+        <a:solidFill>
+          <a:schemeClr val="lt1"/>
+        </a:solidFill>
+      </a:ln>
+    </cs:spPr>
+  </cs:dataPoint>
+  <cs:dataPoint3D>
+    <cs:lnRef idx="0"/>
+    <cs:fillRef idx="1">
+      <cs:styleClr val="auto"/>
+    </cs:fillRef>
+    <cs:effectRef idx="0"/>
+    <cs:fontRef idx="minor">
+      <a:schemeClr val="tx1"/>
+    </cs:fontRef>
+    <cs:spPr>
+      <a:ln w="25400">
+        <a:solidFill>
+          <a:schemeClr val="lt1"/>
+        </a:solidFill>
+      </a:ln>
+    </cs:spPr>
+  </cs:dataPoint3D>
+  <cs:dataPointLine>
+    <cs:lnRef idx="0">
+      <cs:styleClr val="auto"/>
+    </cs:lnRef>
+    <cs:fillRef idx="0"/>
+    <cs:effectRef idx="0"/>
+    <cs:fontRef idx="minor">
+      <a:schemeClr val="tx1"/>
+    </cs:fontRef>
+    <cs:spPr>
+      <a:ln w="28575" cap="rnd">
+        <a:solidFill>
+          <a:schemeClr val="phClr"/>
+        </a:solidFill>
+        <a:round/>
+      </a:ln>
+    </cs:spPr>
+  </cs:dataPointLine>
+  <cs:dataPointMarker>
+    <cs:lnRef idx="0">
+      <cs:styleClr val="auto"/>
+    </cs:lnRef>
+    <cs:fillRef idx="1">
+      <cs:styleClr val="auto"/>
+    </cs:fillRef>
+    <cs:effectRef idx="0"/>
+    <cs:fontRef idx="minor">
+      <a:schemeClr val="tx1"/>
+    </cs:fontRef>
+    <cs:spPr>
+      <a:ln w="9525">
+        <a:solidFill>
+          <a:schemeClr val="phClr"/>
+        </a:solidFill>
+      </a:ln>
+    </cs:spPr>
+  </cs:dataPointMarker>
+  <cs:dataPointMarkerLayout symbol="circle" size="5"/>
+  <cs:dataPointWireframe>
+    <cs:lnRef idx="0">
+      <cs:styleClr val="auto"/>
+    </cs:lnRef>
+    <cs:fillRef idx="0"/>
+    <cs:effectRef idx="0"/>
+    <cs:fontRef idx="minor">
+      <a:schemeClr val="tx1"/>
+    </cs:fontRef>
+    <cs:spPr>
+      <a:ln w="9525" cap="rnd">
+        <a:solidFill>
+          <a:schemeClr val="phClr"/>
+        </a:solidFill>
+        <a:round/>
+      </a:ln>
+    </cs:spPr>
+  </cs:dataPointWireframe>
+  <cs:dataTable>
+    <cs:lnRef idx="0"/>
+    <cs:fillRef idx="0"/>
+    <cs:effectRef idx="0"/>
+    <cs:fontRef idx="minor">
+      <a:schemeClr val="tx1">
+        <a:lumMod val="65000"/>
+        <a:lumOff val="35000"/>
+      </a:schemeClr>
+    </cs:fontRef>
+    <cs:spPr>
+      <a:noFill/>
+      <a:ln w="9525" cap="flat" cmpd="sng" algn="ctr">
+        <a:solidFill>
+          <a:schemeClr val="tx1">
+            <a:lumMod val="15000"/>
+            <a:lumOff val="85000"/>
+          </a:schemeClr>
+        </a:solidFill>
+        <a:round/>
+      </a:ln>
+    </cs:spPr>
+    <cs:defRPr sz="1197" kern="1200"/>
+  </cs:dataTable>
+  <cs:downBar>
+    <cs:lnRef idx="0"/>
+    <cs:fillRef idx="0"/>
+    <cs:effectRef idx="0"/>
+    <cs:fontRef idx="minor">
+      <a:schemeClr val="tx1"/>
+    </cs:fontRef>
+    <cs:spPr>
+      <a:solidFill>
+        <a:schemeClr val="dk1">
+          <a:lumMod val="75000"/>
+          <a:lumOff val="25000"/>
+        </a:schemeClr>
+      </a:solidFill>
+      <a:ln w="9525" cap="flat" cmpd="sng" algn="ctr">
+        <a:solidFill>
+          <a:schemeClr val="tx1">
+            <a:lumMod val="65000"/>
+            <a:lumOff val="35000"/>
+          </a:schemeClr>
+        </a:solidFill>
+        <a:round/>
+      </a:ln>
+    </cs:spPr>
+  </cs:downBar>
+  <cs:dropLine>
+    <cs:lnRef idx="0"/>
+    <cs:fillRef idx="0"/>
+    <cs:effectRef idx="0"/>
+    <cs:fontRef idx="minor">
+      <a:schemeClr val="tx1"/>
+    </cs:fontRef>
+    <cs:spPr>
+      <a:ln w="9525" cap="flat" cmpd="sng" algn="ctr">
+        <a:solidFill>
+          <a:schemeClr val="tx1">
+            <a:lumMod val="35000"/>
+            <a:lumOff val="65000"/>
+          </a:schemeClr>
+        </a:solidFill>
+        <a:round/>
+      </a:ln>
+    </cs:spPr>
+  </cs:dropLine>
+  <cs:errorBar>
+    <cs:lnRef idx="0"/>
+    <cs:fillRef idx="0"/>
+    <cs:effectRef idx="0"/>
+    <cs:fontRef idx="minor">
+      <a:schemeClr val="tx1"/>
+    </cs:fontRef>
+    <cs:spPr>
+      <a:ln w="9525" cap="flat" cmpd="sng" algn="ctr">
+        <a:solidFill>
+          <a:schemeClr val="tx1">
+            <a:lumMod val="65000"/>
+            <a:lumOff val="35000"/>
+          </a:schemeClr>
+        </a:solidFill>
+        <a:round/>
+      </a:ln>
+    </cs:spPr>
+  </cs:errorBar>
+  <cs:floor>
+    <cs:lnRef idx="0"/>
+    <cs:fillRef idx="0"/>
+    <cs:effectRef idx="0"/>
+    <cs:fontRef idx="minor">
+      <a:schemeClr val="tx1"/>
+    </cs:fontRef>
+    <cs:spPr>
+      <a:noFill/>
+      <a:ln>
+        <a:noFill/>
+      </a:ln>
+    </cs:spPr>
+  </cs:floor>
+  <cs:gridlineMajor>
+    <cs:lnRef idx="0"/>
+    <cs:fillRef idx="0"/>
+    <cs:effectRef idx="0"/>
+    <cs:fontRef idx="minor">
+      <a:schemeClr val="tx1"/>
+    </cs:fontRef>
+    <cs:spPr>
+      <a:ln w="9525" cap="flat" cmpd="sng" algn="ctr">
+        <a:solidFill>
+          <a:schemeClr val="tx1">
+            <a:lumMod val="15000"/>
+            <a:lumOff val="85000"/>
+          </a:schemeClr>
+        </a:solidFill>
+        <a:round/>
+      </a:ln>
+    </cs:spPr>
+  </cs:gridlineMajor>
+  <cs:gridlineMinor>
+    <cs:lnRef idx="0"/>
+    <cs:fillRef idx="0"/>
+    <cs:effectRef idx="0"/>
+    <cs:fontRef idx="minor">
+      <a:schemeClr val="tx1"/>
+    </cs:fontRef>
+    <cs:spPr>
+      <a:ln w="9525" cap="flat" cmpd="sng" algn="ctr">
+        <a:solidFill>
+          <a:schemeClr val="tx1">
+            <a:lumMod val="5000"/>
+            <a:lumOff val="95000"/>
+          </a:schemeClr>
+        </a:solidFill>
+        <a:round/>
+      </a:ln>
+    </cs:spPr>
+  </cs:gridlineMinor>
+  <cs:hiLoLine>
+    <cs:lnRef idx="0"/>
+    <cs:fillRef idx="0"/>
+    <cs:effectRef idx="0"/>
+    <cs:fontRef idx="minor">
+      <a:schemeClr val="tx1"/>
+    </cs:fontRef>
+    <cs:spPr>
+      <a:ln w="9525" cap="flat" cmpd="sng" algn="ctr">
+        <a:solidFill>
+          <a:schemeClr val="tx1">
+            <a:lumMod val="50000"/>
+            <a:lumOff val="50000"/>
+          </a:schemeClr>
+        </a:solidFill>
+        <a:round/>
+      </a:ln>
+    </cs:spPr>
+  </cs:hiLoLine>
+  <cs:leaderLine>
+    <cs:lnRef idx="0"/>
+    <cs:fillRef idx="0"/>
+    <cs:effectRef idx="0"/>
+    <cs:fontRef idx="minor">
+      <a:schemeClr val="tx1"/>
+    </cs:fontRef>
+    <cs:spPr>
+      <a:ln w="9525" cap="flat" cmpd="sng" algn="ctr">
+        <a:solidFill>
+          <a:schemeClr val="tx1">
+            <a:lumMod val="35000"/>
+            <a:lumOff val="65000"/>
+          </a:schemeClr>
+        </a:solidFill>
+        <a:round/>
+      </a:ln>
+    </cs:spPr>
+  </cs:leaderLine>
+  <cs:legend>
+    <cs:lnRef idx="0"/>
+    <cs:fillRef idx="0"/>
+    <cs:effectRef idx="0"/>
+    <cs:fontRef idx="minor">
+      <a:schemeClr val="tx1">
+        <a:lumMod val="65000"/>
+        <a:lumOff val="35000"/>
+      </a:schemeClr>
+    </cs:fontRef>
+    <cs:defRPr sz="1197" kern="1200"/>
+  </cs:legend>
+  <cs:plotArea mods="allowNoFillOverride allowNoLineOverride">
+    <cs:lnRef idx="0"/>
+    <cs:fillRef idx="0"/>
+    <cs:effectRef idx="0"/>
+    <cs:fontRef idx="minor">
+      <a:schemeClr val="tx1"/>
+    </cs:fontRef>
+  </cs:plotArea>
+  <cs:plotArea3D mods="allowNoFillOverride allowNoLineOverride">
+    <cs:lnRef idx="0"/>
+    <cs:fillRef idx="0"/>
+    <cs:effectRef idx="0"/>
+    <cs:fontRef idx="minor">
+      <a:schemeClr val="tx1"/>
+    </cs:fontRef>
+  </cs:plotArea3D>
+  <cs:seriesAxis>
+    <cs:lnRef idx="0"/>
+    <cs:fillRef idx="0"/>
+    <cs:effectRef idx="0"/>
+    <cs:fontRef idx="minor">
+      <a:schemeClr val="tx1">
+        <a:lumMod val="65000"/>
+        <a:lumOff val="35000"/>
+      </a:schemeClr>
+    </cs:fontRef>
+    <cs:defRPr sz="1197" kern="1200"/>
+  </cs:seriesAxis>
+  <cs:seriesLine>
+    <cs:lnRef idx="0"/>
+    <cs:fillRef idx="0"/>
+    <cs:effectRef idx="0"/>
+    <cs:fontRef idx="minor">
+      <a:schemeClr val="tx1"/>
+    </cs:fontRef>
+    <cs:spPr>
+      <a:ln w="9525" cap="flat" cmpd="sng" algn="ctr">
+        <a:solidFill>
+          <a:schemeClr val="tx1">
+            <a:lumMod val="35000"/>
+            <a:lumOff val="65000"/>
+          </a:schemeClr>
+        </a:solidFill>
+        <a:round/>
+      </a:ln>
+    </cs:spPr>
+  </cs:seriesLine>
+  <cs:title>
+    <cs:lnRef idx="0"/>
+    <cs:fillRef idx="0"/>
+    <cs:effectRef idx="0"/>
+    <cs:fontRef idx="minor">
+      <a:schemeClr val="tx1">
+        <a:lumMod val="65000"/>
+        <a:lumOff val="35000"/>
+      </a:schemeClr>
+    </cs:fontRef>
+    <cs:defRPr sz="1862" b="0" kern="1200" spc="0" baseline="0"/>
+  </cs:title>
+  <cs:trendline>
+    <cs:lnRef idx="0">
+      <cs:styleClr val="auto"/>
+    </cs:lnRef>
+    <cs:fillRef idx="0"/>
+    <cs:effectRef idx="0"/>
+    <cs:fontRef idx="minor">
+      <a:schemeClr val="tx1"/>
+    </cs:fontRef>
+    <cs:spPr>
+      <a:ln w="19050" cap="rnd">
+        <a:solidFill>
+          <a:schemeClr val="phClr"/>
+        </a:solidFill>
+        <a:prstDash val="sysDot"/>
+      </a:ln>
+    </cs:spPr>
+  </cs:trendline>
+  <cs:trendlineLabel>
+    <cs:lnRef idx="0"/>
+    <cs:fillRef idx="0"/>
+    <cs:effectRef idx="0"/>
+    <cs:fontRef idx="minor">
+      <a:schemeClr val="tx1">
+        <a:lumMod val="65000"/>
+        <a:lumOff val="35000"/>
+      </a:schemeClr>
+    </cs:fontRef>
+    <cs:defRPr sz="1197" kern="1200"/>
+  </cs:trendlineLabel>
+  <cs:upBar>
+    <cs:lnRef idx="0"/>
+    <cs:fillRef idx="0"/>
+    <cs:effectRef idx="0"/>
+    <cs:fontRef idx="minor">
+      <a:schemeClr val="tx1"/>
+    </cs:fontRef>
+    <cs:spPr>
+      <a:solidFill>
+        <a:schemeClr val="lt1"/>
+      </a:solidFill>
+      <a:ln w="9525" cap="flat" cmpd="sng" algn="ctr">
+        <a:solidFill>
+          <a:schemeClr val="tx1">
+            <a:lumMod val="65000"/>
+            <a:lumOff val="35000"/>
+          </a:schemeClr>
+        </a:solidFill>
+        <a:round/>
+      </a:ln>
+    </cs:spPr>
+  </cs:upBar>
+  <cs:valueAxis>
+    <cs:lnRef idx="0"/>
+    <cs:fillRef idx="0"/>
+    <cs:effectRef idx="0"/>
+    <cs:fontRef idx="minor">
+      <a:schemeClr val="tx1">
+        <a:lumMod val="65000"/>
+        <a:lumOff val="35000"/>
+      </a:schemeClr>
+    </cs:fontRef>
+    <cs:defRPr sz="1197" kern="1200"/>
+  </cs:valueAxis>
+  <cs:wall>
+    <cs:lnRef idx="0"/>
+    <cs:fillRef idx="0"/>
+    <cs:effectRef idx="0"/>
+    <cs:fontRef idx="minor">
+      <a:schemeClr val="tx1"/>
+    </cs:fontRef>
+    <cs:spPr>
+      <a:noFill/>
+      <a:ln>
+        <a:noFill/>
+      </a:ln>
+    </cs:spPr>
+  </cs:wall>
+</cs:chartStyle>
 </file>
 
 <file path=ppt/diagrams/colors1.xml><?xml version="1.0" encoding="utf-8"?>
@@ -10975,12 +16107,12 @@
         </a:fontRef>
       </dsp:style>
       <dsp:txBody>
-        <a:bodyPr spcFirstLastPara="0" vert="horz" wrap="square" lIns="35560" tIns="35560" rIns="35560" bIns="35560" numCol="1" spcCol="1270" anchor="ctr" anchorCtr="0">
+        <a:bodyPr spcFirstLastPara="0" vert="horz" wrap="square" lIns="30480" tIns="30480" rIns="30480" bIns="30480" numCol="1" spcCol="1270" anchor="ctr" anchorCtr="0">
           <a:noAutofit/>
         </a:bodyPr>
         <a:lstStyle/>
         <a:p>
-          <a:pPr lvl="0" algn="ctr" defTabSz="1244600">
+          <a:pPr lvl="0" algn="ctr" defTabSz="1066800">
             <a:lnSpc>
               <a:spcPct val="90000"/>
             </a:lnSpc>
@@ -10992,7 +16124,7 @@
             </a:spcAft>
           </a:pPr>
           <a:r>
-            <a:rPr lang="en-US" sz="2800" kern="1200" dirty="0" smtClean="0">
+            <a:rPr lang="en-US" sz="2400" kern="1200" dirty="0" smtClean="0">
               <a:solidFill>
                 <a:sysClr val="windowText" lastClr="000000"/>
               </a:solidFill>
@@ -11002,7 +16134,7 @@
             </a:rPr>
             <a:t>Create/Edit Schedule</a:t>
           </a:r>
-          <a:endParaRPr lang="en-US" sz="2800" kern="1200" dirty="0">
+          <a:endParaRPr lang="en-US" sz="2400" kern="1200" dirty="0">
             <a:solidFill>
               <a:sysClr val="windowText" lastClr="000000"/>
             </a:solidFill>
@@ -11067,7 +16199,7 @@
         </a:bodyPr>
         <a:lstStyle/>
         <a:p>
-          <a:pPr lvl="0" algn="ctr" defTabSz="977900">
+          <a:pPr lvl="0" algn="ctr" defTabSz="844550">
             <a:lnSpc>
               <a:spcPct val="90000"/>
             </a:lnSpc>
@@ -11078,7 +16210,7 @@
               <a:spcPct val="35000"/>
             </a:spcAft>
           </a:pPr>
-          <a:endParaRPr lang="en-US" sz="2200" kern="1200">
+          <a:endParaRPr lang="en-US" sz="1900" kern="1200">
             <a:solidFill>
               <a:sysClr val="window" lastClr="FFFFFF"/>
             </a:solidFill>
@@ -11143,12 +16275,12 @@
         </a:fontRef>
       </dsp:style>
       <dsp:txBody>
-        <a:bodyPr spcFirstLastPara="0" vert="horz" wrap="square" lIns="35560" tIns="35560" rIns="35560" bIns="35560" numCol="1" spcCol="1270" anchor="ctr" anchorCtr="0">
+        <a:bodyPr spcFirstLastPara="0" vert="horz" wrap="square" lIns="30480" tIns="30480" rIns="30480" bIns="30480" numCol="1" spcCol="1270" anchor="ctr" anchorCtr="0">
           <a:noAutofit/>
         </a:bodyPr>
         <a:lstStyle/>
         <a:p>
-          <a:pPr lvl="0" algn="ctr" defTabSz="1244600">
+          <a:pPr lvl="0" algn="ctr" defTabSz="1066800">
             <a:lnSpc>
               <a:spcPct val="90000"/>
             </a:lnSpc>
@@ -11160,7 +16292,7 @@
             </a:spcAft>
           </a:pPr>
           <a:r>
-            <a:rPr lang="en-US" sz="2800" kern="1200" dirty="0" smtClean="0">
+            <a:rPr lang="en-US" sz="2400" kern="1200" dirty="0" smtClean="0">
               <a:solidFill>
                 <a:sysClr val="window" lastClr="FFFFFF"/>
               </a:solidFill>
@@ -11170,7 +16302,7 @@
             </a:rPr>
             <a:t>Monitor Schedule</a:t>
           </a:r>
-          <a:endParaRPr lang="en-US" sz="2800" kern="1200" dirty="0">
+          <a:endParaRPr lang="en-US" sz="2400" kern="1200" dirty="0">
             <a:solidFill>
               <a:sysClr val="window" lastClr="FFFFFF"/>
             </a:solidFill>
@@ -11235,7 +16367,7 @@
         </a:bodyPr>
         <a:lstStyle/>
         <a:p>
-          <a:pPr lvl="0" algn="ctr" defTabSz="977900">
+          <a:pPr lvl="0" algn="ctr" defTabSz="844550">
             <a:lnSpc>
               <a:spcPct val="90000"/>
             </a:lnSpc>
@@ -11246,7 +16378,7 @@
               <a:spcPct val="35000"/>
             </a:spcAft>
           </a:pPr>
-          <a:endParaRPr lang="en-US" sz="2200" kern="1200">
+          <a:endParaRPr lang="en-US" sz="1900" kern="1200">
             <a:solidFill>
               <a:sysClr val="window" lastClr="FFFFFF"/>
             </a:solidFill>
@@ -11301,12 +16433,12 @@
         </a:fontRef>
       </dsp:style>
       <dsp:txBody>
-        <a:bodyPr spcFirstLastPara="0" vert="horz" wrap="square" lIns="35560" tIns="35560" rIns="35560" bIns="35560" numCol="1" spcCol="1270" anchor="ctr" anchorCtr="0">
+        <a:bodyPr spcFirstLastPara="0" vert="horz" wrap="square" lIns="30480" tIns="30480" rIns="30480" bIns="30480" numCol="1" spcCol="1270" anchor="ctr" anchorCtr="0">
           <a:noAutofit/>
         </a:bodyPr>
         <a:lstStyle/>
         <a:p>
-          <a:pPr lvl="0" algn="ctr" defTabSz="1244600">
+          <a:pPr lvl="0" algn="ctr" defTabSz="1066800">
             <a:lnSpc>
               <a:spcPct val="90000"/>
             </a:lnSpc>
@@ -11318,7 +16450,7 @@
             </a:spcAft>
           </a:pPr>
           <a:r>
-            <a:rPr lang="en-US" sz="2800" kern="1200" dirty="0" smtClean="0">
+            <a:rPr lang="en-US" sz="2400" kern="1200" dirty="0" smtClean="0">
               <a:solidFill>
                 <a:sysClr val="window" lastClr="FFFFFF"/>
               </a:solidFill>
@@ -11328,7 +16460,7 @@
             </a:rPr>
             <a:t>Feedback</a:t>
           </a:r>
-          <a:endParaRPr lang="en-US" sz="2800" kern="1200" dirty="0">
+          <a:endParaRPr lang="en-US" sz="2400" kern="1200" dirty="0">
             <a:solidFill>
               <a:sysClr val="window" lastClr="FFFFFF"/>
             </a:solidFill>
@@ -11393,7 +16525,7 @@
         </a:bodyPr>
         <a:lstStyle/>
         <a:p>
-          <a:pPr lvl="0" algn="ctr" defTabSz="977900">
+          <a:pPr lvl="0" algn="ctr" defTabSz="844550">
             <a:lnSpc>
               <a:spcPct val="90000"/>
             </a:lnSpc>
@@ -11404,7 +16536,7 @@
               <a:spcPct val="35000"/>
             </a:spcAft>
           </a:pPr>
-          <a:endParaRPr lang="en-US" sz="2200" kern="1200">
+          <a:endParaRPr lang="en-US" sz="1900" kern="1200">
             <a:solidFill>
               <a:sysClr val="window" lastClr="FFFFFF"/>
             </a:solidFill>
@@ -17266,7 +22398,7 @@
             <a:fld id="{3067FCAC-D8DF-4263-B942-EF35631CB3EC}" type="datetimeFigureOut">
               <a:rPr lang="en-US" smtClean="0"/>
               <a:pPr/>
-              <a:t>10/10/13</a:t>
+              <a:t>10/11/2013</a:t>
             </a:fld>
             <a:endParaRPr lang="en-US"/>
           </a:p>
@@ -17438,7 +22570,7 @@
             <a:fld id="{3067FCAC-D8DF-4263-B942-EF35631CB3EC}" type="datetimeFigureOut">
               <a:rPr lang="en-US" smtClean="0"/>
               <a:pPr/>
-              <a:t>10/10/13</a:t>
+              <a:t>10/11/2013</a:t>
             </a:fld>
             <a:endParaRPr lang="en-US"/>
           </a:p>
@@ -17620,7 +22752,7 @@
             <a:fld id="{3067FCAC-D8DF-4263-B942-EF35631CB3EC}" type="datetimeFigureOut">
               <a:rPr lang="en-US" smtClean="0"/>
               <a:pPr/>
-              <a:t>10/10/13</a:t>
+              <a:t>10/11/2013</a:t>
             </a:fld>
             <a:endParaRPr lang="en-US"/>
           </a:p>
@@ -17792,7 +22924,7 @@
             <a:fld id="{3067FCAC-D8DF-4263-B942-EF35631CB3EC}" type="datetimeFigureOut">
               <a:rPr lang="en-US" smtClean="0"/>
               <a:pPr/>
-              <a:t>10/10/13</a:t>
+              <a:t>10/11/2013</a:t>
             </a:fld>
             <a:endParaRPr lang="en-US"/>
           </a:p>
@@ -18040,7 +23172,7 @@
             <a:fld id="{3067FCAC-D8DF-4263-B942-EF35631CB3EC}" type="datetimeFigureOut">
               <a:rPr lang="en-US" smtClean="0"/>
               <a:pPr/>
-              <a:t>10/10/13</a:t>
+              <a:t>10/11/2013</a:t>
             </a:fld>
             <a:endParaRPr lang="en-US"/>
           </a:p>
@@ -18274,7 +23406,7 @@
             <a:fld id="{3067FCAC-D8DF-4263-B942-EF35631CB3EC}" type="datetimeFigureOut">
               <a:rPr lang="en-US" smtClean="0"/>
               <a:pPr/>
-              <a:t>10/10/13</a:t>
+              <a:t>10/11/2013</a:t>
             </a:fld>
             <a:endParaRPr lang="en-US"/>
           </a:p>
@@ -18643,7 +23775,7 @@
             <a:fld id="{3067FCAC-D8DF-4263-B942-EF35631CB3EC}" type="datetimeFigureOut">
               <a:rPr lang="en-US" smtClean="0"/>
               <a:pPr/>
-              <a:t>10/10/13</a:t>
+              <a:t>10/11/2013</a:t>
             </a:fld>
             <a:endParaRPr lang="en-US"/>
           </a:p>
@@ -18763,7 +23895,7 @@
             <a:fld id="{3067FCAC-D8DF-4263-B942-EF35631CB3EC}" type="datetimeFigureOut">
               <a:rPr lang="en-US" smtClean="0"/>
               <a:pPr/>
-              <a:t>10/10/13</a:t>
+              <a:t>10/11/2013</a:t>
             </a:fld>
             <a:endParaRPr lang="en-US"/>
           </a:p>
@@ -18860,7 +23992,7 @@
             <a:fld id="{3067FCAC-D8DF-4263-B942-EF35631CB3EC}" type="datetimeFigureOut">
               <a:rPr lang="en-US" smtClean="0"/>
               <a:pPr/>
-              <a:t>10/10/13</a:t>
+              <a:t>10/11/2013</a:t>
             </a:fld>
             <a:endParaRPr lang="en-US"/>
           </a:p>
@@ -19139,7 +24271,7 @@
             <a:fld id="{3067FCAC-D8DF-4263-B942-EF35631CB3EC}" type="datetimeFigureOut">
               <a:rPr lang="en-US" smtClean="0"/>
               <a:pPr/>
-              <a:t>10/10/13</a:t>
+              <a:t>10/11/2013</a:t>
             </a:fld>
             <a:endParaRPr lang="en-US"/>
           </a:p>
@@ -19394,7 +24526,7 @@
             <a:fld id="{3067FCAC-D8DF-4263-B942-EF35631CB3EC}" type="datetimeFigureOut">
               <a:rPr lang="en-US" smtClean="0"/>
               <a:pPr/>
-              <a:t>10/10/13</a:t>
+              <a:t>10/11/2013</a:t>
             </a:fld>
             <a:endParaRPr lang="en-US"/>
           </a:p>
@@ -19609,7 +24741,7 @@
             <a:fld id="{3067FCAC-D8DF-4263-B942-EF35631CB3EC}" type="datetimeFigureOut">
               <a:rPr lang="en-US" smtClean="0"/>
               <a:pPr/>
-              <a:t>10/10/13</a:t>
+              <a:t>10/11/2013</a:t>
             </a:fld>
             <a:endParaRPr lang="en-US"/>
           </a:p>
@@ -21104,6 +26236,864 @@
     <p:extLst>
       <p:ext uri="{BB962C8B-B14F-4D97-AF65-F5344CB8AC3E}">
         <p14:creationId xmlns:p14="http://schemas.microsoft.com/office/powerpoint/2010/main" val="4006348713"/>
+      </p:ext>
+    </p:extLst>
+  </p:cSld>
+  <p:clrMapOvr>
+    <a:masterClrMapping/>
+  </p:clrMapOvr>
+</p:sld>
+</file>
+
+<file path=ppt/slides/slide10.xml><?xml version="1.0" encoding="utf-8"?>
+<p:sld xmlns:a="http://schemas.openxmlformats.org/drawingml/2006/main" xmlns:r="http://schemas.openxmlformats.org/officeDocument/2006/relationships" xmlns:p="http://schemas.openxmlformats.org/presentationml/2006/main">
+  <p:cSld>
+    <p:spTree>
+      <p:nvGrpSpPr>
+        <p:cNvPr id="1" name=""/>
+        <p:cNvGrpSpPr/>
+        <p:nvPr/>
+      </p:nvGrpSpPr>
+      <p:grpSpPr>
+        <a:xfrm>
+          <a:off x="0" y="0"/>
+          <a:ext cx="0" cy="0"/>
+          <a:chOff x="0" y="0"/>
+          <a:chExt cx="0" cy="0"/>
+        </a:xfrm>
+      </p:grpSpPr>
+      <p:graphicFrame>
+        <p:nvGraphicFramePr>
+          <p:cNvPr id="7" name="Content Placeholder 6"/>
+          <p:cNvGraphicFramePr>
+            <a:graphicFrameLocks noGrp="1"/>
+          </p:cNvGraphicFramePr>
+          <p:nvPr>
+            <p:ph idx="1"/>
+            <p:extLst>
+              <p:ext uri="{D42A27DB-BD31-4B8C-83A1-F6EECF244321}">
+                <p14:modId xmlns:p14="http://schemas.microsoft.com/office/powerpoint/2010/main" val="98201028"/>
+              </p:ext>
+            </p:extLst>
+          </p:nvPr>
+        </p:nvGraphicFramePr>
+        <p:xfrm>
+          <a:off x="838200" y="228600"/>
+          <a:ext cx="10515600" cy="5948363"/>
+        </p:xfrm>
+        <a:graphic>
+          <a:graphicData uri="http://schemas.openxmlformats.org/drawingml/2006/chart">
+            <c:chart xmlns:c="http://schemas.openxmlformats.org/drawingml/2006/chart" xmlns:r="http://schemas.openxmlformats.org/officeDocument/2006/relationships" r:id="rId2"/>
+          </a:graphicData>
+        </a:graphic>
+      </p:graphicFrame>
+    </p:spTree>
+    <p:extLst>
+      <p:ext uri="{BB962C8B-B14F-4D97-AF65-F5344CB8AC3E}">
+        <p14:creationId xmlns:p14="http://schemas.microsoft.com/office/powerpoint/2010/main" val="3031330280"/>
+      </p:ext>
+    </p:extLst>
+  </p:cSld>
+  <p:clrMapOvr>
+    <a:masterClrMapping/>
+  </p:clrMapOvr>
+</p:sld>
+</file>
+
+<file path=ppt/slides/slide11.xml><?xml version="1.0" encoding="utf-8"?>
+<p:sld xmlns:a="http://schemas.openxmlformats.org/drawingml/2006/main" xmlns:r="http://schemas.openxmlformats.org/officeDocument/2006/relationships" xmlns:p="http://schemas.openxmlformats.org/presentationml/2006/main">
+  <p:cSld>
+    <p:spTree>
+      <p:nvGrpSpPr>
+        <p:cNvPr id="1" name=""/>
+        <p:cNvGrpSpPr/>
+        <p:nvPr/>
+      </p:nvGrpSpPr>
+      <p:grpSpPr>
+        <a:xfrm>
+          <a:off x="0" y="0"/>
+          <a:ext cx="0" cy="0"/>
+          <a:chOff x="0" y="0"/>
+          <a:chExt cx="0" cy="0"/>
+        </a:xfrm>
+      </p:grpSpPr>
+      <p:graphicFrame>
+        <p:nvGraphicFramePr>
+          <p:cNvPr id="7" name="Content Placeholder 6"/>
+          <p:cNvGraphicFramePr>
+            <a:graphicFrameLocks noGrp="1"/>
+          </p:cNvGraphicFramePr>
+          <p:nvPr>
+            <p:ph idx="1"/>
+            <p:extLst>
+              <p:ext uri="{D42A27DB-BD31-4B8C-83A1-F6EECF244321}">
+                <p14:modId xmlns:p14="http://schemas.microsoft.com/office/powerpoint/2010/main" val="1264214657"/>
+              </p:ext>
+            </p:extLst>
+          </p:nvPr>
+        </p:nvGraphicFramePr>
+        <p:xfrm>
+          <a:off x="838200" y="228600"/>
+          <a:ext cx="10515600" cy="5948363"/>
+        </p:xfrm>
+        <a:graphic>
+          <a:graphicData uri="http://schemas.openxmlformats.org/drawingml/2006/chart">
+            <c:chart xmlns:c="http://schemas.openxmlformats.org/drawingml/2006/chart" xmlns:r="http://schemas.openxmlformats.org/officeDocument/2006/relationships" r:id="rId2"/>
+          </a:graphicData>
+        </a:graphic>
+      </p:graphicFrame>
+    </p:spTree>
+    <p:extLst>
+      <p:ext uri="{BB962C8B-B14F-4D97-AF65-F5344CB8AC3E}">
+        <p14:creationId xmlns:p14="http://schemas.microsoft.com/office/powerpoint/2010/main" val="2583888665"/>
+      </p:ext>
+    </p:extLst>
+  </p:cSld>
+  <p:clrMapOvr>
+    <a:masterClrMapping/>
+  </p:clrMapOvr>
+</p:sld>
+</file>
+
+<file path=ppt/slides/slide12.xml><?xml version="1.0" encoding="utf-8"?>
+<p:sld xmlns:a="http://schemas.openxmlformats.org/drawingml/2006/main" xmlns:r="http://schemas.openxmlformats.org/officeDocument/2006/relationships" xmlns:p="http://schemas.openxmlformats.org/presentationml/2006/main">
+  <p:cSld>
+    <p:spTree>
+      <p:nvGrpSpPr>
+        <p:cNvPr id="1" name=""/>
+        <p:cNvGrpSpPr/>
+        <p:nvPr/>
+      </p:nvGrpSpPr>
+      <p:grpSpPr>
+        <a:xfrm>
+          <a:off x="0" y="0"/>
+          <a:ext cx="0" cy="0"/>
+          <a:chOff x="0" y="0"/>
+          <a:chExt cx="0" cy="0"/>
+        </a:xfrm>
+      </p:grpSpPr>
+      <p:graphicFrame>
+        <p:nvGraphicFramePr>
+          <p:cNvPr id="7" name="Content Placeholder 6"/>
+          <p:cNvGraphicFramePr>
+            <a:graphicFrameLocks noGrp="1"/>
+          </p:cNvGraphicFramePr>
+          <p:nvPr>
+            <p:ph idx="1"/>
+            <p:extLst>
+              <p:ext uri="{D42A27DB-BD31-4B8C-83A1-F6EECF244321}">
+                <p14:modId xmlns:p14="http://schemas.microsoft.com/office/powerpoint/2010/main" val="4280529563"/>
+              </p:ext>
+            </p:extLst>
+          </p:nvPr>
+        </p:nvGraphicFramePr>
+        <p:xfrm>
+          <a:off x="838200" y="228600"/>
+          <a:ext cx="10515600" cy="5948363"/>
+        </p:xfrm>
+        <a:graphic>
+          <a:graphicData uri="http://schemas.openxmlformats.org/drawingml/2006/chart">
+            <c:chart xmlns:c="http://schemas.openxmlformats.org/drawingml/2006/chart" xmlns:r="http://schemas.openxmlformats.org/officeDocument/2006/relationships" r:id="rId2"/>
+          </a:graphicData>
+        </a:graphic>
+      </p:graphicFrame>
+    </p:spTree>
+    <p:extLst>
+      <p:ext uri="{BB962C8B-B14F-4D97-AF65-F5344CB8AC3E}">
+        <p14:creationId xmlns:p14="http://schemas.microsoft.com/office/powerpoint/2010/main" val="3691533502"/>
+      </p:ext>
+    </p:extLst>
+  </p:cSld>
+  <p:clrMapOvr>
+    <a:masterClrMapping/>
+  </p:clrMapOvr>
+</p:sld>
+</file>
+
+<file path=ppt/slides/slide13.xml><?xml version="1.0" encoding="utf-8"?>
+<p:sld xmlns:a="http://schemas.openxmlformats.org/drawingml/2006/main" xmlns:r="http://schemas.openxmlformats.org/officeDocument/2006/relationships" xmlns:p="http://schemas.openxmlformats.org/presentationml/2006/main">
+  <p:cSld>
+    <p:spTree>
+      <p:nvGrpSpPr>
+        <p:cNvPr id="1" name=""/>
+        <p:cNvGrpSpPr/>
+        <p:nvPr/>
+      </p:nvGrpSpPr>
+      <p:grpSpPr>
+        <a:xfrm>
+          <a:off x="0" y="0"/>
+          <a:ext cx="0" cy="0"/>
+          <a:chOff x="0" y="0"/>
+          <a:chExt cx="0" cy="0"/>
+        </a:xfrm>
+      </p:grpSpPr>
+      <p:graphicFrame>
+        <p:nvGraphicFramePr>
+          <p:cNvPr id="7" name="Content Placeholder 6"/>
+          <p:cNvGraphicFramePr>
+            <a:graphicFrameLocks noGrp="1"/>
+          </p:cNvGraphicFramePr>
+          <p:nvPr>
+            <p:ph idx="1"/>
+            <p:extLst>
+              <p:ext uri="{D42A27DB-BD31-4B8C-83A1-F6EECF244321}">
+                <p14:modId xmlns:p14="http://schemas.microsoft.com/office/powerpoint/2010/main" val="695633745"/>
+              </p:ext>
+            </p:extLst>
+          </p:nvPr>
+        </p:nvGraphicFramePr>
+        <p:xfrm>
+          <a:off x="838200" y="228600"/>
+          <a:ext cx="10515600" cy="5948363"/>
+        </p:xfrm>
+        <a:graphic>
+          <a:graphicData uri="http://schemas.openxmlformats.org/drawingml/2006/chart">
+            <c:chart xmlns:c="http://schemas.openxmlformats.org/drawingml/2006/chart" xmlns:r="http://schemas.openxmlformats.org/officeDocument/2006/relationships" r:id="rId2"/>
+          </a:graphicData>
+        </a:graphic>
+      </p:graphicFrame>
+    </p:spTree>
+    <p:extLst>
+      <p:ext uri="{BB962C8B-B14F-4D97-AF65-F5344CB8AC3E}">
+        <p14:creationId xmlns:p14="http://schemas.microsoft.com/office/powerpoint/2010/main" val="2733823571"/>
+      </p:ext>
+    </p:extLst>
+  </p:cSld>
+  <p:clrMapOvr>
+    <a:masterClrMapping/>
+  </p:clrMapOvr>
+</p:sld>
+</file>
+
+<file path=ppt/slides/slide14.xml><?xml version="1.0" encoding="utf-8"?>
+<p:sld xmlns:a="http://schemas.openxmlformats.org/drawingml/2006/main" xmlns:r="http://schemas.openxmlformats.org/officeDocument/2006/relationships" xmlns:p="http://schemas.openxmlformats.org/presentationml/2006/main">
+  <p:cSld>
+    <p:spTree>
+      <p:nvGrpSpPr>
+        <p:cNvPr id="1" name=""/>
+        <p:cNvGrpSpPr/>
+        <p:nvPr/>
+      </p:nvGrpSpPr>
+      <p:grpSpPr>
+        <a:xfrm>
+          <a:off x="0" y="0"/>
+          <a:ext cx="0" cy="0"/>
+          <a:chOff x="0" y="0"/>
+          <a:chExt cx="0" cy="0"/>
+        </a:xfrm>
+      </p:grpSpPr>
+      <p:graphicFrame>
+        <p:nvGraphicFramePr>
+          <p:cNvPr id="7" name="Content Placeholder 6"/>
+          <p:cNvGraphicFramePr>
+            <a:graphicFrameLocks noGrp="1"/>
+          </p:cNvGraphicFramePr>
+          <p:nvPr>
+            <p:ph idx="1"/>
+            <p:extLst>
+              <p:ext uri="{D42A27DB-BD31-4B8C-83A1-F6EECF244321}">
+                <p14:modId xmlns:p14="http://schemas.microsoft.com/office/powerpoint/2010/main" val="493258248"/>
+              </p:ext>
+            </p:extLst>
+          </p:nvPr>
+        </p:nvGraphicFramePr>
+        <p:xfrm>
+          <a:off x="838200" y="228600"/>
+          <a:ext cx="10515600" cy="5948363"/>
+        </p:xfrm>
+        <a:graphic>
+          <a:graphicData uri="http://schemas.openxmlformats.org/drawingml/2006/chart">
+            <c:chart xmlns:c="http://schemas.openxmlformats.org/drawingml/2006/chart" xmlns:r="http://schemas.openxmlformats.org/officeDocument/2006/relationships" r:id="rId2"/>
+          </a:graphicData>
+        </a:graphic>
+      </p:graphicFrame>
+    </p:spTree>
+    <p:extLst>
+      <p:ext uri="{BB962C8B-B14F-4D97-AF65-F5344CB8AC3E}">
+        <p14:creationId xmlns:p14="http://schemas.microsoft.com/office/powerpoint/2010/main" val="711797427"/>
+      </p:ext>
+    </p:extLst>
+  </p:cSld>
+  <p:clrMapOvr>
+    <a:masterClrMapping/>
+  </p:clrMapOvr>
+</p:sld>
+</file>
+
+<file path=ppt/slides/slide15.xml><?xml version="1.0" encoding="utf-8"?>
+<p:sld xmlns:a="http://schemas.openxmlformats.org/drawingml/2006/main" xmlns:r="http://schemas.openxmlformats.org/officeDocument/2006/relationships" xmlns:p="http://schemas.openxmlformats.org/presentationml/2006/main">
+  <p:cSld>
+    <p:spTree>
+      <p:nvGrpSpPr>
+        <p:cNvPr id="1" name=""/>
+        <p:cNvGrpSpPr/>
+        <p:nvPr/>
+      </p:nvGrpSpPr>
+      <p:grpSpPr>
+        <a:xfrm>
+          <a:off x="0" y="0"/>
+          <a:ext cx="0" cy="0"/>
+          <a:chOff x="0" y="0"/>
+          <a:chExt cx="0" cy="0"/>
+        </a:xfrm>
+      </p:grpSpPr>
+      <p:graphicFrame>
+        <p:nvGraphicFramePr>
+          <p:cNvPr id="7" name="Content Placeholder 6"/>
+          <p:cNvGraphicFramePr>
+            <a:graphicFrameLocks noGrp="1"/>
+          </p:cNvGraphicFramePr>
+          <p:nvPr>
+            <p:ph idx="1"/>
+            <p:extLst>
+              <p:ext uri="{D42A27DB-BD31-4B8C-83A1-F6EECF244321}">
+                <p14:modId xmlns:p14="http://schemas.microsoft.com/office/powerpoint/2010/main" val="4162096133"/>
+              </p:ext>
+            </p:extLst>
+          </p:nvPr>
+        </p:nvGraphicFramePr>
+        <p:xfrm>
+          <a:off x="838200" y="228600"/>
+          <a:ext cx="10515600" cy="5948363"/>
+        </p:xfrm>
+        <a:graphic>
+          <a:graphicData uri="http://schemas.openxmlformats.org/drawingml/2006/chart">
+            <c:chart xmlns:c="http://schemas.openxmlformats.org/drawingml/2006/chart" xmlns:r="http://schemas.openxmlformats.org/officeDocument/2006/relationships" r:id="rId2"/>
+          </a:graphicData>
+        </a:graphic>
+      </p:graphicFrame>
+    </p:spTree>
+    <p:extLst>
+      <p:ext uri="{BB962C8B-B14F-4D97-AF65-F5344CB8AC3E}">
+        <p14:creationId xmlns:p14="http://schemas.microsoft.com/office/powerpoint/2010/main" val="3105546018"/>
+      </p:ext>
+    </p:extLst>
+  </p:cSld>
+  <p:clrMapOvr>
+    <a:masterClrMapping/>
+  </p:clrMapOvr>
+</p:sld>
+</file>
+
+<file path=ppt/slides/slide16.xml><?xml version="1.0" encoding="utf-8"?>
+<p:sld xmlns:a="http://schemas.openxmlformats.org/drawingml/2006/main" xmlns:r="http://schemas.openxmlformats.org/officeDocument/2006/relationships" xmlns:p="http://schemas.openxmlformats.org/presentationml/2006/main">
+  <p:cSld>
+    <p:spTree>
+      <p:nvGrpSpPr>
+        <p:cNvPr id="1" name=""/>
+        <p:cNvGrpSpPr/>
+        <p:nvPr/>
+      </p:nvGrpSpPr>
+      <p:grpSpPr>
+        <a:xfrm>
+          <a:off x="0" y="0"/>
+          <a:ext cx="0" cy="0"/>
+          <a:chOff x="0" y="0"/>
+          <a:chExt cx="0" cy="0"/>
+        </a:xfrm>
+      </p:grpSpPr>
+      <p:grpSp>
+        <p:nvGrpSpPr>
+          <p:cNvPr id="19" name="Group 18"/>
+          <p:cNvGrpSpPr/>
+          <p:nvPr/>
+        </p:nvGrpSpPr>
+        <p:grpSpPr>
+          <a:xfrm>
+            <a:off x="2209800" y="1600200"/>
+            <a:ext cx="7848600" cy="3181350"/>
+            <a:chOff x="2209800" y="1600200"/>
+            <a:chExt cx="7848600" cy="3181350"/>
+          </a:xfrm>
+        </p:grpSpPr>
+        <p:sp>
+          <p:nvSpPr>
+            <p:cNvPr id="6" name="Rounded Rectangle 5"/>
+            <p:cNvSpPr/>
+            <p:nvPr/>
+          </p:nvSpPr>
+          <p:spPr>
+            <a:xfrm>
+              <a:off x="4343400" y="1600200"/>
+              <a:ext cx="3505200" cy="3181350"/>
+            </a:xfrm>
+            <a:prstGeom prst="roundRect">
+              <a:avLst/>
+            </a:prstGeom>
+            <a:noFill/>
+            <a:ln>
+              <a:solidFill>
+                <a:srgbClr val="C00000"/>
+              </a:solidFill>
+              <a:prstDash val="dash"/>
+            </a:ln>
+          </p:spPr>
+          <p:style>
+            <a:lnRef idx="2">
+              <a:schemeClr val="accent1">
+                <a:shade val="50000"/>
+              </a:schemeClr>
+            </a:lnRef>
+            <a:fillRef idx="1">
+              <a:schemeClr val="accent1"/>
+            </a:fillRef>
+            <a:effectRef idx="0">
+              <a:schemeClr val="accent1"/>
+            </a:effectRef>
+            <a:fontRef idx="minor">
+              <a:schemeClr val="lt1"/>
+            </a:fontRef>
+          </p:style>
+          <p:txBody>
+            <a:bodyPr rtlCol="0" anchor="ctr"/>
+            <a:lstStyle/>
+            <a:p>
+              <a:pPr algn="ctr"/>
+              <a:r>
+                <a:rPr lang="en-US" dirty="0" smtClean="0">
+                  <a:solidFill>
+                    <a:schemeClr val="tx1"/>
+                  </a:solidFill>
+                  <a:latin typeface="Times New Roman" panose="02020603050405020304" pitchFamily="18" charset="0"/>
+                  <a:cs typeface="Times New Roman" panose="02020603050405020304" pitchFamily="18" charset="0"/>
+                </a:rPr>
+                <a:t>Currently proposed System</a:t>
+              </a:r>
+            </a:p>
+            <a:p>
+              <a:pPr algn="ctr"/>
+              <a:endParaRPr lang="en-US" dirty="0">
+                <a:solidFill>
+                  <a:schemeClr val="tx1"/>
+                </a:solidFill>
+                <a:latin typeface="Times New Roman" panose="02020603050405020304" pitchFamily="18" charset="0"/>
+                <a:cs typeface="Times New Roman" panose="02020603050405020304" pitchFamily="18" charset="0"/>
+              </a:endParaRPr>
+            </a:p>
+            <a:p>
+              <a:pPr algn="ctr"/>
+              <a:endParaRPr lang="en-US" dirty="0" smtClean="0">
+                <a:solidFill>
+                  <a:schemeClr val="tx1"/>
+                </a:solidFill>
+                <a:latin typeface="Times New Roman" panose="02020603050405020304" pitchFamily="18" charset="0"/>
+                <a:cs typeface="Times New Roman" panose="02020603050405020304" pitchFamily="18" charset="0"/>
+              </a:endParaRPr>
+            </a:p>
+            <a:p>
+              <a:pPr algn="ctr"/>
+              <a:endParaRPr lang="en-US" dirty="0">
+                <a:solidFill>
+                  <a:schemeClr val="tx1"/>
+                </a:solidFill>
+                <a:latin typeface="Times New Roman" panose="02020603050405020304" pitchFamily="18" charset="0"/>
+                <a:cs typeface="Times New Roman" panose="02020603050405020304" pitchFamily="18" charset="0"/>
+              </a:endParaRPr>
+            </a:p>
+            <a:p>
+              <a:pPr algn="ctr"/>
+              <a:endParaRPr lang="en-US" dirty="0" smtClean="0">
+                <a:solidFill>
+                  <a:schemeClr val="tx1"/>
+                </a:solidFill>
+                <a:latin typeface="Times New Roman" panose="02020603050405020304" pitchFamily="18" charset="0"/>
+                <a:cs typeface="Times New Roman" panose="02020603050405020304" pitchFamily="18" charset="0"/>
+              </a:endParaRPr>
+            </a:p>
+            <a:p>
+              <a:pPr algn="ctr"/>
+              <a:endParaRPr lang="en-US" dirty="0">
+                <a:solidFill>
+                  <a:schemeClr val="tx1"/>
+                </a:solidFill>
+                <a:latin typeface="Times New Roman" panose="02020603050405020304" pitchFamily="18" charset="0"/>
+                <a:cs typeface="Times New Roman" panose="02020603050405020304" pitchFamily="18" charset="0"/>
+              </a:endParaRPr>
+            </a:p>
+            <a:p>
+              <a:pPr algn="ctr"/>
+              <a:endParaRPr lang="en-US" dirty="0" smtClean="0">
+                <a:solidFill>
+                  <a:schemeClr val="tx1"/>
+                </a:solidFill>
+                <a:latin typeface="Times New Roman" panose="02020603050405020304" pitchFamily="18" charset="0"/>
+                <a:cs typeface="Times New Roman" panose="02020603050405020304" pitchFamily="18" charset="0"/>
+              </a:endParaRPr>
+            </a:p>
+            <a:p>
+              <a:pPr algn="ctr"/>
+              <a:endParaRPr lang="en-US" dirty="0">
+                <a:solidFill>
+                  <a:schemeClr val="tx1"/>
+                </a:solidFill>
+                <a:latin typeface="Times New Roman" panose="02020603050405020304" pitchFamily="18" charset="0"/>
+                <a:cs typeface="Times New Roman" panose="02020603050405020304" pitchFamily="18" charset="0"/>
+              </a:endParaRPr>
+            </a:p>
+          </p:txBody>
+        </p:sp>
+        <p:sp>
+          <p:nvSpPr>
+            <p:cNvPr id="4" name="Rounded Rectangle 3"/>
+            <p:cNvSpPr/>
+            <p:nvPr/>
+          </p:nvSpPr>
+          <p:spPr>
+            <a:xfrm>
+              <a:off x="4648200" y="2695575"/>
+              <a:ext cx="2895600" cy="990600"/>
+            </a:xfrm>
+            <a:prstGeom prst="roundRect">
+              <a:avLst/>
+            </a:prstGeom>
+            <a:noFill/>
+          </p:spPr>
+          <p:style>
+            <a:lnRef idx="2">
+              <a:schemeClr val="accent1">
+                <a:shade val="50000"/>
+              </a:schemeClr>
+            </a:lnRef>
+            <a:fillRef idx="1">
+              <a:schemeClr val="accent1"/>
+            </a:fillRef>
+            <a:effectRef idx="0">
+              <a:schemeClr val="accent1"/>
+            </a:effectRef>
+            <a:fontRef idx="minor">
+              <a:schemeClr val="lt1"/>
+            </a:fontRef>
+          </p:style>
+          <p:txBody>
+            <a:bodyPr rtlCol="0" anchor="ctr"/>
+            <a:lstStyle/>
+            <a:p>
+              <a:pPr algn="ctr"/>
+              <a:r>
+                <a:rPr lang="en-US" dirty="0" smtClean="0">
+                  <a:solidFill>
+                    <a:schemeClr val="tx1"/>
+                  </a:solidFill>
+                  <a:latin typeface="Times New Roman" panose="02020603050405020304" pitchFamily="18" charset="0"/>
+                  <a:cs typeface="Times New Roman" panose="02020603050405020304" pitchFamily="18" charset="0"/>
+                </a:rPr>
+                <a:t>Proposed DSS</a:t>
+              </a:r>
+              <a:endParaRPr lang="en-US" dirty="0">
+                <a:solidFill>
+                  <a:schemeClr val="tx1"/>
+                </a:solidFill>
+                <a:latin typeface="Times New Roman" panose="02020603050405020304" pitchFamily="18" charset="0"/>
+                <a:cs typeface="Times New Roman" panose="02020603050405020304" pitchFamily="18" charset="0"/>
+              </a:endParaRPr>
+            </a:p>
+          </p:txBody>
+        </p:sp>
+        <p:sp>
+          <p:nvSpPr>
+            <p:cNvPr id="5" name="Rounded Rectangle 4"/>
+            <p:cNvSpPr/>
+            <p:nvPr/>
+          </p:nvSpPr>
+          <p:spPr>
+            <a:xfrm>
+              <a:off x="2209800" y="2562225"/>
+              <a:ext cx="1828800" cy="1257300"/>
+            </a:xfrm>
+            <a:prstGeom prst="roundRect">
+              <a:avLst/>
+            </a:prstGeom>
+            <a:noFill/>
+          </p:spPr>
+          <p:style>
+            <a:lnRef idx="2">
+              <a:schemeClr val="accent1">
+                <a:shade val="50000"/>
+              </a:schemeClr>
+            </a:lnRef>
+            <a:fillRef idx="1">
+              <a:schemeClr val="accent1"/>
+            </a:fillRef>
+            <a:effectRef idx="0">
+              <a:schemeClr val="accent1"/>
+            </a:effectRef>
+            <a:fontRef idx="minor">
+              <a:schemeClr val="lt1"/>
+            </a:fontRef>
+          </p:style>
+          <p:txBody>
+            <a:bodyPr rtlCol="0" anchor="ctr"/>
+            <a:lstStyle/>
+            <a:p>
+              <a:pPr algn="ctr"/>
+              <a:r>
+                <a:rPr lang="en-US" dirty="0" smtClean="0">
+                  <a:solidFill>
+                    <a:schemeClr val="tx1"/>
+                  </a:solidFill>
+                  <a:latin typeface="Times New Roman" panose="02020603050405020304" pitchFamily="18" charset="0"/>
+                  <a:cs typeface="Times New Roman" panose="02020603050405020304" pitchFamily="18" charset="0"/>
+                </a:rPr>
+                <a:t>Automated Data Collection - Framework and Infrastructure</a:t>
+              </a:r>
+              <a:endParaRPr lang="en-US" dirty="0">
+                <a:solidFill>
+                  <a:schemeClr val="tx1"/>
+                </a:solidFill>
+                <a:latin typeface="Times New Roman" panose="02020603050405020304" pitchFamily="18" charset="0"/>
+                <a:cs typeface="Times New Roman" panose="02020603050405020304" pitchFamily="18" charset="0"/>
+              </a:endParaRPr>
+            </a:p>
+          </p:txBody>
+        </p:sp>
+        <p:sp>
+          <p:nvSpPr>
+            <p:cNvPr id="8" name="Rounded Rectangle 7"/>
+            <p:cNvSpPr/>
+            <p:nvPr/>
+          </p:nvSpPr>
+          <p:spPr>
+            <a:xfrm>
+              <a:off x="8167816" y="2695575"/>
+              <a:ext cx="1890584" cy="990600"/>
+            </a:xfrm>
+            <a:prstGeom prst="roundRect">
+              <a:avLst/>
+            </a:prstGeom>
+            <a:noFill/>
+          </p:spPr>
+          <p:style>
+            <a:lnRef idx="2">
+              <a:schemeClr val="accent1">
+                <a:shade val="50000"/>
+              </a:schemeClr>
+            </a:lnRef>
+            <a:fillRef idx="1">
+              <a:schemeClr val="accent1"/>
+            </a:fillRef>
+            <a:effectRef idx="0">
+              <a:schemeClr val="accent1"/>
+            </a:effectRef>
+            <a:fontRef idx="minor">
+              <a:schemeClr val="lt1"/>
+            </a:fontRef>
+          </p:style>
+          <p:txBody>
+            <a:bodyPr rtlCol="0" anchor="ctr"/>
+            <a:lstStyle/>
+            <a:p>
+              <a:pPr algn="ctr"/>
+              <a:r>
+                <a:rPr lang="en-US" dirty="0">
+                  <a:solidFill>
+                    <a:schemeClr val="tx1"/>
+                  </a:solidFill>
+                  <a:latin typeface="Times New Roman" panose="02020603050405020304" pitchFamily="18" charset="0"/>
+                  <a:cs typeface="Times New Roman" panose="02020603050405020304" pitchFamily="18" charset="0"/>
+                </a:rPr>
+                <a:t>Possible Extension to an Expert System</a:t>
+              </a:r>
+              <a:endParaRPr lang="en-US" dirty="0">
+                <a:solidFill>
+                  <a:schemeClr val="tx1"/>
+                </a:solidFill>
+                <a:latin typeface="Times New Roman" panose="02020603050405020304" pitchFamily="18" charset="0"/>
+                <a:cs typeface="Times New Roman" panose="02020603050405020304" pitchFamily="18" charset="0"/>
+              </a:endParaRPr>
+            </a:p>
+          </p:txBody>
+        </p:sp>
+        <p:cxnSp>
+          <p:nvCxnSpPr>
+            <p:cNvPr id="10" name="Straight Arrow Connector 9"/>
+            <p:cNvCxnSpPr>
+              <a:stCxn id="4" idx="3"/>
+              <a:endCxn id="8" idx="1"/>
+            </p:cNvCxnSpPr>
+            <p:nvPr/>
+          </p:nvCxnSpPr>
+          <p:spPr>
+            <a:xfrm>
+              <a:off x="7543800" y="3190875"/>
+              <a:ext cx="624016" cy="0"/>
+            </a:xfrm>
+            <a:prstGeom prst="straightConnector1">
+              <a:avLst/>
+            </a:prstGeom>
+            <a:ln w="38100">
+              <a:tailEnd type="triangle"/>
+            </a:ln>
+          </p:spPr>
+          <p:style>
+            <a:lnRef idx="1">
+              <a:schemeClr val="accent1"/>
+            </a:lnRef>
+            <a:fillRef idx="0">
+              <a:schemeClr val="accent1"/>
+            </a:fillRef>
+            <a:effectRef idx="0">
+              <a:schemeClr val="accent1"/>
+            </a:effectRef>
+            <a:fontRef idx="minor">
+              <a:schemeClr val="tx1"/>
+            </a:fontRef>
+          </p:style>
+        </p:cxnSp>
+        <p:cxnSp>
+          <p:nvCxnSpPr>
+            <p:cNvPr id="11" name="Straight Arrow Connector 10"/>
+            <p:cNvCxnSpPr>
+              <a:stCxn id="5" idx="3"/>
+              <a:endCxn id="4" idx="1"/>
+            </p:cNvCxnSpPr>
+            <p:nvPr/>
+          </p:nvCxnSpPr>
+          <p:spPr>
+            <a:xfrm>
+              <a:off x="4038600" y="3190875"/>
+              <a:ext cx="609600" cy="0"/>
+            </a:xfrm>
+            <a:prstGeom prst="straightConnector1">
+              <a:avLst/>
+            </a:prstGeom>
+            <a:ln w="38100">
+              <a:tailEnd type="triangle"/>
+            </a:ln>
+          </p:spPr>
+          <p:style>
+            <a:lnRef idx="1">
+              <a:schemeClr val="accent1"/>
+            </a:lnRef>
+            <a:fillRef idx="0">
+              <a:schemeClr val="accent1"/>
+            </a:fillRef>
+            <a:effectRef idx="0">
+              <a:schemeClr val="accent1"/>
+            </a:effectRef>
+            <a:fontRef idx="minor">
+              <a:schemeClr val="tx1"/>
+            </a:fontRef>
+          </p:style>
+        </p:cxnSp>
+        <p:sp>
+          <p:nvSpPr>
+            <p:cNvPr id="15" name="Right Arrow 14"/>
+            <p:cNvSpPr/>
+            <p:nvPr/>
+          </p:nvSpPr>
+          <p:spPr>
+            <a:xfrm flipH="1">
+              <a:off x="2631989" y="1828800"/>
+              <a:ext cx="1357184" cy="609600"/>
+            </a:xfrm>
+            <a:prstGeom prst="rightArrow">
+              <a:avLst/>
+            </a:prstGeom>
+            <a:noFill/>
+          </p:spPr>
+          <p:style>
+            <a:lnRef idx="2">
+              <a:schemeClr val="accent1">
+                <a:shade val="50000"/>
+              </a:schemeClr>
+            </a:lnRef>
+            <a:fillRef idx="1">
+              <a:schemeClr val="accent1"/>
+            </a:fillRef>
+            <a:effectRef idx="0">
+              <a:schemeClr val="accent1"/>
+            </a:effectRef>
+            <a:fontRef idx="minor">
+              <a:schemeClr val="lt1"/>
+            </a:fontRef>
+          </p:style>
+          <p:txBody>
+            <a:bodyPr rtlCol="0" anchor="ctr"/>
+            <a:lstStyle/>
+            <a:p>
+              <a:pPr algn="ctr"/>
+              <a:r>
+                <a:rPr lang="en-US" sz="1400" dirty="0" smtClean="0">
+                  <a:solidFill>
+                    <a:schemeClr val="tx1"/>
+                  </a:solidFill>
+                  <a:latin typeface="Times New Roman" panose="02020603050405020304" pitchFamily="18" charset="0"/>
+                  <a:cs typeface="Times New Roman" panose="02020603050405020304" pitchFamily="18" charset="0"/>
+                </a:rPr>
+                <a:t>Expansion</a:t>
+              </a:r>
+              <a:endParaRPr lang="en-US" sz="1400" dirty="0">
+                <a:solidFill>
+                  <a:schemeClr val="tx1"/>
+                </a:solidFill>
+                <a:latin typeface="Times New Roman" panose="02020603050405020304" pitchFamily="18" charset="0"/>
+                <a:cs typeface="Times New Roman" panose="02020603050405020304" pitchFamily="18" charset="0"/>
+              </a:endParaRPr>
+            </a:p>
+          </p:txBody>
+        </p:sp>
+        <p:sp>
+          <p:nvSpPr>
+            <p:cNvPr id="16" name="Right Arrow 15"/>
+            <p:cNvSpPr/>
+            <p:nvPr/>
+          </p:nvSpPr>
+          <p:spPr>
+            <a:xfrm>
+              <a:off x="8202827" y="1828800"/>
+              <a:ext cx="1357184" cy="609600"/>
+            </a:xfrm>
+            <a:prstGeom prst="rightArrow">
+              <a:avLst/>
+            </a:prstGeom>
+            <a:noFill/>
+          </p:spPr>
+          <p:style>
+            <a:lnRef idx="2">
+              <a:schemeClr val="accent1">
+                <a:shade val="50000"/>
+              </a:schemeClr>
+            </a:lnRef>
+            <a:fillRef idx="1">
+              <a:schemeClr val="accent1"/>
+            </a:fillRef>
+            <a:effectRef idx="0">
+              <a:schemeClr val="accent1"/>
+            </a:effectRef>
+            <a:fontRef idx="minor">
+              <a:schemeClr val="lt1"/>
+            </a:fontRef>
+          </p:style>
+          <p:txBody>
+            <a:bodyPr rtlCol="0" anchor="ctr"/>
+            <a:lstStyle/>
+            <a:p>
+              <a:pPr algn="ctr"/>
+              <a:r>
+                <a:rPr lang="en-US" sz="1400" dirty="0" smtClean="0">
+                  <a:solidFill>
+                    <a:schemeClr val="tx1"/>
+                  </a:solidFill>
+                  <a:latin typeface="Times New Roman" panose="02020603050405020304" pitchFamily="18" charset="0"/>
+                  <a:cs typeface="Times New Roman" panose="02020603050405020304" pitchFamily="18" charset="0"/>
+                </a:rPr>
+                <a:t>Expansion</a:t>
+              </a:r>
+              <a:endParaRPr lang="en-US" sz="1400" dirty="0">
+                <a:solidFill>
+                  <a:schemeClr val="tx1"/>
+                </a:solidFill>
+                <a:latin typeface="Times New Roman" panose="02020603050405020304" pitchFamily="18" charset="0"/>
+                <a:cs typeface="Times New Roman" panose="02020603050405020304" pitchFamily="18" charset="0"/>
+              </a:endParaRPr>
+            </a:p>
+          </p:txBody>
+        </p:sp>
+      </p:grpSp>
+    </p:spTree>
+    <p:extLst>
+      <p:ext uri="{BB962C8B-B14F-4D97-AF65-F5344CB8AC3E}">
+        <p14:creationId xmlns:p14="http://schemas.microsoft.com/office/powerpoint/2010/main" val="4150378899"/>
       </p:ext>
     </p:extLst>
   </p:cSld>
@@ -23024,7 +29014,7 @@
   <a:extraClrSchemeLst/>
   <a:extLst>
     <a:ext uri="{05A4C25C-085E-4340-85A3-A5531E510DB2}">
-      <thm15:themeFamily xmlns:thm15="http://schemas.microsoft.com/office/thememl/2012/main" xmlns="" name="Office Theme" id="{62F939B6-93AF-4DB8-9C6B-D6C7DFDC589F}" vid="{4A3C46E8-61CC-4603-A589-7422A47A8E4A}"/>
+      <thm15:themeFamily xmlns:thm15="http://schemas.microsoft.com/office/thememl/2012/main" name="Office Theme" id="{62F939B6-93AF-4DB8-9C6B-D6C7DFDC589F}" vid="{4A3C46E8-61CC-4603-A589-7422A47A8E4A}"/>
     </a:ext>
   </a:extLst>
 </a:theme>
